--- a/パワポ/fig/プレゼンテーション1.pptx
+++ b/パワポ/fig/プレゼンテーション1.pptx
@@ -16,6 +16,8 @@
     <p:sldId id="265" r:id="rId10"/>
     <p:sldId id="266" r:id="rId11"/>
     <p:sldId id="267" r:id="rId12"/>
+    <p:sldId id="268" r:id="rId13"/>
+    <p:sldId id="269" r:id="rId14"/>
   </p:sldIdLst>
   <p:sldSz cx="12192000" cy="6858000"/>
   <p:notesSz cx="6858000" cy="9144000"/>
@@ -253,7 +255,7 @@
           <a:p>
             <a:fld id="{9A391B90-8A79-412C-89FE-F2A94E6B2FAF}" type="datetimeFigureOut">
               <a:rPr kumimoji="1" lang="ja-JP" altLang="en-US" smtClean="0"/>
-              <a:t>2019/12/15</a:t>
+              <a:t>2019/12/21</a:t>
             </a:fld>
             <a:endParaRPr kumimoji="1" lang="ja-JP" altLang="en-US" dirty="0"/>
           </a:p>
@@ -455,7 +457,7 @@
           <a:p>
             <a:fld id="{9A391B90-8A79-412C-89FE-F2A94E6B2FAF}" type="datetimeFigureOut">
               <a:rPr kumimoji="1" lang="ja-JP" altLang="en-US" smtClean="0"/>
-              <a:t>2019/12/15</a:t>
+              <a:t>2019/12/21</a:t>
             </a:fld>
             <a:endParaRPr kumimoji="1" lang="ja-JP" altLang="en-US" dirty="0"/>
           </a:p>
@@ -667,7 +669,7 @@
           <a:p>
             <a:fld id="{9A391B90-8A79-412C-89FE-F2A94E6B2FAF}" type="datetimeFigureOut">
               <a:rPr kumimoji="1" lang="ja-JP" altLang="en-US" smtClean="0"/>
-              <a:t>2019/12/15</a:t>
+              <a:t>2019/12/21</a:t>
             </a:fld>
             <a:endParaRPr kumimoji="1" lang="ja-JP" altLang="en-US" dirty="0"/>
           </a:p>
@@ -869,7 +871,7 @@
           <a:p>
             <a:fld id="{9A391B90-8A79-412C-89FE-F2A94E6B2FAF}" type="datetimeFigureOut">
               <a:rPr kumimoji="1" lang="ja-JP" altLang="en-US" smtClean="0"/>
-              <a:t>2019/12/15</a:t>
+              <a:t>2019/12/21</a:t>
             </a:fld>
             <a:endParaRPr kumimoji="1" lang="ja-JP" altLang="en-US" dirty="0"/>
           </a:p>
@@ -1115,7 +1117,7 @@
           <a:p>
             <a:fld id="{9A391B90-8A79-412C-89FE-F2A94E6B2FAF}" type="datetimeFigureOut">
               <a:rPr kumimoji="1" lang="ja-JP" altLang="en-US" smtClean="0"/>
-              <a:t>2019/12/15</a:t>
+              <a:t>2019/12/21</a:t>
             </a:fld>
             <a:endParaRPr kumimoji="1" lang="ja-JP" altLang="en-US" dirty="0"/>
           </a:p>
@@ -1411,7 +1413,7 @@
           <a:p>
             <a:fld id="{9A391B90-8A79-412C-89FE-F2A94E6B2FAF}" type="datetimeFigureOut">
               <a:rPr kumimoji="1" lang="ja-JP" altLang="en-US" smtClean="0"/>
-              <a:t>2019/12/15</a:t>
+              <a:t>2019/12/21</a:t>
             </a:fld>
             <a:endParaRPr kumimoji="1" lang="ja-JP" altLang="en-US" dirty="0"/>
           </a:p>
@@ -1842,7 +1844,7 @@
           <a:p>
             <a:fld id="{9A391B90-8A79-412C-89FE-F2A94E6B2FAF}" type="datetimeFigureOut">
               <a:rPr kumimoji="1" lang="ja-JP" altLang="en-US" smtClean="0"/>
-              <a:t>2019/12/15</a:t>
+              <a:t>2019/12/21</a:t>
             </a:fld>
             <a:endParaRPr kumimoji="1" lang="ja-JP" altLang="en-US" dirty="0"/>
           </a:p>
@@ -1960,7 +1962,7 @@
           <a:p>
             <a:fld id="{9A391B90-8A79-412C-89FE-F2A94E6B2FAF}" type="datetimeFigureOut">
               <a:rPr kumimoji="1" lang="ja-JP" altLang="en-US" smtClean="0"/>
-              <a:t>2019/12/15</a:t>
+              <a:t>2019/12/21</a:t>
             </a:fld>
             <a:endParaRPr kumimoji="1" lang="ja-JP" altLang="en-US" dirty="0"/>
           </a:p>
@@ -2055,7 +2057,7 @@
           <a:p>
             <a:fld id="{9A391B90-8A79-412C-89FE-F2A94E6B2FAF}" type="datetimeFigureOut">
               <a:rPr kumimoji="1" lang="ja-JP" altLang="en-US" smtClean="0"/>
-              <a:t>2019/12/15</a:t>
+              <a:t>2019/12/21</a:t>
             </a:fld>
             <a:endParaRPr kumimoji="1" lang="ja-JP" altLang="en-US" dirty="0"/>
           </a:p>
@@ -2364,7 +2366,7 @@
           <a:p>
             <a:fld id="{9A391B90-8A79-412C-89FE-F2A94E6B2FAF}" type="datetimeFigureOut">
               <a:rPr kumimoji="1" lang="ja-JP" altLang="en-US" smtClean="0"/>
-              <a:t>2019/12/15</a:t>
+              <a:t>2019/12/21</a:t>
             </a:fld>
             <a:endParaRPr kumimoji="1" lang="ja-JP" altLang="en-US" dirty="0"/>
           </a:p>
@@ -2617,7 +2619,7 @@
           <a:p>
             <a:fld id="{9A391B90-8A79-412C-89FE-F2A94E6B2FAF}" type="datetimeFigureOut">
               <a:rPr kumimoji="1" lang="ja-JP" altLang="en-US" smtClean="0"/>
-              <a:t>2019/12/15</a:t>
+              <a:t>2019/12/21</a:t>
             </a:fld>
             <a:endParaRPr kumimoji="1" lang="ja-JP" altLang="en-US" dirty="0"/>
           </a:p>
@@ -2862,7 +2864,7 @@
           <a:p>
             <a:fld id="{9A391B90-8A79-412C-89FE-F2A94E6B2FAF}" type="datetimeFigureOut">
               <a:rPr kumimoji="1" lang="ja-JP" altLang="en-US" smtClean="0"/>
-              <a:t>2019/12/15</a:t>
+              <a:t>2019/12/21</a:t>
             </a:fld>
             <a:endParaRPr kumimoji="1" lang="ja-JP" altLang="en-US" dirty="0"/>
           </a:p>
@@ -6400,6 +6402,1485 @@
 </p:sld>
 </file>
 
+<file path=ppt/slides/slide12.xml><?xml version="1.0" encoding="utf-8"?>
+<p:sld xmlns:a="http://schemas.openxmlformats.org/drawingml/2006/main" xmlns:r="http://schemas.openxmlformats.org/officeDocument/2006/relationships" xmlns:p="http://schemas.openxmlformats.org/presentationml/2006/main">
+  <p:cSld>
+    <p:spTree>
+      <p:nvGrpSpPr>
+        <p:cNvPr id="1" name=""/>
+        <p:cNvGrpSpPr/>
+        <p:nvPr/>
+      </p:nvGrpSpPr>
+      <p:grpSpPr>
+        <a:xfrm>
+          <a:off x="0" y="0"/>
+          <a:ext cx="0" cy="0"/>
+          <a:chOff x="0" y="0"/>
+          <a:chExt cx="0" cy="0"/>
+        </a:xfrm>
+      </p:grpSpPr>
+      <p:sp>
+        <p:nvSpPr>
+          <p:cNvPr id="2" name="正方形/長方形 1"/>
+          <p:cNvSpPr/>
+          <p:nvPr/>
+        </p:nvSpPr>
+        <p:spPr>
+          <a:xfrm rot="19931376">
+            <a:off x="3585771" y="3595330"/>
+            <a:ext cx="4780547" cy="288000"/>
+          </a:xfrm>
+          <a:prstGeom prst="rect">
+            <a:avLst/>
+          </a:prstGeom>
+          <a:solidFill>
+            <a:schemeClr val="tx1"/>
+          </a:solidFill>
+          <a:ln>
+            <a:solidFill>
+              <a:schemeClr val="tx1"/>
+            </a:solidFill>
+          </a:ln>
+        </p:spPr>
+        <p:style>
+          <a:lnRef idx="2">
+            <a:schemeClr val="accent1">
+              <a:shade val="50000"/>
+            </a:schemeClr>
+          </a:lnRef>
+          <a:fillRef idx="1">
+            <a:schemeClr val="accent1"/>
+          </a:fillRef>
+          <a:effectRef idx="0">
+            <a:schemeClr val="accent1"/>
+          </a:effectRef>
+          <a:fontRef idx="minor">
+            <a:schemeClr val="lt1"/>
+          </a:fontRef>
+        </p:style>
+        <p:txBody>
+          <a:bodyPr rtlCol="0" anchor="ctr"/>
+          <a:lstStyle/>
+          <a:p>
+            <a:pPr algn="ctr"/>
+            <a:endParaRPr kumimoji="1" lang="ja-JP" altLang="en-US"/>
+          </a:p>
+        </p:txBody>
+      </p:sp>
+      <p:sp>
+        <p:nvSpPr>
+          <p:cNvPr id="3" name="正方形/長方形 2"/>
+          <p:cNvSpPr/>
+          <p:nvPr/>
+        </p:nvSpPr>
+        <p:spPr>
+          <a:xfrm rot="2056883">
+            <a:off x="4141491" y="3505914"/>
+            <a:ext cx="4391980" cy="288000"/>
+          </a:xfrm>
+          <a:prstGeom prst="rect">
+            <a:avLst/>
+          </a:prstGeom>
+          <a:solidFill>
+            <a:schemeClr val="tx1"/>
+          </a:solidFill>
+          <a:ln>
+            <a:solidFill>
+              <a:schemeClr val="tx1"/>
+            </a:solidFill>
+          </a:ln>
+        </p:spPr>
+        <p:style>
+          <a:lnRef idx="2">
+            <a:schemeClr val="accent1">
+              <a:shade val="50000"/>
+            </a:schemeClr>
+          </a:lnRef>
+          <a:fillRef idx="1">
+            <a:schemeClr val="accent1"/>
+          </a:fillRef>
+          <a:effectRef idx="0">
+            <a:schemeClr val="accent1"/>
+          </a:effectRef>
+          <a:fontRef idx="minor">
+            <a:schemeClr val="lt1"/>
+          </a:fontRef>
+        </p:style>
+        <p:txBody>
+          <a:bodyPr rtlCol="0" anchor="ctr"/>
+          <a:lstStyle/>
+          <a:p>
+            <a:pPr algn="ctr"/>
+            <a:endParaRPr kumimoji="1" lang="ja-JP" altLang="en-US"/>
+          </a:p>
+        </p:txBody>
+      </p:sp>
+      <p:sp>
+        <p:nvSpPr>
+          <p:cNvPr id="4" name="円/楕円 3"/>
+          <p:cNvSpPr/>
+          <p:nvPr/>
+        </p:nvSpPr>
+        <p:spPr>
+          <a:xfrm>
+            <a:off x="3593473" y="2074435"/>
+            <a:ext cx="2101516" cy="705852"/>
+          </a:xfrm>
+          <a:prstGeom prst="ellipse">
+            <a:avLst/>
+          </a:prstGeom>
+        </p:spPr>
+        <p:style>
+          <a:lnRef idx="2">
+            <a:schemeClr val="accent1">
+              <a:shade val="50000"/>
+            </a:schemeClr>
+          </a:lnRef>
+          <a:fillRef idx="1">
+            <a:schemeClr val="accent1"/>
+          </a:fillRef>
+          <a:effectRef idx="0">
+            <a:schemeClr val="accent1"/>
+          </a:effectRef>
+          <a:fontRef idx="minor">
+            <a:schemeClr val="lt1"/>
+          </a:fontRef>
+        </p:style>
+        <p:txBody>
+          <a:bodyPr rtlCol="0" anchor="ctr"/>
+          <a:lstStyle/>
+          <a:p>
+            <a:pPr algn="ctr"/>
+            <a:endParaRPr kumimoji="1" lang="ja-JP" altLang="en-US"/>
+          </a:p>
+        </p:txBody>
+      </p:sp>
+      <p:sp>
+        <p:nvSpPr>
+          <p:cNvPr id="5" name="円/楕円 4"/>
+          <p:cNvSpPr/>
+          <p:nvPr/>
+        </p:nvSpPr>
+        <p:spPr>
+          <a:xfrm>
+            <a:off x="6641392" y="4477455"/>
+            <a:ext cx="2101516" cy="705852"/>
+          </a:xfrm>
+          <a:prstGeom prst="ellipse">
+            <a:avLst/>
+          </a:prstGeom>
+        </p:spPr>
+        <p:style>
+          <a:lnRef idx="2">
+            <a:schemeClr val="accent1">
+              <a:shade val="50000"/>
+            </a:schemeClr>
+          </a:lnRef>
+          <a:fillRef idx="1">
+            <a:schemeClr val="accent1"/>
+          </a:fillRef>
+          <a:effectRef idx="0">
+            <a:schemeClr val="accent1"/>
+          </a:effectRef>
+          <a:fontRef idx="minor">
+            <a:schemeClr val="lt1"/>
+          </a:fontRef>
+        </p:style>
+        <p:txBody>
+          <a:bodyPr rtlCol="0" anchor="ctr"/>
+          <a:lstStyle/>
+          <a:p>
+            <a:pPr algn="ctr"/>
+            <a:endParaRPr kumimoji="1" lang="ja-JP" altLang="en-US"/>
+          </a:p>
+        </p:txBody>
+      </p:sp>
+      <p:sp>
+        <p:nvSpPr>
+          <p:cNvPr id="6" name="円/楕円 5"/>
+          <p:cNvSpPr/>
+          <p:nvPr/>
+        </p:nvSpPr>
+        <p:spPr>
+          <a:xfrm>
+            <a:off x="2743915" y="4477455"/>
+            <a:ext cx="2101516" cy="705852"/>
+          </a:xfrm>
+          <a:prstGeom prst="ellipse">
+            <a:avLst/>
+          </a:prstGeom>
+        </p:spPr>
+        <p:style>
+          <a:lnRef idx="2">
+            <a:schemeClr val="accent1">
+              <a:shade val="50000"/>
+            </a:schemeClr>
+          </a:lnRef>
+          <a:fillRef idx="1">
+            <a:schemeClr val="accent1"/>
+          </a:fillRef>
+          <a:effectRef idx="0">
+            <a:schemeClr val="accent1"/>
+          </a:effectRef>
+          <a:fontRef idx="minor">
+            <a:schemeClr val="lt1"/>
+          </a:fontRef>
+        </p:style>
+        <p:txBody>
+          <a:bodyPr rtlCol="0" anchor="ctr"/>
+          <a:lstStyle/>
+          <a:p>
+            <a:pPr algn="ctr"/>
+            <a:endParaRPr kumimoji="1" lang="ja-JP" altLang="en-US"/>
+          </a:p>
+        </p:txBody>
+      </p:sp>
+      <p:sp>
+        <p:nvSpPr>
+          <p:cNvPr id="7" name="円/楕円 6"/>
+          <p:cNvSpPr/>
+          <p:nvPr/>
+        </p:nvSpPr>
+        <p:spPr>
+          <a:xfrm>
+            <a:off x="7374934" y="2074435"/>
+            <a:ext cx="2101516" cy="705852"/>
+          </a:xfrm>
+          <a:prstGeom prst="ellipse">
+            <a:avLst/>
+          </a:prstGeom>
+        </p:spPr>
+        <p:style>
+          <a:lnRef idx="2">
+            <a:schemeClr val="accent1">
+              <a:shade val="50000"/>
+            </a:schemeClr>
+          </a:lnRef>
+          <a:fillRef idx="1">
+            <a:schemeClr val="accent1"/>
+          </a:fillRef>
+          <a:effectRef idx="0">
+            <a:schemeClr val="accent1"/>
+          </a:effectRef>
+          <a:fontRef idx="minor">
+            <a:schemeClr val="lt1"/>
+          </a:fontRef>
+        </p:style>
+        <p:txBody>
+          <a:bodyPr rtlCol="0" anchor="ctr"/>
+          <a:lstStyle/>
+          <a:p>
+            <a:pPr algn="ctr"/>
+            <a:endParaRPr kumimoji="1" lang="ja-JP" altLang="en-US"/>
+          </a:p>
+        </p:txBody>
+      </p:sp>
+      <p:cxnSp>
+        <p:nvCxnSpPr>
+          <p:cNvPr id="12" name="直線矢印コネクタ 11"/>
+          <p:cNvCxnSpPr/>
+          <p:nvPr/>
+        </p:nvCxnSpPr>
+        <p:spPr>
+          <a:xfrm flipV="1">
+            <a:off x="6219475" y="3580745"/>
+            <a:ext cx="3192807" cy="0"/>
+          </a:xfrm>
+          <a:prstGeom prst="straightConnector1">
+            <a:avLst/>
+          </a:prstGeom>
+          <a:ln w="76200">
+            <a:solidFill>
+              <a:srgbClr val="FF0000"/>
+            </a:solidFill>
+            <a:tailEnd type="triangle"/>
+          </a:ln>
+        </p:spPr>
+        <p:style>
+          <a:lnRef idx="1">
+            <a:schemeClr val="accent1"/>
+          </a:lnRef>
+          <a:fillRef idx="0">
+            <a:schemeClr val="accent1"/>
+          </a:fillRef>
+          <a:effectRef idx="0">
+            <a:schemeClr val="accent1"/>
+          </a:effectRef>
+          <a:fontRef idx="minor">
+            <a:schemeClr val="tx1"/>
+          </a:fontRef>
+        </p:style>
+      </p:cxnSp>
+      <p:cxnSp>
+        <p:nvCxnSpPr>
+          <p:cNvPr id="14" name="直線矢印コネクタ 13"/>
+          <p:cNvCxnSpPr/>
+          <p:nvPr/>
+        </p:nvCxnSpPr>
+        <p:spPr>
+          <a:xfrm flipH="1">
+            <a:off x="5358423" y="3578151"/>
+            <a:ext cx="901517" cy="1769298"/>
+          </a:xfrm>
+          <a:prstGeom prst="straightConnector1">
+            <a:avLst/>
+          </a:prstGeom>
+          <a:ln w="76200">
+            <a:solidFill>
+              <a:srgbClr val="FF0000"/>
+            </a:solidFill>
+            <a:tailEnd type="triangle"/>
+          </a:ln>
+        </p:spPr>
+        <p:style>
+          <a:lnRef idx="1">
+            <a:schemeClr val="accent1"/>
+          </a:lnRef>
+          <a:fillRef idx="0">
+            <a:schemeClr val="accent1"/>
+          </a:fillRef>
+          <a:effectRef idx="0">
+            <a:schemeClr val="accent1"/>
+          </a:effectRef>
+          <a:fontRef idx="minor">
+            <a:schemeClr val="tx1"/>
+          </a:fontRef>
+        </p:style>
+      </p:cxnSp>
+      <p:cxnSp>
+        <p:nvCxnSpPr>
+          <p:cNvPr id="16" name="直線矢印コネクタ 15"/>
+          <p:cNvCxnSpPr/>
+          <p:nvPr/>
+        </p:nvCxnSpPr>
+        <p:spPr>
+          <a:xfrm flipV="1">
+            <a:off x="6246324" y="1347537"/>
+            <a:ext cx="26989" cy="2266680"/>
+          </a:xfrm>
+          <a:prstGeom prst="straightConnector1">
+            <a:avLst/>
+          </a:prstGeom>
+          <a:ln w="76200">
+            <a:solidFill>
+              <a:srgbClr val="FF0000"/>
+            </a:solidFill>
+            <a:tailEnd type="triangle"/>
+          </a:ln>
+        </p:spPr>
+        <p:style>
+          <a:lnRef idx="1">
+            <a:schemeClr val="accent1"/>
+          </a:lnRef>
+          <a:fillRef idx="0">
+            <a:schemeClr val="accent1"/>
+          </a:fillRef>
+          <a:effectRef idx="0">
+            <a:schemeClr val="accent1"/>
+          </a:effectRef>
+          <a:fontRef idx="minor">
+            <a:schemeClr val="tx1"/>
+          </a:fontRef>
+        </p:style>
+      </p:cxnSp>
+      <p:sp>
+        <p:nvSpPr>
+          <p:cNvPr id="27" name="円弧 26"/>
+          <p:cNvSpPr/>
+          <p:nvPr/>
+        </p:nvSpPr>
+        <p:spPr>
+          <a:xfrm rot="5400000">
+            <a:off x="8399058" y="3377401"/>
+            <a:ext cx="838222" cy="401500"/>
+          </a:xfrm>
+          <a:prstGeom prst="arc">
+            <a:avLst>
+              <a:gd name="adj1" fmla="val 19914093"/>
+              <a:gd name="adj2" fmla="val 12796226"/>
+            </a:avLst>
+          </a:prstGeom>
+          <a:ln w="57150">
+            <a:solidFill>
+              <a:schemeClr val="tx1"/>
+            </a:solidFill>
+          </a:ln>
+        </p:spPr>
+        <p:style>
+          <a:lnRef idx="1">
+            <a:schemeClr val="accent1"/>
+          </a:lnRef>
+          <a:fillRef idx="0">
+            <a:schemeClr val="accent1"/>
+          </a:fillRef>
+          <a:effectRef idx="0">
+            <a:schemeClr val="accent1"/>
+          </a:effectRef>
+          <a:fontRef idx="minor">
+            <a:schemeClr val="tx1"/>
+          </a:fontRef>
+        </p:style>
+        <p:txBody>
+          <a:bodyPr rtlCol="0" anchor="ctr"/>
+          <a:lstStyle/>
+          <a:p>
+            <a:pPr algn="ctr"/>
+            <a:endParaRPr kumimoji="1" lang="ja-JP" altLang="en-US"/>
+          </a:p>
+        </p:txBody>
+      </p:sp>
+      <p:sp>
+        <p:nvSpPr>
+          <p:cNvPr id="29" name="二等辺三角形 28"/>
+          <p:cNvSpPr/>
+          <p:nvPr/>
+        </p:nvSpPr>
+        <p:spPr>
+          <a:xfrm rot="1984793">
+            <a:off x="8898967" y="3652710"/>
+            <a:ext cx="213684" cy="244592"/>
+          </a:xfrm>
+          <a:prstGeom prst="triangle">
+            <a:avLst/>
+          </a:prstGeom>
+          <a:solidFill>
+            <a:schemeClr val="tx1"/>
+          </a:solidFill>
+          <a:ln>
+            <a:solidFill>
+              <a:schemeClr val="tx1"/>
+            </a:solidFill>
+          </a:ln>
+        </p:spPr>
+        <p:style>
+          <a:lnRef idx="2">
+            <a:schemeClr val="accent1">
+              <a:shade val="50000"/>
+            </a:schemeClr>
+          </a:lnRef>
+          <a:fillRef idx="1">
+            <a:schemeClr val="accent1"/>
+          </a:fillRef>
+          <a:effectRef idx="0">
+            <a:schemeClr val="accent1"/>
+          </a:effectRef>
+          <a:fontRef idx="minor">
+            <a:schemeClr val="lt1"/>
+          </a:fontRef>
+        </p:style>
+        <p:txBody>
+          <a:bodyPr rtlCol="0" anchor="ctr"/>
+          <a:lstStyle/>
+          <a:p>
+            <a:pPr algn="ctr"/>
+            <a:endParaRPr kumimoji="1" lang="ja-JP" altLang="en-US"/>
+          </a:p>
+        </p:txBody>
+      </p:sp>
+      <p:sp>
+        <p:nvSpPr>
+          <p:cNvPr id="30" name="円弧 29"/>
+          <p:cNvSpPr/>
+          <p:nvPr/>
+        </p:nvSpPr>
+        <p:spPr>
+          <a:xfrm rot="17972248">
+            <a:off x="5359566" y="4400673"/>
+            <a:ext cx="512992" cy="914400"/>
+          </a:xfrm>
+          <a:prstGeom prst="arc">
+            <a:avLst>
+              <a:gd name="adj1" fmla="val 13516689"/>
+              <a:gd name="adj2" fmla="val 8083539"/>
+            </a:avLst>
+          </a:prstGeom>
+          <a:noFill/>
+          <a:ln w="57150">
+            <a:solidFill>
+              <a:schemeClr val="tx1"/>
+            </a:solidFill>
+          </a:ln>
+        </p:spPr>
+        <p:style>
+          <a:lnRef idx="1">
+            <a:schemeClr val="accent1"/>
+          </a:lnRef>
+          <a:fillRef idx="0">
+            <a:schemeClr val="accent1"/>
+          </a:fillRef>
+          <a:effectRef idx="0">
+            <a:schemeClr val="accent1"/>
+          </a:effectRef>
+          <a:fontRef idx="minor">
+            <a:schemeClr val="tx1"/>
+          </a:fontRef>
+        </p:style>
+        <p:txBody>
+          <a:bodyPr rtlCol="0" anchor="ctr"/>
+          <a:lstStyle/>
+          <a:p>
+            <a:pPr algn="ctr"/>
+            <a:endParaRPr kumimoji="1" lang="ja-JP" altLang="en-US"/>
+          </a:p>
+        </p:txBody>
+      </p:sp>
+      <p:sp>
+        <p:nvSpPr>
+          <p:cNvPr id="31" name="二等辺三角形 30"/>
+          <p:cNvSpPr/>
+          <p:nvPr/>
+        </p:nvSpPr>
+        <p:spPr>
+          <a:xfrm rot="7590178">
+            <a:off x="5212816" y="4796971"/>
+            <a:ext cx="218236" cy="263188"/>
+          </a:xfrm>
+          <a:prstGeom prst="triangle">
+            <a:avLst/>
+          </a:prstGeom>
+          <a:solidFill>
+            <a:schemeClr val="tx1"/>
+          </a:solidFill>
+          <a:ln>
+            <a:solidFill>
+              <a:schemeClr val="tx1"/>
+            </a:solidFill>
+          </a:ln>
+        </p:spPr>
+        <p:style>
+          <a:lnRef idx="2">
+            <a:schemeClr val="accent1">
+              <a:shade val="50000"/>
+            </a:schemeClr>
+          </a:lnRef>
+          <a:fillRef idx="1">
+            <a:schemeClr val="accent1"/>
+          </a:fillRef>
+          <a:effectRef idx="0">
+            <a:schemeClr val="accent1"/>
+          </a:effectRef>
+          <a:fontRef idx="minor">
+            <a:schemeClr val="lt1"/>
+          </a:fontRef>
+        </p:style>
+        <p:txBody>
+          <a:bodyPr rtlCol="0" anchor="ctr"/>
+          <a:lstStyle/>
+          <a:p>
+            <a:pPr algn="ctr"/>
+            <a:endParaRPr kumimoji="1" lang="ja-JP" altLang="en-US"/>
+          </a:p>
+        </p:txBody>
+      </p:sp>
+      <p:sp>
+        <p:nvSpPr>
+          <p:cNvPr id="32" name="円弧 31"/>
+          <p:cNvSpPr/>
+          <p:nvPr/>
+        </p:nvSpPr>
+        <p:spPr>
+          <a:xfrm>
+            <a:off x="5747293" y="1625032"/>
+            <a:ext cx="998062" cy="401500"/>
+          </a:xfrm>
+          <a:prstGeom prst="arc">
+            <a:avLst>
+              <a:gd name="adj1" fmla="val 19914093"/>
+              <a:gd name="adj2" fmla="val 12796226"/>
+            </a:avLst>
+          </a:prstGeom>
+          <a:ln w="57150">
+            <a:solidFill>
+              <a:schemeClr val="tx1"/>
+            </a:solidFill>
+          </a:ln>
+        </p:spPr>
+        <p:style>
+          <a:lnRef idx="1">
+            <a:schemeClr val="accent1"/>
+          </a:lnRef>
+          <a:fillRef idx="0">
+            <a:schemeClr val="accent1"/>
+          </a:fillRef>
+          <a:effectRef idx="0">
+            <a:schemeClr val="accent1"/>
+          </a:effectRef>
+          <a:fontRef idx="minor">
+            <a:schemeClr val="tx1"/>
+          </a:fontRef>
+        </p:style>
+        <p:txBody>
+          <a:bodyPr rtlCol="0" anchor="ctr"/>
+          <a:lstStyle/>
+          <a:p>
+            <a:pPr algn="ctr"/>
+            <a:endParaRPr kumimoji="1" lang="ja-JP" altLang="en-US"/>
+          </a:p>
+        </p:txBody>
+      </p:sp>
+      <p:sp>
+        <p:nvSpPr>
+          <p:cNvPr id="33" name="二等辺三角形 32"/>
+          <p:cNvSpPr/>
+          <p:nvPr/>
+        </p:nvSpPr>
+        <p:spPr>
+          <a:xfrm rot="3922974">
+            <a:off x="5908335" y="1506195"/>
+            <a:ext cx="232833" cy="237674"/>
+          </a:xfrm>
+          <a:prstGeom prst="triangle">
+            <a:avLst/>
+          </a:prstGeom>
+          <a:solidFill>
+            <a:schemeClr val="tx1"/>
+          </a:solidFill>
+          <a:ln>
+            <a:solidFill>
+              <a:schemeClr val="tx1"/>
+            </a:solidFill>
+          </a:ln>
+        </p:spPr>
+        <p:style>
+          <a:lnRef idx="2">
+            <a:schemeClr val="accent1">
+              <a:shade val="50000"/>
+            </a:schemeClr>
+          </a:lnRef>
+          <a:fillRef idx="1">
+            <a:schemeClr val="accent1"/>
+          </a:fillRef>
+          <a:effectRef idx="0">
+            <a:schemeClr val="accent1"/>
+          </a:effectRef>
+          <a:fontRef idx="minor">
+            <a:schemeClr val="lt1"/>
+          </a:fontRef>
+        </p:style>
+        <p:txBody>
+          <a:bodyPr rtlCol="0" anchor="ctr"/>
+          <a:lstStyle/>
+          <a:p>
+            <a:pPr algn="ctr"/>
+            <a:endParaRPr kumimoji="1" lang="ja-JP" altLang="en-US"/>
+          </a:p>
+        </p:txBody>
+      </p:sp>
+      <mc:AlternateContent xmlns:mc="http://schemas.openxmlformats.org/markup-compatibility/2006">
+        <mc:Choice xmlns:a14="http://schemas.microsoft.com/office/drawing/2010/main" Requires="a14">
+          <p:sp>
+            <p:nvSpPr>
+              <p:cNvPr id="34" name="テキスト ボックス 33"/>
+              <p:cNvSpPr txBox="1"/>
+              <p:nvPr/>
+            </p:nvSpPr>
+            <p:spPr>
+              <a:xfrm>
+                <a:off x="5816232" y="531810"/>
+                <a:ext cx="914161" cy="830997"/>
+              </a:xfrm>
+              <a:prstGeom prst="rect">
+                <a:avLst/>
+              </a:prstGeom>
+              <a:noFill/>
+            </p:spPr>
+            <p:txBody>
+              <a:bodyPr wrap="none" rtlCol="0">
+                <a:spAutoFit/>
+              </a:bodyPr>
+              <a:lstStyle/>
+              <a:p>
+                <a14:m>
+                  <m:oMathPara xmlns:m="http://schemas.openxmlformats.org/officeDocument/2006/math">
+                    <m:oMathParaPr>
+                      <m:jc m:val="centerGroup"/>
+                    </m:oMathParaPr>
+                    <m:oMath xmlns:m="http://schemas.openxmlformats.org/officeDocument/2006/math">
+                      <m:sSub>
+                        <m:sSubPr>
+                          <m:ctrlPr>
+                            <a:rPr kumimoji="1" lang="en-US" altLang="ja-JP" sz="4800" i="1" smtClean="0">
+                              <a:latin typeface="Cambria Math" panose="02040503050406030204" pitchFamily="18" charset="0"/>
+                            </a:rPr>
+                          </m:ctrlPr>
+                        </m:sSubPr>
+                        <m:e>
+                          <m:r>
+                            <a:rPr kumimoji="1" lang="en-US" altLang="ja-JP" sz="4800" b="0" i="1" smtClean="0">
+                              <a:latin typeface="Cambria Math" panose="02040503050406030204" pitchFamily="18" charset="0"/>
+                            </a:rPr>
+                            <m:t>𝑧</m:t>
+                          </m:r>
+                        </m:e>
+                        <m:sub>
+                          <m:r>
+                            <a:rPr kumimoji="1" lang="en-US" altLang="ja-JP" sz="4800" b="0" i="1" smtClean="0">
+                              <a:latin typeface="Cambria Math" panose="02040503050406030204" pitchFamily="18" charset="0"/>
+                            </a:rPr>
+                            <m:t>𝑏</m:t>
+                          </m:r>
+                        </m:sub>
+                      </m:sSub>
+                    </m:oMath>
+                  </m:oMathPara>
+                </a14:m>
+                <a:endParaRPr kumimoji="1" lang="ja-JP" altLang="en-US" sz="4800" dirty="0"/>
+              </a:p>
+            </p:txBody>
+          </p:sp>
+        </mc:Choice>
+        <mc:Fallback>
+          <p:sp>
+            <p:nvSpPr>
+              <p:cNvPr id="34" name="テキスト ボックス 33"/>
+              <p:cNvSpPr txBox="1">
+                <a:spLocks noRot="1" noChangeAspect="1" noMove="1" noResize="1" noEditPoints="1" noAdjustHandles="1" noChangeArrowheads="1" noChangeShapeType="1" noTextEdit="1"/>
+              </p:cNvSpPr>
+              <p:nvPr/>
+            </p:nvSpPr>
+            <p:spPr>
+              <a:xfrm>
+                <a:off x="5816232" y="531810"/>
+                <a:ext cx="914161" cy="830997"/>
+              </a:xfrm>
+              <a:prstGeom prst="rect">
+                <a:avLst/>
+              </a:prstGeom>
+              <a:blipFill rotWithShape="0">
+                <a:blip r:embed="rId2"/>
+                <a:stretch>
+                  <a:fillRect/>
+                </a:stretch>
+              </a:blipFill>
+            </p:spPr>
+            <p:txBody>
+              <a:bodyPr/>
+              <a:lstStyle/>
+              <a:p>
+                <a:r>
+                  <a:rPr lang="ja-JP" altLang="en-US">
+                    <a:noFill/>
+                  </a:rPr>
+                  <a:t> </a:t>
+                </a:r>
+              </a:p>
+            </p:txBody>
+          </p:sp>
+        </mc:Fallback>
+      </mc:AlternateContent>
+      <mc:AlternateContent xmlns:mc="http://schemas.openxmlformats.org/markup-compatibility/2006">
+        <mc:Choice xmlns:a14="http://schemas.microsoft.com/office/drawing/2010/main" Requires="a14">
+          <p:sp>
+            <p:nvSpPr>
+              <p:cNvPr id="35" name="テキスト ボックス 34"/>
+              <p:cNvSpPr txBox="1"/>
+              <p:nvPr/>
+            </p:nvSpPr>
+            <p:spPr>
+              <a:xfrm>
+                <a:off x="9318280" y="3086345"/>
+                <a:ext cx="956993" cy="830997"/>
+              </a:xfrm>
+              <a:prstGeom prst="rect">
+                <a:avLst/>
+              </a:prstGeom>
+              <a:noFill/>
+            </p:spPr>
+            <p:txBody>
+              <a:bodyPr wrap="none" rtlCol="0">
+                <a:spAutoFit/>
+              </a:bodyPr>
+              <a:lstStyle/>
+              <a:p>
+                <a14:m>
+                  <m:oMathPara xmlns:m="http://schemas.openxmlformats.org/officeDocument/2006/math">
+                    <m:oMathParaPr>
+                      <m:jc m:val="centerGroup"/>
+                    </m:oMathParaPr>
+                    <m:oMath xmlns:m="http://schemas.openxmlformats.org/officeDocument/2006/math">
+                      <m:sSub>
+                        <m:sSubPr>
+                          <m:ctrlPr>
+                            <a:rPr kumimoji="1" lang="en-US" altLang="ja-JP" sz="4800" i="1" smtClean="0">
+                              <a:latin typeface="Cambria Math" panose="02040503050406030204" pitchFamily="18" charset="0"/>
+                            </a:rPr>
+                          </m:ctrlPr>
+                        </m:sSubPr>
+                        <m:e>
+                          <m:r>
+                            <a:rPr kumimoji="1" lang="en-US" altLang="ja-JP" sz="4800" b="0" i="1" smtClean="0">
+                              <a:latin typeface="Cambria Math" panose="02040503050406030204" pitchFamily="18" charset="0"/>
+                            </a:rPr>
+                            <m:t>𝑦</m:t>
+                          </m:r>
+                        </m:e>
+                        <m:sub>
+                          <m:r>
+                            <a:rPr kumimoji="1" lang="en-US" altLang="ja-JP" sz="4800" b="0" i="1" smtClean="0">
+                              <a:latin typeface="Cambria Math" panose="02040503050406030204" pitchFamily="18" charset="0"/>
+                            </a:rPr>
+                            <m:t>𝑏</m:t>
+                          </m:r>
+                        </m:sub>
+                      </m:sSub>
+                    </m:oMath>
+                  </m:oMathPara>
+                </a14:m>
+                <a:endParaRPr kumimoji="1" lang="ja-JP" altLang="en-US" sz="4800" dirty="0"/>
+              </a:p>
+            </p:txBody>
+          </p:sp>
+        </mc:Choice>
+        <mc:Fallback>
+          <p:sp>
+            <p:nvSpPr>
+              <p:cNvPr id="35" name="テキスト ボックス 34"/>
+              <p:cNvSpPr txBox="1">
+                <a:spLocks noRot="1" noChangeAspect="1" noMove="1" noResize="1" noEditPoints="1" noAdjustHandles="1" noChangeArrowheads="1" noChangeShapeType="1" noTextEdit="1"/>
+              </p:cNvSpPr>
+              <p:nvPr/>
+            </p:nvSpPr>
+            <p:spPr>
+              <a:xfrm>
+                <a:off x="9318280" y="3086345"/>
+                <a:ext cx="956993" cy="830997"/>
+              </a:xfrm>
+              <a:prstGeom prst="rect">
+                <a:avLst/>
+              </a:prstGeom>
+              <a:blipFill rotWithShape="0">
+                <a:blip r:embed="rId3"/>
+                <a:stretch>
+                  <a:fillRect/>
+                </a:stretch>
+              </a:blipFill>
+            </p:spPr>
+            <p:txBody>
+              <a:bodyPr/>
+              <a:lstStyle/>
+              <a:p>
+                <a:r>
+                  <a:rPr lang="ja-JP" altLang="en-US">
+                    <a:noFill/>
+                  </a:rPr>
+                  <a:t> </a:t>
+                </a:r>
+              </a:p>
+            </p:txBody>
+          </p:sp>
+        </mc:Fallback>
+      </mc:AlternateContent>
+      <mc:AlternateContent xmlns:mc="http://schemas.openxmlformats.org/markup-compatibility/2006">
+        <mc:Choice xmlns:a14="http://schemas.microsoft.com/office/drawing/2010/main" Requires="a14">
+          <p:sp>
+            <p:nvSpPr>
+              <p:cNvPr id="36" name="テキスト ボックス 35"/>
+              <p:cNvSpPr txBox="1"/>
+              <p:nvPr/>
+            </p:nvSpPr>
+            <p:spPr>
+              <a:xfrm>
+                <a:off x="4828875" y="5190532"/>
+                <a:ext cx="951991" cy="830997"/>
+              </a:xfrm>
+              <a:prstGeom prst="rect">
+                <a:avLst/>
+              </a:prstGeom>
+              <a:noFill/>
+            </p:spPr>
+            <p:txBody>
+              <a:bodyPr wrap="none" rtlCol="0">
+                <a:spAutoFit/>
+              </a:bodyPr>
+              <a:lstStyle/>
+              <a:p>
+                <a14:m>
+                  <m:oMathPara xmlns:m="http://schemas.openxmlformats.org/officeDocument/2006/math">
+                    <m:oMathParaPr>
+                      <m:jc m:val="centerGroup"/>
+                    </m:oMathParaPr>
+                    <m:oMath xmlns:m="http://schemas.openxmlformats.org/officeDocument/2006/math">
+                      <m:sSub>
+                        <m:sSubPr>
+                          <m:ctrlPr>
+                            <a:rPr kumimoji="1" lang="en-US" altLang="ja-JP" sz="4800" i="1" smtClean="0">
+                              <a:latin typeface="Cambria Math" panose="02040503050406030204" pitchFamily="18" charset="0"/>
+                            </a:rPr>
+                          </m:ctrlPr>
+                        </m:sSubPr>
+                        <m:e>
+                          <m:r>
+                            <a:rPr kumimoji="1" lang="en-US" altLang="ja-JP" sz="4800" b="0" i="1" smtClean="0">
+                              <a:latin typeface="Cambria Math" panose="02040503050406030204" pitchFamily="18" charset="0"/>
+                            </a:rPr>
+                            <m:t>𝑥</m:t>
+                          </m:r>
+                        </m:e>
+                        <m:sub>
+                          <m:r>
+                            <a:rPr kumimoji="1" lang="en-US" altLang="ja-JP" sz="4800" b="0" i="1" smtClean="0">
+                              <a:latin typeface="Cambria Math" panose="02040503050406030204" pitchFamily="18" charset="0"/>
+                            </a:rPr>
+                            <m:t>𝑏</m:t>
+                          </m:r>
+                        </m:sub>
+                      </m:sSub>
+                    </m:oMath>
+                  </m:oMathPara>
+                </a14:m>
+                <a:endParaRPr kumimoji="1" lang="ja-JP" altLang="en-US" sz="4800" dirty="0"/>
+              </a:p>
+            </p:txBody>
+          </p:sp>
+        </mc:Choice>
+        <mc:Fallback>
+          <p:sp>
+            <p:nvSpPr>
+              <p:cNvPr id="36" name="テキスト ボックス 35"/>
+              <p:cNvSpPr txBox="1">
+                <a:spLocks noRot="1" noChangeAspect="1" noMove="1" noResize="1" noEditPoints="1" noAdjustHandles="1" noChangeArrowheads="1" noChangeShapeType="1" noTextEdit="1"/>
+              </p:cNvSpPr>
+              <p:nvPr/>
+            </p:nvSpPr>
+            <p:spPr>
+              <a:xfrm>
+                <a:off x="4828875" y="5190532"/>
+                <a:ext cx="951991" cy="830997"/>
+              </a:xfrm>
+              <a:prstGeom prst="rect">
+                <a:avLst/>
+              </a:prstGeom>
+              <a:blipFill rotWithShape="0">
+                <a:blip r:embed="rId4"/>
+                <a:stretch>
+                  <a:fillRect/>
+                </a:stretch>
+              </a:blipFill>
+            </p:spPr>
+            <p:txBody>
+              <a:bodyPr/>
+              <a:lstStyle/>
+              <a:p>
+                <a:r>
+                  <a:rPr lang="ja-JP" altLang="en-US">
+                    <a:noFill/>
+                  </a:rPr>
+                  <a:t> </a:t>
+                </a:r>
+              </a:p>
+            </p:txBody>
+          </p:sp>
+        </mc:Fallback>
+      </mc:AlternateContent>
+      <mc:AlternateContent xmlns:mc="http://schemas.openxmlformats.org/markup-compatibility/2006">
+        <mc:Choice xmlns:a14="http://schemas.microsoft.com/office/drawing/2010/main" Requires="a14">
+          <p:sp>
+            <p:nvSpPr>
+              <p:cNvPr id="37" name="テキスト ボックス 36"/>
+              <p:cNvSpPr txBox="1"/>
+              <p:nvPr/>
+            </p:nvSpPr>
+            <p:spPr>
+              <a:xfrm>
+                <a:off x="5892056" y="3684841"/>
+                <a:ext cx="940066" cy="830997"/>
+              </a:xfrm>
+              <a:prstGeom prst="rect">
+                <a:avLst/>
+              </a:prstGeom>
+              <a:noFill/>
+            </p:spPr>
+            <p:txBody>
+              <a:bodyPr wrap="none" rtlCol="0">
+                <a:spAutoFit/>
+              </a:bodyPr>
+              <a:lstStyle/>
+              <a:p>
+                <a14:m>
+                  <m:oMathPara xmlns:m="http://schemas.openxmlformats.org/officeDocument/2006/math">
+                    <m:oMathParaPr>
+                      <m:jc m:val="centerGroup"/>
+                    </m:oMathParaPr>
+                    <m:oMath xmlns:m="http://schemas.openxmlformats.org/officeDocument/2006/math">
+                      <m:sSub>
+                        <m:sSubPr>
+                          <m:ctrlPr>
+                            <a:rPr kumimoji="1" lang="en-US" altLang="ja-JP" sz="4800" i="1" smtClean="0">
+                              <a:latin typeface="Cambria Math" panose="02040503050406030204" pitchFamily="18" charset="0"/>
+                            </a:rPr>
+                          </m:ctrlPr>
+                        </m:sSubPr>
+                        <m:e>
+                          <m:r>
+                            <a:rPr kumimoji="1" lang="en-US" altLang="ja-JP" sz="4800" b="0" i="1" smtClean="0">
+                              <a:latin typeface="Cambria Math" panose="02040503050406030204" pitchFamily="18" charset="0"/>
+                            </a:rPr>
+                            <m:t>𝑜</m:t>
+                          </m:r>
+                        </m:e>
+                        <m:sub>
+                          <m:r>
+                            <a:rPr kumimoji="1" lang="en-US" altLang="ja-JP" sz="4800" b="0" i="1" smtClean="0">
+                              <a:latin typeface="Cambria Math" panose="02040503050406030204" pitchFamily="18" charset="0"/>
+                            </a:rPr>
+                            <m:t>𝑏</m:t>
+                          </m:r>
+                        </m:sub>
+                      </m:sSub>
+                    </m:oMath>
+                  </m:oMathPara>
+                </a14:m>
+                <a:endParaRPr kumimoji="1" lang="ja-JP" altLang="en-US" sz="4800" dirty="0"/>
+              </a:p>
+            </p:txBody>
+          </p:sp>
+        </mc:Choice>
+        <mc:Fallback>
+          <p:sp>
+            <p:nvSpPr>
+              <p:cNvPr id="37" name="テキスト ボックス 36"/>
+              <p:cNvSpPr txBox="1">
+                <a:spLocks noRot="1" noChangeAspect="1" noMove="1" noResize="1" noEditPoints="1" noAdjustHandles="1" noChangeArrowheads="1" noChangeShapeType="1" noTextEdit="1"/>
+              </p:cNvSpPr>
+              <p:nvPr/>
+            </p:nvSpPr>
+            <p:spPr>
+              <a:xfrm>
+                <a:off x="5892056" y="3684841"/>
+                <a:ext cx="940066" cy="830997"/>
+              </a:xfrm>
+              <a:prstGeom prst="rect">
+                <a:avLst/>
+              </a:prstGeom>
+              <a:blipFill rotWithShape="0">
+                <a:blip r:embed="rId5"/>
+                <a:stretch>
+                  <a:fillRect/>
+                </a:stretch>
+              </a:blipFill>
+            </p:spPr>
+            <p:txBody>
+              <a:bodyPr/>
+              <a:lstStyle/>
+              <a:p>
+                <a:r>
+                  <a:rPr lang="ja-JP" altLang="en-US">
+                    <a:noFill/>
+                  </a:rPr>
+                  <a:t> </a:t>
+                </a:r>
+              </a:p>
+            </p:txBody>
+          </p:sp>
+        </mc:Fallback>
+      </mc:AlternateContent>
+      <mc:AlternateContent xmlns:mc="http://schemas.openxmlformats.org/markup-compatibility/2006">
+        <mc:Choice xmlns:a14="http://schemas.microsoft.com/office/drawing/2010/main" Requires="a14">
+          <p:sp>
+            <p:nvSpPr>
+              <p:cNvPr id="38" name="テキスト ボックス 37"/>
+              <p:cNvSpPr txBox="1"/>
+              <p:nvPr/>
+            </p:nvSpPr>
+            <p:spPr>
+              <a:xfrm>
+                <a:off x="6940470" y="1397207"/>
+                <a:ext cx="1385572" cy="553998"/>
+              </a:xfrm>
+              <a:prstGeom prst="rect">
+                <a:avLst/>
+              </a:prstGeom>
+              <a:noFill/>
+            </p:spPr>
+            <p:txBody>
+              <a:bodyPr wrap="none" lIns="0" tIns="0" rIns="0" bIns="0" rtlCol="0">
+                <a:spAutoFit/>
+              </a:bodyPr>
+              <a:lstStyle/>
+              <a:p>
+                <a14:m>
+                  <m:oMath xmlns:m="http://schemas.openxmlformats.org/officeDocument/2006/math">
+                    <m:r>
+                      <a:rPr kumimoji="1" lang="ja-JP" altLang="en-US" sz="3600" i="1" smtClean="0">
+                        <a:latin typeface="Cambria Math" panose="02040503050406030204" pitchFamily="18" charset="0"/>
+                      </a:rPr>
+                      <m:t>𝜓</m:t>
+                    </m:r>
+                  </m:oMath>
+                </a14:m>
+                <a:r>
+                  <a:rPr kumimoji="1" lang="en-US" altLang="ja-JP" sz="3600" dirty="0" smtClean="0"/>
+                  <a:t>: </a:t>
+                </a:r>
+                <a:r>
+                  <a:rPr kumimoji="1" lang="en-US" altLang="ja-JP" sz="3600" dirty="0" smtClean="0">
+                    <a:latin typeface="Times New Roman" panose="02020603050405020304" pitchFamily="18" charset="0"/>
+                    <a:cs typeface="Times New Roman" panose="02020603050405020304" pitchFamily="18" charset="0"/>
+                  </a:rPr>
+                  <a:t>Yaw</a:t>
+                </a:r>
+                <a:endParaRPr kumimoji="1" lang="ja-JP" altLang="en-US" sz="3600" dirty="0">
+                  <a:latin typeface="Times New Roman" panose="02020603050405020304" pitchFamily="18" charset="0"/>
+                  <a:cs typeface="Times New Roman" panose="02020603050405020304" pitchFamily="18" charset="0"/>
+                </a:endParaRPr>
+              </a:p>
+            </p:txBody>
+          </p:sp>
+        </mc:Choice>
+        <mc:Fallback>
+          <p:sp>
+            <p:nvSpPr>
+              <p:cNvPr id="38" name="テキスト ボックス 37"/>
+              <p:cNvSpPr txBox="1">
+                <a:spLocks noRot="1" noChangeAspect="1" noMove="1" noResize="1" noEditPoints="1" noAdjustHandles="1" noChangeArrowheads="1" noChangeShapeType="1" noTextEdit="1"/>
+              </p:cNvSpPr>
+              <p:nvPr/>
+            </p:nvSpPr>
+            <p:spPr>
+              <a:xfrm>
+                <a:off x="6940470" y="1397207"/>
+                <a:ext cx="1385572" cy="553998"/>
+              </a:xfrm>
+              <a:prstGeom prst="rect">
+                <a:avLst/>
+              </a:prstGeom>
+              <a:blipFill rotWithShape="0">
+                <a:blip r:embed="rId6"/>
+                <a:stretch>
+                  <a:fillRect t="-27473" r="-18062" b="-50549"/>
+                </a:stretch>
+              </a:blipFill>
+            </p:spPr>
+            <p:txBody>
+              <a:bodyPr/>
+              <a:lstStyle/>
+              <a:p>
+                <a:r>
+                  <a:rPr lang="ja-JP" altLang="en-US">
+                    <a:noFill/>
+                  </a:rPr>
+                  <a:t> </a:t>
+                </a:r>
+              </a:p>
+            </p:txBody>
+          </p:sp>
+        </mc:Fallback>
+      </mc:AlternateContent>
+      <mc:AlternateContent xmlns:mc="http://schemas.openxmlformats.org/markup-compatibility/2006">
+        <mc:Choice xmlns:a14="http://schemas.microsoft.com/office/drawing/2010/main" Requires="a14">
+          <p:sp>
+            <p:nvSpPr>
+              <p:cNvPr id="39" name="テキスト ボックス 38"/>
+              <p:cNvSpPr txBox="1"/>
+              <p:nvPr/>
+            </p:nvSpPr>
+            <p:spPr>
+              <a:xfrm>
+                <a:off x="8686964" y="4120536"/>
+                <a:ext cx="1295932" cy="553998"/>
+              </a:xfrm>
+              <a:prstGeom prst="rect">
+                <a:avLst/>
+              </a:prstGeom>
+              <a:noFill/>
+            </p:spPr>
+            <p:txBody>
+              <a:bodyPr wrap="none" lIns="0" tIns="0" rIns="0" bIns="0" rtlCol="0">
+                <a:spAutoFit/>
+              </a:bodyPr>
+              <a:lstStyle/>
+              <a:p>
+                <a14:m>
+                  <m:oMath xmlns:m="http://schemas.openxmlformats.org/officeDocument/2006/math">
+                    <m:r>
+                      <a:rPr kumimoji="1" lang="ja-JP" altLang="en-US" sz="3600" i="1" smtClean="0">
+                        <a:latin typeface="Cambria Math" panose="02040503050406030204" pitchFamily="18" charset="0"/>
+                      </a:rPr>
+                      <m:t>𝜃</m:t>
+                    </m:r>
+                  </m:oMath>
+                </a14:m>
+                <a:r>
+                  <a:rPr kumimoji="1" lang="en-US" altLang="ja-JP" sz="3600" dirty="0" smtClean="0"/>
+                  <a:t>: </a:t>
+                </a:r>
+                <a:r>
+                  <a:rPr lang="en-US" altLang="ja-JP" sz="3600" dirty="0" smtClean="0">
+                    <a:latin typeface="Times New Roman" panose="02020603050405020304" pitchFamily="18" charset="0"/>
+                    <a:cs typeface="Times New Roman" panose="02020603050405020304" pitchFamily="18" charset="0"/>
+                  </a:rPr>
+                  <a:t>Roll</a:t>
+                </a:r>
+                <a:endParaRPr kumimoji="1" lang="ja-JP" altLang="en-US" sz="3600" dirty="0">
+                  <a:latin typeface="Times New Roman" panose="02020603050405020304" pitchFamily="18" charset="0"/>
+                  <a:cs typeface="Times New Roman" panose="02020603050405020304" pitchFamily="18" charset="0"/>
+                </a:endParaRPr>
+              </a:p>
+            </p:txBody>
+          </p:sp>
+        </mc:Choice>
+        <mc:Fallback>
+          <p:sp>
+            <p:nvSpPr>
+              <p:cNvPr id="39" name="テキスト ボックス 38"/>
+              <p:cNvSpPr txBox="1">
+                <a:spLocks noRot="1" noChangeAspect="1" noMove="1" noResize="1" noEditPoints="1" noAdjustHandles="1" noChangeArrowheads="1" noChangeShapeType="1" noTextEdit="1"/>
+              </p:cNvSpPr>
+              <p:nvPr/>
+            </p:nvSpPr>
+            <p:spPr>
+              <a:xfrm>
+                <a:off x="8686964" y="4120536"/>
+                <a:ext cx="1295932" cy="553998"/>
+              </a:xfrm>
+              <a:prstGeom prst="rect">
+                <a:avLst/>
+              </a:prstGeom>
+              <a:blipFill rotWithShape="0">
+                <a:blip r:embed="rId7"/>
+                <a:stretch>
+                  <a:fillRect l="-469" t="-27473" r="-20657" b="-49451"/>
+                </a:stretch>
+              </a:blipFill>
+            </p:spPr>
+            <p:txBody>
+              <a:bodyPr/>
+              <a:lstStyle/>
+              <a:p>
+                <a:r>
+                  <a:rPr lang="ja-JP" altLang="en-US">
+                    <a:noFill/>
+                  </a:rPr>
+                  <a:t> </a:t>
+                </a:r>
+              </a:p>
+            </p:txBody>
+          </p:sp>
+        </mc:Fallback>
+      </mc:AlternateContent>
+      <mc:AlternateContent xmlns:mc="http://schemas.openxmlformats.org/markup-compatibility/2006">
+        <mc:Choice xmlns:a14="http://schemas.microsoft.com/office/drawing/2010/main" Requires="a14">
+          <p:sp>
+            <p:nvSpPr>
+              <p:cNvPr id="40" name="テキスト ボックス 39"/>
+              <p:cNvSpPr txBox="1"/>
+              <p:nvPr/>
+            </p:nvSpPr>
+            <p:spPr>
+              <a:xfrm>
+                <a:off x="5792475" y="5215156"/>
+                <a:ext cx="1502334" cy="553998"/>
+              </a:xfrm>
+              <a:prstGeom prst="rect">
+                <a:avLst/>
+              </a:prstGeom>
+              <a:noFill/>
+            </p:spPr>
+            <p:txBody>
+              <a:bodyPr wrap="none" lIns="0" tIns="0" rIns="0" bIns="0" rtlCol="0">
+                <a:spAutoFit/>
+              </a:bodyPr>
+              <a:lstStyle/>
+              <a:p>
+                <a14:m>
+                  <m:oMath xmlns:m="http://schemas.openxmlformats.org/officeDocument/2006/math">
+                    <m:r>
+                      <a:rPr kumimoji="1" lang="ja-JP" altLang="en-US" sz="3600" i="1" smtClean="0">
+                        <a:latin typeface="Cambria Math" panose="02040503050406030204" pitchFamily="18" charset="0"/>
+                      </a:rPr>
+                      <m:t>𝜙</m:t>
+                    </m:r>
+                  </m:oMath>
+                </a14:m>
+                <a:r>
+                  <a:rPr kumimoji="1" lang="en-US" altLang="ja-JP" sz="3600" dirty="0" smtClean="0"/>
+                  <a:t>: </a:t>
+                </a:r>
+                <a:r>
+                  <a:rPr lang="en-US" altLang="ja-JP" sz="3600" dirty="0" smtClean="0">
+                    <a:latin typeface="Times New Roman" panose="02020603050405020304" pitchFamily="18" charset="0"/>
+                    <a:cs typeface="Times New Roman" panose="02020603050405020304" pitchFamily="18" charset="0"/>
+                  </a:rPr>
+                  <a:t>Pitch</a:t>
+                </a:r>
+                <a:endParaRPr kumimoji="1" lang="ja-JP" altLang="en-US" sz="3600" dirty="0">
+                  <a:latin typeface="Times New Roman" panose="02020603050405020304" pitchFamily="18" charset="0"/>
+                  <a:cs typeface="Times New Roman" panose="02020603050405020304" pitchFamily="18" charset="0"/>
+                </a:endParaRPr>
+              </a:p>
+            </p:txBody>
+          </p:sp>
+        </mc:Choice>
+        <mc:Fallback>
+          <p:sp>
+            <p:nvSpPr>
+              <p:cNvPr id="40" name="テキスト ボックス 39"/>
+              <p:cNvSpPr txBox="1">
+                <a:spLocks noRot="1" noChangeAspect="1" noMove="1" noResize="1" noEditPoints="1" noAdjustHandles="1" noChangeArrowheads="1" noChangeShapeType="1" noTextEdit="1"/>
+              </p:cNvSpPr>
+              <p:nvPr/>
+            </p:nvSpPr>
+            <p:spPr>
+              <a:xfrm>
+                <a:off x="5792475" y="5215156"/>
+                <a:ext cx="1502334" cy="553998"/>
+              </a:xfrm>
+              <a:prstGeom prst="rect">
+                <a:avLst/>
+              </a:prstGeom>
+              <a:blipFill rotWithShape="0">
+                <a:blip r:embed="rId8"/>
+                <a:stretch>
+                  <a:fillRect t="-27778" r="-18219" b="-51111"/>
+                </a:stretch>
+              </a:blipFill>
+            </p:spPr>
+            <p:txBody>
+              <a:bodyPr/>
+              <a:lstStyle/>
+              <a:p>
+                <a:r>
+                  <a:rPr lang="ja-JP" altLang="en-US">
+                    <a:noFill/>
+                  </a:rPr>
+                  <a:t> </a:t>
+                </a:r>
+              </a:p>
+            </p:txBody>
+          </p:sp>
+        </mc:Fallback>
+      </mc:AlternateContent>
+    </p:spTree>
+    <p:extLst>
+      <p:ext uri="{BB962C8B-B14F-4D97-AF65-F5344CB8AC3E}">
+        <p14:creationId xmlns:p14="http://schemas.microsoft.com/office/powerpoint/2010/main" val="834999911"/>
+      </p:ext>
+    </p:extLst>
+  </p:cSld>
+  <p:clrMapOvr>
+    <a:masterClrMapping/>
+  </p:clrMapOvr>
+</p:sld>
+</file>
+
+<file path=ppt/slides/slide13.xml><?xml version="1.0" encoding="utf-8"?>
+<p:sld xmlns:a="http://schemas.openxmlformats.org/drawingml/2006/main" xmlns:r="http://schemas.openxmlformats.org/officeDocument/2006/relationships" xmlns:p="http://schemas.openxmlformats.org/presentationml/2006/main">
+  <p:cSld>
+    <p:spTree>
+      <p:nvGrpSpPr>
+        <p:cNvPr id="1" name=""/>
+        <p:cNvGrpSpPr/>
+        <p:nvPr/>
+      </p:nvGrpSpPr>
+      <p:grpSpPr>
+        <a:xfrm>
+          <a:off x="0" y="0"/>
+          <a:ext cx="0" cy="0"/>
+          <a:chOff x="0" y="0"/>
+          <a:chExt cx="0" cy="0"/>
+        </a:xfrm>
+      </p:grpSpPr>
+      <p:sp>
+        <p:nvSpPr>
+          <p:cNvPr id="2" name="フローチャート: データ 1"/>
+          <p:cNvSpPr/>
+          <p:nvPr/>
+        </p:nvSpPr>
+        <p:spPr>
+          <a:xfrm rot="1242852">
+            <a:off x="3294509" y="1720057"/>
+            <a:ext cx="6262237" cy="3346085"/>
+          </a:xfrm>
+          <a:prstGeom prst="flowChartInputOutput">
+            <a:avLst/>
+          </a:prstGeom>
+          <a:solidFill>
+            <a:schemeClr val="bg1"/>
+          </a:solidFill>
+          <a:ln w="38100">
+            <a:solidFill>
+              <a:schemeClr val="tx1"/>
+            </a:solidFill>
+          </a:ln>
+        </p:spPr>
+        <p:style>
+          <a:lnRef idx="2">
+            <a:schemeClr val="accent1">
+              <a:shade val="50000"/>
+            </a:schemeClr>
+          </a:lnRef>
+          <a:fillRef idx="1">
+            <a:schemeClr val="accent1"/>
+          </a:fillRef>
+          <a:effectRef idx="0">
+            <a:schemeClr val="accent1"/>
+          </a:effectRef>
+          <a:fontRef idx="minor">
+            <a:schemeClr val="lt1"/>
+          </a:fontRef>
+        </p:style>
+        <p:txBody>
+          <a:bodyPr rtlCol="0" anchor="ctr"/>
+          <a:lstStyle/>
+          <a:p>
+            <a:pPr algn="ctr"/>
+            <a:endParaRPr kumimoji="1" lang="ja-JP" altLang="en-US"/>
+          </a:p>
+        </p:txBody>
+      </p:sp>
+      <p:sp>
+        <p:nvSpPr>
+          <p:cNvPr id="3" name="円/楕円 2"/>
+          <p:cNvSpPr/>
+          <p:nvPr/>
+        </p:nvSpPr>
+        <p:spPr>
+          <a:xfrm>
+            <a:off x="2037347" y="3393099"/>
+            <a:ext cx="563002" cy="563002"/>
+          </a:xfrm>
+          <a:prstGeom prst="ellipse">
+            <a:avLst/>
+          </a:prstGeom>
+        </p:spPr>
+        <p:style>
+          <a:lnRef idx="2">
+            <a:schemeClr val="accent1">
+              <a:shade val="50000"/>
+            </a:schemeClr>
+          </a:lnRef>
+          <a:fillRef idx="1">
+            <a:schemeClr val="accent1"/>
+          </a:fillRef>
+          <a:effectRef idx="0">
+            <a:schemeClr val="accent1"/>
+          </a:effectRef>
+          <a:fontRef idx="minor">
+            <a:schemeClr val="lt1"/>
+          </a:fontRef>
+        </p:style>
+        <p:txBody>
+          <a:bodyPr rtlCol="0" anchor="ctr"/>
+          <a:lstStyle/>
+          <a:p>
+            <a:pPr algn="ctr"/>
+            <a:endParaRPr kumimoji="1" lang="ja-JP" altLang="en-US"/>
+          </a:p>
+        </p:txBody>
+      </p:sp>
+    </p:spTree>
+    <p:extLst>
+      <p:ext uri="{BB962C8B-B14F-4D97-AF65-F5344CB8AC3E}">
+        <p14:creationId xmlns:p14="http://schemas.microsoft.com/office/powerpoint/2010/main" val="1018685138"/>
+      </p:ext>
+    </p:extLst>
+  </p:cSld>
+  <p:clrMapOvr>
+    <a:masterClrMapping/>
+  </p:clrMapOvr>
+</p:sld>
+</file>
+
 <file path=ppt/slides/slide2.xml><?xml version="1.0" encoding="utf-8"?>
 <p:sld xmlns:a="http://schemas.openxmlformats.org/drawingml/2006/main" xmlns:r="http://schemas.openxmlformats.org/officeDocument/2006/relationships" xmlns:p="http://schemas.openxmlformats.org/presentationml/2006/main">
   <p:cSld>
@@ -12756,409 +14237,417 @@
           <a:chExt cx="0" cy="0"/>
         </a:xfrm>
       </p:grpSpPr>
-      <p:sp>
-        <p:nvSpPr>
-          <p:cNvPr id="2" name="正方形/長方形 1"/>
-          <p:cNvSpPr/>
+      <p:grpSp>
+        <p:nvGrpSpPr>
+          <p:cNvPr id="3" name="グループ化 2"/>
+          <p:cNvGrpSpPr/>
           <p:nvPr/>
-        </p:nvSpPr>
-        <p:spPr>
+        </p:nvGrpSpPr>
+        <p:grpSpPr>
           <a:xfrm>
-            <a:off x="4753232" y="2998572"/>
-            <a:ext cx="2092411" cy="947351"/>
-          </a:xfrm>
-          <a:prstGeom prst="rect">
-            <a:avLst/>
-          </a:prstGeom>
-          <a:solidFill>
-            <a:schemeClr val="tx1">
-              <a:lumMod val="65000"/>
-              <a:lumOff val="35000"/>
-            </a:schemeClr>
-          </a:solidFill>
-          <a:ln>
+            <a:off x="889687" y="2164491"/>
+            <a:ext cx="9803026" cy="1781432"/>
+            <a:chOff x="889687" y="2164491"/>
+            <a:chExt cx="9803026" cy="1781432"/>
+          </a:xfrm>
+        </p:grpSpPr>
+        <p:sp>
+          <p:nvSpPr>
+            <p:cNvPr id="2" name="正方形/長方形 1"/>
+            <p:cNvSpPr/>
+            <p:nvPr/>
+          </p:nvSpPr>
+          <p:spPr>
+            <a:xfrm>
+              <a:off x="4753232" y="2998572"/>
+              <a:ext cx="2092411" cy="947351"/>
+            </a:xfrm>
+            <a:prstGeom prst="rect">
+              <a:avLst/>
+            </a:prstGeom>
             <a:solidFill>
+              <a:schemeClr val="bg1"/>
+            </a:solidFill>
+            <a:ln w="57150">
+              <a:solidFill>
+                <a:schemeClr val="tx1"/>
+              </a:solidFill>
+            </a:ln>
+          </p:spPr>
+          <p:style>
+            <a:lnRef idx="2">
+              <a:schemeClr val="accent1">
+                <a:shade val="50000"/>
+              </a:schemeClr>
+            </a:lnRef>
+            <a:fillRef idx="1">
+              <a:schemeClr val="accent1"/>
+            </a:fillRef>
+            <a:effectRef idx="0">
+              <a:schemeClr val="accent1"/>
+            </a:effectRef>
+            <a:fontRef idx="minor">
+              <a:schemeClr val="lt1"/>
+            </a:fontRef>
+          </p:style>
+          <p:txBody>
+            <a:bodyPr rtlCol="0" anchor="ctr"/>
+            <a:lstStyle/>
+            <a:p>
+              <a:pPr algn="ctr"/>
+              <a:endParaRPr kumimoji="1" lang="ja-JP" altLang="en-US"/>
+            </a:p>
+          </p:txBody>
+        </p:sp>
+        <p:cxnSp>
+          <p:nvCxnSpPr>
+            <p:cNvPr id="4" name="直線コネクタ 3"/>
+            <p:cNvCxnSpPr/>
+            <p:nvPr/>
+          </p:nvCxnSpPr>
+          <p:spPr>
+            <a:xfrm flipH="1">
+              <a:off x="3006811" y="3204519"/>
+              <a:ext cx="1729946" cy="0"/>
+            </a:xfrm>
+            <a:prstGeom prst="line">
+              <a:avLst/>
+            </a:prstGeom>
+            <a:ln w="57150">
+              <a:solidFill>
+                <a:schemeClr val="tx1"/>
+              </a:solidFill>
+            </a:ln>
+          </p:spPr>
+          <p:style>
+            <a:lnRef idx="1">
+              <a:schemeClr val="dk1"/>
+            </a:lnRef>
+            <a:fillRef idx="0">
+              <a:schemeClr val="dk1"/>
+            </a:fillRef>
+            <a:effectRef idx="0">
+              <a:schemeClr val="dk1"/>
+            </a:effectRef>
+            <a:fontRef idx="minor">
               <a:schemeClr val="tx1"/>
+            </a:fontRef>
+          </p:style>
+        </p:cxnSp>
+        <p:cxnSp>
+          <p:nvCxnSpPr>
+            <p:cNvPr id="5" name="直線コネクタ 4"/>
+            <p:cNvCxnSpPr/>
+            <p:nvPr/>
+          </p:nvCxnSpPr>
+          <p:spPr>
+            <a:xfrm flipH="1">
+              <a:off x="6845643" y="3204519"/>
+              <a:ext cx="1729946" cy="0"/>
+            </a:xfrm>
+            <a:prstGeom prst="line">
+              <a:avLst/>
+            </a:prstGeom>
+            <a:ln w="57150">
+              <a:solidFill>
+                <a:schemeClr val="tx1"/>
+              </a:solidFill>
+            </a:ln>
+          </p:spPr>
+          <p:style>
+            <a:lnRef idx="1">
+              <a:schemeClr val="dk1"/>
+            </a:lnRef>
+            <a:fillRef idx="0">
+              <a:schemeClr val="dk1"/>
+            </a:fillRef>
+            <a:effectRef idx="0">
+              <a:schemeClr val="dk1"/>
+            </a:effectRef>
+            <a:fontRef idx="minor">
+              <a:schemeClr val="tx1"/>
+            </a:fontRef>
+          </p:style>
+        </p:cxnSp>
+        <p:sp>
+          <p:nvSpPr>
+            <p:cNvPr id="6" name="正方形/長方形 5"/>
+            <p:cNvSpPr/>
+            <p:nvPr/>
+          </p:nvSpPr>
+          <p:spPr>
+            <a:xfrm>
+              <a:off x="2388973" y="2767914"/>
+              <a:ext cx="617838" cy="823783"/>
+            </a:xfrm>
+            <a:prstGeom prst="rect">
+              <a:avLst/>
+            </a:prstGeom>
+            <a:solidFill>
+              <a:schemeClr val="bg1"/>
             </a:solidFill>
-          </a:ln>
-        </p:spPr>
-        <p:style>
-          <a:lnRef idx="2">
-            <a:schemeClr val="accent1">
-              <a:shade val="50000"/>
-            </a:schemeClr>
-          </a:lnRef>
-          <a:fillRef idx="1">
-            <a:schemeClr val="accent1"/>
-          </a:fillRef>
-          <a:effectRef idx="0">
-            <a:schemeClr val="accent1"/>
-          </a:effectRef>
-          <a:fontRef idx="minor">
-            <a:schemeClr val="lt1"/>
-          </a:fontRef>
-        </p:style>
-        <p:txBody>
-          <a:bodyPr rtlCol="0" anchor="ctr"/>
-          <a:lstStyle/>
-          <a:p>
-            <a:pPr algn="ctr"/>
-            <a:endParaRPr kumimoji="1" lang="ja-JP" altLang="en-US"/>
-          </a:p>
-        </p:txBody>
-      </p:sp>
-      <p:cxnSp>
-        <p:nvCxnSpPr>
-          <p:cNvPr id="4" name="直線コネクタ 3"/>
-          <p:cNvCxnSpPr/>
-          <p:nvPr/>
-        </p:nvCxnSpPr>
-        <p:spPr>
-          <a:xfrm flipH="1">
-            <a:off x="3006811" y="3204519"/>
-            <a:ext cx="1729946" cy="0"/>
-          </a:xfrm>
-          <a:prstGeom prst="line">
-            <a:avLst/>
-          </a:prstGeom>
-          <a:ln w="12700">
+            <a:ln w="57150"/>
+          </p:spPr>
+          <p:style>
+            <a:lnRef idx="2">
+              <a:schemeClr val="dk1">
+                <a:shade val="50000"/>
+              </a:schemeClr>
+            </a:lnRef>
+            <a:fillRef idx="1">
+              <a:schemeClr val="dk1"/>
+            </a:fillRef>
+            <a:effectRef idx="0">
+              <a:schemeClr val="dk1"/>
+            </a:effectRef>
+            <a:fontRef idx="minor">
+              <a:schemeClr val="lt1"/>
+            </a:fontRef>
+          </p:style>
+          <p:txBody>
+            <a:bodyPr rtlCol="0" anchor="ctr"/>
+            <a:lstStyle/>
+            <a:p>
+              <a:pPr algn="ctr"/>
+              <a:endParaRPr kumimoji="1" lang="ja-JP" altLang="en-US"/>
+            </a:p>
+          </p:txBody>
+        </p:sp>
+        <p:sp>
+          <p:nvSpPr>
+            <p:cNvPr id="7" name="正方形/長方形 6"/>
+            <p:cNvSpPr/>
+            <p:nvPr/>
+          </p:nvSpPr>
+          <p:spPr>
+            <a:xfrm>
+              <a:off x="8575589" y="2767914"/>
+              <a:ext cx="617838" cy="823783"/>
+            </a:xfrm>
+            <a:prstGeom prst="rect">
+              <a:avLst/>
+            </a:prstGeom>
             <a:solidFill>
-              <a:schemeClr val="tx1"/>
+              <a:schemeClr val="bg1"/>
             </a:solidFill>
-          </a:ln>
-        </p:spPr>
-        <p:style>
-          <a:lnRef idx="1">
-            <a:schemeClr val="dk1"/>
-          </a:lnRef>
-          <a:fillRef idx="0">
-            <a:schemeClr val="dk1"/>
-          </a:fillRef>
-          <a:effectRef idx="0">
-            <a:schemeClr val="dk1"/>
-          </a:effectRef>
-          <a:fontRef idx="minor">
-            <a:schemeClr val="tx1"/>
-          </a:fontRef>
-        </p:style>
-      </p:cxnSp>
-      <p:cxnSp>
-        <p:nvCxnSpPr>
-          <p:cNvPr id="5" name="直線コネクタ 4"/>
-          <p:cNvCxnSpPr/>
-          <p:nvPr/>
-        </p:nvCxnSpPr>
-        <p:spPr>
-          <a:xfrm flipH="1">
-            <a:off x="6845643" y="3204519"/>
-            <a:ext cx="1729946" cy="0"/>
-          </a:xfrm>
-          <a:prstGeom prst="line">
-            <a:avLst/>
-          </a:prstGeom>
-          <a:ln w="12700">
+            <a:ln w="57150">
+              <a:solidFill>
+                <a:schemeClr val="tx1"/>
+              </a:solidFill>
+            </a:ln>
+          </p:spPr>
+          <p:style>
+            <a:lnRef idx="2">
+              <a:schemeClr val="accent1">
+                <a:shade val="50000"/>
+              </a:schemeClr>
+            </a:lnRef>
+            <a:fillRef idx="1">
+              <a:schemeClr val="accent1"/>
+            </a:fillRef>
+            <a:effectRef idx="0">
+              <a:schemeClr val="accent1"/>
+            </a:effectRef>
+            <a:fontRef idx="minor">
+              <a:schemeClr val="lt1"/>
+            </a:fontRef>
+          </p:style>
+          <p:txBody>
+            <a:bodyPr rtlCol="0" anchor="ctr"/>
+            <a:lstStyle/>
+            <a:p>
+              <a:pPr algn="ctr"/>
+              <a:endParaRPr kumimoji="1" lang="ja-JP" altLang="en-US"/>
+            </a:p>
+          </p:txBody>
+        </p:sp>
+        <p:sp>
+          <p:nvSpPr>
+            <p:cNvPr id="8" name="円/楕円 7"/>
+            <p:cNvSpPr/>
+            <p:nvPr/>
+          </p:nvSpPr>
+          <p:spPr>
+            <a:xfrm>
+              <a:off x="889687" y="2325130"/>
+              <a:ext cx="3616410" cy="387178"/>
+            </a:xfrm>
+            <a:prstGeom prst="ellipse">
+              <a:avLst/>
+            </a:prstGeom>
+            <a:ln w="38100">
+              <a:solidFill>
+                <a:schemeClr val="tx1"/>
+              </a:solidFill>
+            </a:ln>
+          </p:spPr>
+          <p:style>
+            <a:lnRef idx="2">
+              <a:schemeClr val="accent1">
+                <a:shade val="50000"/>
+              </a:schemeClr>
+            </a:lnRef>
+            <a:fillRef idx="1">
+              <a:schemeClr val="accent1"/>
+            </a:fillRef>
+            <a:effectRef idx="0">
+              <a:schemeClr val="accent1"/>
+            </a:effectRef>
+            <a:fontRef idx="minor">
+              <a:schemeClr val="lt1"/>
+            </a:fontRef>
+          </p:style>
+          <p:txBody>
+            <a:bodyPr rtlCol="0" anchor="ctr"/>
+            <a:lstStyle/>
+            <a:p>
+              <a:pPr algn="ctr"/>
+              <a:endParaRPr kumimoji="1" lang="ja-JP" altLang="en-US"/>
+            </a:p>
+          </p:txBody>
+        </p:sp>
+        <p:sp>
+          <p:nvSpPr>
+            <p:cNvPr id="9" name="円/楕円 8"/>
+            <p:cNvSpPr/>
+            <p:nvPr/>
+          </p:nvSpPr>
+          <p:spPr>
+            <a:xfrm>
+              <a:off x="7076303" y="2325130"/>
+              <a:ext cx="3616410" cy="387178"/>
+            </a:xfrm>
+            <a:prstGeom prst="ellipse">
+              <a:avLst/>
+            </a:prstGeom>
+            <a:ln w="38100">
+              <a:solidFill>
+                <a:schemeClr val="tx1"/>
+              </a:solidFill>
+            </a:ln>
+          </p:spPr>
+          <p:style>
+            <a:lnRef idx="2">
+              <a:schemeClr val="accent1">
+                <a:shade val="50000"/>
+              </a:schemeClr>
+            </a:lnRef>
+            <a:fillRef idx="1">
+              <a:schemeClr val="accent1"/>
+            </a:fillRef>
+            <a:effectRef idx="0">
+              <a:schemeClr val="accent1"/>
+            </a:effectRef>
+            <a:fontRef idx="minor">
+              <a:schemeClr val="lt1"/>
+            </a:fontRef>
+          </p:style>
+          <p:txBody>
+            <a:bodyPr rtlCol="0" anchor="ctr"/>
+            <a:lstStyle/>
+            <a:p>
+              <a:pPr algn="ctr"/>
+              <a:endParaRPr kumimoji="1" lang="ja-JP" altLang="en-US"/>
+            </a:p>
+          </p:txBody>
+        </p:sp>
+        <p:sp>
+          <p:nvSpPr>
+            <p:cNvPr id="10" name="正方形/長方形 9"/>
+            <p:cNvSpPr/>
+            <p:nvPr/>
+          </p:nvSpPr>
+          <p:spPr>
+            <a:xfrm>
+              <a:off x="2590800" y="2164491"/>
+              <a:ext cx="214183" cy="321275"/>
+            </a:xfrm>
+            <a:prstGeom prst="rect">
+              <a:avLst/>
+            </a:prstGeom>
             <a:solidFill>
-              <a:schemeClr val="tx1"/>
+              <a:schemeClr val="bg1"/>
             </a:solidFill>
-          </a:ln>
-        </p:spPr>
-        <p:style>
-          <a:lnRef idx="1">
-            <a:schemeClr val="dk1"/>
-          </a:lnRef>
-          <a:fillRef idx="0">
-            <a:schemeClr val="dk1"/>
-          </a:fillRef>
-          <a:effectRef idx="0">
-            <a:schemeClr val="dk1"/>
-          </a:effectRef>
-          <a:fontRef idx="minor">
-            <a:schemeClr val="tx1"/>
-          </a:fontRef>
-        </p:style>
-      </p:cxnSp>
-      <p:sp>
-        <p:nvSpPr>
-          <p:cNvPr id="6" name="正方形/長方形 5"/>
-          <p:cNvSpPr/>
-          <p:nvPr/>
-        </p:nvSpPr>
-        <p:spPr>
-          <a:xfrm>
-            <a:off x="2388973" y="2767914"/>
-            <a:ext cx="617838" cy="823783"/>
-          </a:xfrm>
-          <a:prstGeom prst="rect">
-            <a:avLst/>
-          </a:prstGeom>
-          <a:solidFill>
-            <a:schemeClr val="tx1">
-              <a:lumMod val="65000"/>
-              <a:lumOff val="35000"/>
-            </a:schemeClr>
-          </a:solidFill>
-        </p:spPr>
-        <p:style>
-          <a:lnRef idx="2">
-            <a:schemeClr val="dk1">
-              <a:shade val="50000"/>
-            </a:schemeClr>
-          </a:lnRef>
-          <a:fillRef idx="1">
-            <a:schemeClr val="dk1"/>
-          </a:fillRef>
-          <a:effectRef idx="0">
-            <a:schemeClr val="dk1"/>
-          </a:effectRef>
-          <a:fontRef idx="minor">
-            <a:schemeClr val="lt1"/>
-          </a:fontRef>
-        </p:style>
-        <p:txBody>
-          <a:bodyPr rtlCol="0" anchor="ctr"/>
-          <a:lstStyle/>
-          <a:p>
-            <a:pPr algn="ctr"/>
-            <a:endParaRPr kumimoji="1" lang="ja-JP" altLang="en-US"/>
-          </a:p>
-        </p:txBody>
-      </p:sp>
-      <p:sp>
-        <p:nvSpPr>
-          <p:cNvPr id="7" name="正方形/長方形 6"/>
-          <p:cNvSpPr/>
-          <p:nvPr/>
-        </p:nvSpPr>
-        <p:spPr>
-          <a:xfrm>
-            <a:off x="8575589" y="2767914"/>
-            <a:ext cx="617838" cy="823783"/>
-          </a:xfrm>
-          <a:prstGeom prst="rect">
-            <a:avLst/>
-          </a:prstGeom>
-          <a:solidFill>
-            <a:schemeClr val="bg2">
-              <a:lumMod val="50000"/>
-            </a:schemeClr>
-          </a:solidFill>
-          <a:ln>
+            <a:ln w="57150">
+              <a:solidFill>
+                <a:schemeClr val="tx1"/>
+              </a:solidFill>
+            </a:ln>
+          </p:spPr>
+          <p:style>
+            <a:lnRef idx="2">
+              <a:schemeClr val="accent1">
+                <a:shade val="50000"/>
+              </a:schemeClr>
+            </a:lnRef>
+            <a:fillRef idx="1">
+              <a:schemeClr val="accent1"/>
+            </a:fillRef>
+            <a:effectRef idx="0">
+              <a:schemeClr val="accent1"/>
+            </a:effectRef>
+            <a:fontRef idx="minor">
+              <a:schemeClr val="lt1"/>
+            </a:fontRef>
+          </p:style>
+          <p:txBody>
+            <a:bodyPr rtlCol="0" anchor="ctr"/>
+            <a:lstStyle/>
+            <a:p>
+              <a:pPr algn="ctr"/>
+              <a:endParaRPr kumimoji="1" lang="ja-JP" altLang="en-US"/>
+            </a:p>
+          </p:txBody>
+        </p:sp>
+        <p:sp>
+          <p:nvSpPr>
+            <p:cNvPr id="11" name="正方形/長方形 10"/>
+            <p:cNvSpPr/>
+            <p:nvPr/>
+          </p:nvSpPr>
+          <p:spPr>
+            <a:xfrm>
+              <a:off x="8777416" y="2164492"/>
+              <a:ext cx="214183" cy="321275"/>
+            </a:xfrm>
+            <a:prstGeom prst="rect">
+              <a:avLst/>
+            </a:prstGeom>
             <a:solidFill>
-              <a:schemeClr val="tx1"/>
+              <a:schemeClr val="bg1"/>
             </a:solidFill>
-          </a:ln>
-        </p:spPr>
-        <p:style>
-          <a:lnRef idx="2">
-            <a:schemeClr val="accent1">
-              <a:shade val="50000"/>
-            </a:schemeClr>
-          </a:lnRef>
-          <a:fillRef idx="1">
-            <a:schemeClr val="accent1"/>
-          </a:fillRef>
-          <a:effectRef idx="0">
-            <a:schemeClr val="accent1"/>
-          </a:effectRef>
-          <a:fontRef idx="minor">
-            <a:schemeClr val="lt1"/>
-          </a:fontRef>
-        </p:style>
-        <p:txBody>
-          <a:bodyPr rtlCol="0" anchor="ctr"/>
-          <a:lstStyle/>
-          <a:p>
-            <a:pPr algn="ctr"/>
-            <a:endParaRPr kumimoji="1" lang="ja-JP" altLang="en-US"/>
-          </a:p>
-        </p:txBody>
-      </p:sp>
-      <p:sp>
-        <p:nvSpPr>
-          <p:cNvPr id="8" name="円/楕円 7"/>
-          <p:cNvSpPr/>
-          <p:nvPr/>
-        </p:nvSpPr>
-        <p:spPr>
-          <a:xfrm>
-            <a:off x="889687" y="2325130"/>
-            <a:ext cx="3616410" cy="387178"/>
-          </a:xfrm>
-          <a:prstGeom prst="ellipse">
-            <a:avLst/>
-          </a:prstGeom>
-          <a:ln>
-            <a:solidFill>
-              <a:schemeClr val="tx1"/>
-            </a:solidFill>
-          </a:ln>
-        </p:spPr>
-        <p:style>
-          <a:lnRef idx="2">
-            <a:schemeClr val="accent1">
-              <a:shade val="50000"/>
-            </a:schemeClr>
-          </a:lnRef>
-          <a:fillRef idx="1">
-            <a:schemeClr val="accent1"/>
-          </a:fillRef>
-          <a:effectRef idx="0">
-            <a:schemeClr val="accent1"/>
-          </a:effectRef>
-          <a:fontRef idx="minor">
-            <a:schemeClr val="lt1"/>
-          </a:fontRef>
-        </p:style>
-        <p:txBody>
-          <a:bodyPr rtlCol="0" anchor="ctr"/>
-          <a:lstStyle/>
-          <a:p>
-            <a:pPr algn="ctr"/>
-            <a:endParaRPr kumimoji="1" lang="ja-JP" altLang="en-US"/>
-          </a:p>
-        </p:txBody>
-      </p:sp>
-      <p:sp>
-        <p:nvSpPr>
-          <p:cNvPr id="9" name="円/楕円 8"/>
-          <p:cNvSpPr/>
-          <p:nvPr/>
-        </p:nvSpPr>
-        <p:spPr>
-          <a:xfrm>
-            <a:off x="7076303" y="2325130"/>
-            <a:ext cx="3616410" cy="387178"/>
-          </a:xfrm>
-          <a:prstGeom prst="ellipse">
-            <a:avLst/>
-          </a:prstGeom>
-          <a:ln>
-            <a:solidFill>
-              <a:schemeClr val="tx1"/>
-            </a:solidFill>
-          </a:ln>
-        </p:spPr>
-        <p:style>
-          <a:lnRef idx="2">
-            <a:schemeClr val="accent1">
-              <a:shade val="50000"/>
-            </a:schemeClr>
-          </a:lnRef>
-          <a:fillRef idx="1">
-            <a:schemeClr val="accent1"/>
-          </a:fillRef>
-          <a:effectRef idx="0">
-            <a:schemeClr val="accent1"/>
-          </a:effectRef>
-          <a:fontRef idx="minor">
-            <a:schemeClr val="lt1"/>
-          </a:fontRef>
-        </p:style>
-        <p:txBody>
-          <a:bodyPr rtlCol="0" anchor="ctr"/>
-          <a:lstStyle/>
-          <a:p>
-            <a:pPr algn="ctr"/>
-            <a:endParaRPr kumimoji="1" lang="ja-JP" altLang="en-US"/>
-          </a:p>
-        </p:txBody>
-      </p:sp>
-      <p:sp>
-        <p:nvSpPr>
-          <p:cNvPr id="10" name="正方形/長方形 9"/>
-          <p:cNvSpPr/>
-          <p:nvPr/>
-        </p:nvSpPr>
-        <p:spPr>
-          <a:xfrm>
-            <a:off x="2590800" y="2164491"/>
-            <a:ext cx="214183" cy="321275"/>
-          </a:xfrm>
-          <a:prstGeom prst="rect">
-            <a:avLst/>
-          </a:prstGeom>
-          <a:solidFill>
-            <a:schemeClr val="tx1"/>
-          </a:solidFill>
-          <a:ln>
-            <a:solidFill>
-              <a:schemeClr val="tx1"/>
-            </a:solidFill>
-          </a:ln>
-        </p:spPr>
-        <p:style>
-          <a:lnRef idx="2">
-            <a:schemeClr val="accent1">
-              <a:shade val="50000"/>
-            </a:schemeClr>
-          </a:lnRef>
-          <a:fillRef idx="1">
-            <a:schemeClr val="accent1"/>
-          </a:fillRef>
-          <a:effectRef idx="0">
-            <a:schemeClr val="accent1"/>
-          </a:effectRef>
-          <a:fontRef idx="minor">
-            <a:schemeClr val="lt1"/>
-          </a:fontRef>
-        </p:style>
-        <p:txBody>
-          <a:bodyPr rtlCol="0" anchor="ctr"/>
-          <a:lstStyle/>
-          <a:p>
-            <a:pPr algn="ctr"/>
-            <a:endParaRPr kumimoji="1" lang="ja-JP" altLang="en-US"/>
-          </a:p>
-        </p:txBody>
-      </p:sp>
-      <p:sp>
-        <p:nvSpPr>
-          <p:cNvPr id="11" name="正方形/長方形 10"/>
-          <p:cNvSpPr/>
-          <p:nvPr/>
-        </p:nvSpPr>
-        <p:spPr>
-          <a:xfrm>
-            <a:off x="8777416" y="2164492"/>
-            <a:ext cx="214183" cy="321275"/>
-          </a:xfrm>
-          <a:prstGeom prst="rect">
-            <a:avLst/>
-          </a:prstGeom>
-          <a:solidFill>
-            <a:schemeClr val="tx1"/>
-          </a:solidFill>
-          <a:ln>
-            <a:solidFill>
-              <a:schemeClr val="tx1"/>
-            </a:solidFill>
-          </a:ln>
-        </p:spPr>
-        <p:style>
-          <a:lnRef idx="2">
-            <a:schemeClr val="accent1">
-              <a:shade val="50000"/>
-            </a:schemeClr>
-          </a:lnRef>
-          <a:fillRef idx="1">
-            <a:schemeClr val="accent1"/>
-          </a:fillRef>
-          <a:effectRef idx="0">
-            <a:schemeClr val="accent1"/>
-          </a:effectRef>
-          <a:fontRef idx="minor">
-            <a:schemeClr val="lt1"/>
-          </a:fontRef>
-        </p:style>
-        <p:txBody>
-          <a:bodyPr rtlCol="0" anchor="ctr"/>
-          <a:lstStyle/>
-          <a:p>
-            <a:pPr algn="ctr"/>
-            <a:endParaRPr kumimoji="1" lang="ja-JP" altLang="en-US"/>
-          </a:p>
-        </p:txBody>
-      </p:sp>
+            <a:ln w="57150">
+              <a:solidFill>
+                <a:schemeClr val="tx1"/>
+              </a:solidFill>
+            </a:ln>
+          </p:spPr>
+          <p:style>
+            <a:lnRef idx="2">
+              <a:schemeClr val="accent1">
+                <a:shade val="50000"/>
+              </a:schemeClr>
+            </a:lnRef>
+            <a:fillRef idx="1">
+              <a:schemeClr val="accent1"/>
+            </a:fillRef>
+            <a:effectRef idx="0">
+              <a:schemeClr val="accent1"/>
+            </a:effectRef>
+            <a:fontRef idx="minor">
+              <a:schemeClr val="lt1"/>
+            </a:fontRef>
+          </p:style>
+          <p:txBody>
+            <a:bodyPr rtlCol="0" anchor="ctr"/>
+            <a:lstStyle/>
+            <a:p>
+              <a:pPr algn="ctr"/>
+              <a:endParaRPr kumimoji="1" lang="ja-JP" altLang="en-US"/>
+            </a:p>
+          </p:txBody>
+        </p:sp>
+      </p:grpSp>
     </p:spTree>
     <p:extLst>
       <p:ext uri="{BB962C8B-B14F-4D97-AF65-F5344CB8AC3E}">

--- a/パワポ/fig/プレゼンテーション1.pptx
+++ b/パワポ/fig/プレゼンテーション1.pptx
@@ -13,11 +13,12 @@
     <p:sldId id="262" r:id="rId7"/>
     <p:sldId id="263" r:id="rId8"/>
     <p:sldId id="264" r:id="rId9"/>
-    <p:sldId id="265" r:id="rId10"/>
-    <p:sldId id="266" r:id="rId11"/>
-    <p:sldId id="267" r:id="rId12"/>
-    <p:sldId id="268" r:id="rId13"/>
-    <p:sldId id="269" r:id="rId14"/>
+    <p:sldId id="270" r:id="rId10"/>
+    <p:sldId id="265" r:id="rId11"/>
+    <p:sldId id="266" r:id="rId12"/>
+    <p:sldId id="267" r:id="rId13"/>
+    <p:sldId id="268" r:id="rId14"/>
+    <p:sldId id="269" r:id="rId15"/>
   </p:sldIdLst>
   <p:sldSz cx="12192000" cy="6858000"/>
   <p:notesSz cx="6858000" cy="9144000"/>
@@ -255,7 +256,7 @@
           <a:p>
             <a:fld id="{9A391B90-8A79-412C-89FE-F2A94E6B2FAF}" type="datetimeFigureOut">
               <a:rPr kumimoji="1" lang="ja-JP" altLang="en-US" smtClean="0"/>
-              <a:t>2019/12/21</a:t>
+              <a:t>2019/12/25</a:t>
             </a:fld>
             <a:endParaRPr kumimoji="1" lang="ja-JP" altLang="en-US" dirty="0"/>
           </a:p>
@@ -457,7 +458,7 @@
           <a:p>
             <a:fld id="{9A391B90-8A79-412C-89FE-F2A94E6B2FAF}" type="datetimeFigureOut">
               <a:rPr kumimoji="1" lang="ja-JP" altLang="en-US" smtClean="0"/>
-              <a:t>2019/12/21</a:t>
+              <a:t>2019/12/25</a:t>
             </a:fld>
             <a:endParaRPr kumimoji="1" lang="ja-JP" altLang="en-US" dirty="0"/>
           </a:p>
@@ -669,7 +670,7 @@
           <a:p>
             <a:fld id="{9A391B90-8A79-412C-89FE-F2A94E6B2FAF}" type="datetimeFigureOut">
               <a:rPr kumimoji="1" lang="ja-JP" altLang="en-US" smtClean="0"/>
-              <a:t>2019/12/21</a:t>
+              <a:t>2019/12/25</a:t>
             </a:fld>
             <a:endParaRPr kumimoji="1" lang="ja-JP" altLang="en-US" dirty="0"/>
           </a:p>
@@ -871,7 +872,7 @@
           <a:p>
             <a:fld id="{9A391B90-8A79-412C-89FE-F2A94E6B2FAF}" type="datetimeFigureOut">
               <a:rPr kumimoji="1" lang="ja-JP" altLang="en-US" smtClean="0"/>
-              <a:t>2019/12/21</a:t>
+              <a:t>2019/12/25</a:t>
             </a:fld>
             <a:endParaRPr kumimoji="1" lang="ja-JP" altLang="en-US" dirty="0"/>
           </a:p>
@@ -1117,7 +1118,7 @@
           <a:p>
             <a:fld id="{9A391B90-8A79-412C-89FE-F2A94E6B2FAF}" type="datetimeFigureOut">
               <a:rPr kumimoji="1" lang="ja-JP" altLang="en-US" smtClean="0"/>
-              <a:t>2019/12/21</a:t>
+              <a:t>2019/12/25</a:t>
             </a:fld>
             <a:endParaRPr kumimoji="1" lang="ja-JP" altLang="en-US" dirty="0"/>
           </a:p>
@@ -1413,7 +1414,7 @@
           <a:p>
             <a:fld id="{9A391B90-8A79-412C-89FE-F2A94E6B2FAF}" type="datetimeFigureOut">
               <a:rPr kumimoji="1" lang="ja-JP" altLang="en-US" smtClean="0"/>
-              <a:t>2019/12/21</a:t>
+              <a:t>2019/12/25</a:t>
             </a:fld>
             <a:endParaRPr kumimoji="1" lang="ja-JP" altLang="en-US" dirty="0"/>
           </a:p>
@@ -1844,7 +1845,7 @@
           <a:p>
             <a:fld id="{9A391B90-8A79-412C-89FE-F2A94E6B2FAF}" type="datetimeFigureOut">
               <a:rPr kumimoji="1" lang="ja-JP" altLang="en-US" smtClean="0"/>
-              <a:t>2019/12/21</a:t>
+              <a:t>2019/12/25</a:t>
             </a:fld>
             <a:endParaRPr kumimoji="1" lang="ja-JP" altLang="en-US" dirty="0"/>
           </a:p>
@@ -1962,7 +1963,7 @@
           <a:p>
             <a:fld id="{9A391B90-8A79-412C-89FE-F2A94E6B2FAF}" type="datetimeFigureOut">
               <a:rPr kumimoji="1" lang="ja-JP" altLang="en-US" smtClean="0"/>
-              <a:t>2019/12/21</a:t>
+              <a:t>2019/12/25</a:t>
             </a:fld>
             <a:endParaRPr kumimoji="1" lang="ja-JP" altLang="en-US" dirty="0"/>
           </a:p>
@@ -2057,7 +2058,7 @@
           <a:p>
             <a:fld id="{9A391B90-8A79-412C-89FE-F2A94E6B2FAF}" type="datetimeFigureOut">
               <a:rPr kumimoji="1" lang="ja-JP" altLang="en-US" smtClean="0"/>
-              <a:t>2019/12/21</a:t>
+              <a:t>2019/12/25</a:t>
             </a:fld>
             <a:endParaRPr kumimoji="1" lang="ja-JP" altLang="en-US" dirty="0"/>
           </a:p>
@@ -2366,7 +2367,7 @@
           <a:p>
             <a:fld id="{9A391B90-8A79-412C-89FE-F2A94E6B2FAF}" type="datetimeFigureOut">
               <a:rPr kumimoji="1" lang="ja-JP" altLang="en-US" smtClean="0"/>
-              <a:t>2019/12/21</a:t>
+              <a:t>2019/12/25</a:t>
             </a:fld>
             <a:endParaRPr kumimoji="1" lang="ja-JP" altLang="en-US" dirty="0"/>
           </a:p>
@@ -2619,7 +2620,7 @@
           <a:p>
             <a:fld id="{9A391B90-8A79-412C-89FE-F2A94E6B2FAF}" type="datetimeFigureOut">
               <a:rPr kumimoji="1" lang="ja-JP" altLang="en-US" smtClean="0"/>
-              <a:t>2019/12/21</a:t>
+              <a:t>2019/12/25</a:t>
             </a:fld>
             <a:endParaRPr kumimoji="1" lang="ja-JP" altLang="en-US" dirty="0"/>
           </a:p>
@@ -2864,7 +2865,7 @@
           <a:p>
             <a:fld id="{9A391B90-8A79-412C-89FE-F2A94E6B2FAF}" type="datetimeFigureOut">
               <a:rPr kumimoji="1" lang="ja-JP" altLang="en-US" smtClean="0"/>
-              <a:t>2019/12/21</a:t>
+              <a:t>2019/12/25</a:t>
             </a:fld>
             <a:endParaRPr kumimoji="1" lang="ja-JP" altLang="en-US" dirty="0"/>
           </a:p>
@@ -4388,6 +4389,186 @@
 </file>
 
 <file path=ppt/slides/slide10.xml><?xml version="1.0" encoding="utf-8"?>
+<p:sld xmlns:a="http://schemas.openxmlformats.org/drawingml/2006/main" xmlns:r="http://schemas.openxmlformats.org/officeDocument/2006/relationships" xmlns:p="http://schemas.openxmlformats.org/presentationml/2006/main">
+  <p:cSld>
+    <p:spTree>
+      <p:nvGrpSpPr>
+        <p:cNvPr id="1" name=""/>
+        <p:cNvGrpSpPr/>
+        <p:nvPr/>
+      </p:nvGrpSpPr>
+      <p:grpSpPr>
+        <a:xfrm>
+          <a:off x="0" y="0"/>
+          <a:ext cx="0" cy="0"/>
+          <a:chOff x="0" y="0"/>
+          <a:chExt cx="0" cy="0"/>
+        </a:xfrm>
+      </p:grpSpPr>
+      <p:pic>
+        <p:nvPicPr>
+          <p:cNvPr id="2" name="Picture 3"/>
+          <p:cNvPicPr>
+            <a:picLocks noChangeAspect="1" noChangeArrowheads="1"/>
+          </p:cNvPicPr>
+          <p:nvPr/>
+        </p:nvPicPr>
+        <p:blipFill>
+          <a:blip r:embed="rId2">
+            <a:extLst>
+              <a:ext uri="{28A0092B-C50C-407E-A947-70E740481C1C}">
+                <a14:useLocalDpi xmlns:a14="http://schemas.microsoft.com/office/drawing/2010/main" val="0"/>
+              </a:ext>
+            </a:extLst>
+          </a:blip>
+          <a:srcRect/>
+          <a:stretch>
+            <a:fillRect/>
+          </a:stretch>
+        </p:blipFill>
+        <p:spPr bwMode="auto">
+          <a:xfrm>
+            <a:off x="1403041" y="251884"/>
+            <a:ext cx="8315325" cy="3127375"/>
+          </a:xfrm>
+          <a:prstGeom prst="rect">
+            <a:avLst/>
+          </a:prstGeom>
+          <a:noFill/>
+          <a:ln>
+            <a:noFill/>
+          </a:ln>
+          <a:effectLst/>
+          <a:extLst>
+            <a:ext uri="{909E8E84-426E-40DD-AFC4-6F175D3DCCD1}">
+              <a14:hiddenFill xmlns:a14="http://schemas.microsoft.com/office/drawing/2010/main">
+                <a:solidFill>
+                  <a:schemeClr val="accent1"/>
+                </a:solidFill>
+              </a14:hiddenFill>
+            </a:ext>
+            <a:ext uri="{91240B29-F687-4F45-9708-019B960494DF}">
+              <a14:hiddenLine xmlns:a14="http://schemas.microsoft.com/office/drawing/2010/main" w="9525">
+                <a:solidFill>
+                  <a:schemeClr val="tx1"/>
+                </a:solidFill>
+                <a:miter lim="800000"/>
+                <a:headEnd/>
+                <a:tailEnd/>
+              </a14:hiddenLine>
+            </a:ext>
+            <a:ext uri="{AF507438-7753-43E0-B8FC-AC1667EBCBE1}">
+              <a14:hiddenEffects xmlns:a14="http://schemas.microsoft.com/office/drawing/2010/main">
+                <a:effectLst>
+                  <a:outerShdw dist="35921" dir="2700000" algn="ctr" rotWithShape="0">
+                    <a:schemeClr val="bg2"/>
+                  </a:outerShdw>
+                </a:effectLst>
+              </a14:hiddenEffects>
+            </a:ext>
+          </a:extLst>
+        </p:spPr>
+      </p:pic>
+    </p:spTree>
+    <p:extLst>
+      <p:ext uri="{BB962C8B-B14F-4D97-AF65-F5344CB8AC3E}">
+        <p14:creationId xmlns:p14="http://schemas.microsoft.com/office/powerpoint/2010/main" val="1361529038"/>
+      </p:ext>
+    </p:extLst>
+  </p:cSld>
+  <p:clrMapOvr>
+    <a:masterClrMapping/>
+  </p:clrMapOvr>
+  <p:timing>
+    <p:tnLst>
+      <p:par>
+        <p:cTn id="1" dur="indefinite" restart="never" nodeType="tmRoot">
+          <p:childTnLst>
+            <p:seq concurrent="1" nextAc="seek">
+              <p:cTn id="2" dur="indefinite" nodeType="mainSeq">
+                <p:childTnLst>
+                  <p:par>
+                    <p:cTn id="3" fill="hold">
+                      <p:stCondLst>
+                        <p:cond delay="indefinite"/>
+                        <p:cond evt="onBegin" delay="0">
+                          <p:tn val="2"/>
+                        </p:cond>
+                      </p:stCondLst>
+                      <p:childTnLst>
+                        <p:par>
+                          <p:cTn id="4" fill="hold">
+                            <p:stCondLst>
+                              <p:cond delay="0"/>
+                            </p:stCondLst>
+                            <p:childTnLst>
+                              <p:par>
+                                <p:cTn id="5" presetID="14" presetClass="entr" presetSubtype="10" fill="hold" nodeType="afterEffect">
+                                  <p:stCondLst>
+                                    <p:cond delay="0"/>
+                                  </p:stCondLst>
+                                  <p:childTnLst>
+                                    <p:set>
+                                      <p:cBhvr>
+                                        <p:cTn id="6" dur="1" fill="hold">
+                                          <p:stCondLst>
+                                            <p:cond delay="0"/>
+                                          </p:stCondLst>
+                                        </p:cTn>
+                                        <p:tgtEl>
+                                          <p:spTgt spid="2"/>
+                                        </p:tgtEl>
+                                        <p:attrNameLst>
+                                          <p:attrName>style.visibility</p:attrName>
+                                        </p:attrNameLst>
+                                      </p:cBhvr>
+                                      <p:to>
+                                        <p:strVal val="visible"/>
+                                      </p:to>
+                                    </p:set>
+                                    <p:animEffect transition="in" filter="randombar(horizontal)">
+                                      <p:cBhvr>
+                                        <p:cTn id="7" dur="500"/>
+                                        <p:tgtEl>
+                                          <p:spTgt spid="2"/>
+                                        </p:tgtEl>
+                                      </p:cBhvr>
+                                    </p:animEffect>
+                                  </p:childTnLst>
+                                </p:cTn>
+                              </p:par>
+                            </p:childTnLst>
+                          </p:cTn>
+                        </p:par>
+                      </p:childTnLst>
+                    </p:cTn>
+                  </p:par>
+                </p:childTnLst>
+              </p:cTn>
+              <p:prevCondLst>
+                <p:cond evt="onPrev" delay="0">
+                  <p:tgtEl>
+                    <p:sldTgt/>
+                  </p:tgtEl>
+                </p:cond>
+              </p:prevCondLst>
+              <p:nextCondLst>
+                <p:cond evt="onNext" delay="0">
+                  <p:tgtEl>
+                    <p:sldTgt/>
+                  </p:tgtEl>
+                </p:cond>
+              </p:nextCondLst>
+            </p:seq>
+          </p:childTnLst>
+        </p:cTn>
+      </p:par>
+    </p:tnLst>
+  </p:timing>
+</p:sld>
+</file>
+
+<file path=ppt/slides/slide11.xml><?xml version="1.0" encoding="utf-8"?>
 <p:sld xmlns:a="http://schemas.openxmlformats.org/drawingml/2006/main" xmlns:r="http://schemas.openxmlformats.org/officeDocument/2006/relationships" xmlns:p="http://schemas.openxmlformats.org/presentationml/2006/main">
   <p:cSld>
     <p:spTree>
@@ -5837,7 +6018,7 @@
 </p:sld>
 </file>
 
-<file path=ppt/slides/slide11.xml><?xml version="1.0" encoding="utf-8"?>
+<file path=ppt/slides/slide12.xml><?xml version="1.0" encoding="utf-8"?>
 <p:sld xmlns:a="http://schemas.openxmlformats.org/drawingml/2006/main" xmlns:r="http://schemas.openxmlformats.org/officeDocument/2006/relationships" xmlns:p="http://schemas.openxmlformats.org/presentationml/2006/main">
   <p:cSld>
     <p:spTree>
@@ -6402,7 +6583,7 @@
 </p:sld>
 </file>
 
-<file path=ppt/slides/slide12.xml><?xml version="1.0" encoding="utf-8"?>
+<file path=ppt/slides/slide13.xml><?xml version="1.0" encoding="utf-8"?>
 <p:sld xmlns:a="http://schemas.openxmlformats.org/drawingml/2006/main" xmlns:r="http://schemas.openxmlformats.org/officeDocument/2006/relationships" xmlns:p="http://schemas.openxmlformats.org/presentationml/2006/main">
   <p:cSld>
     <p:spTree>
@@ -7066,8 +7247,8 @@
           </a:p>
         </p:txBody>
       </p:sp>
-      <mc:AlternateContent xmlns:mc="http://schemas.openxmlformats.org/markup-compatibility/2006">
-        <mc:Choice xmlns:a14="http://schemas.microsoft.com/office/drawing/2010/main" Requires="a14">
+      <mc:AlternateContent xmlns:mc="http://schemas.openxmlformats.org/markup-compatibility/2006" xmlns:a14="http://schemas.microsoft.com/office/drawing/2010/main">
+        <mc:Choice Requires="a14">
           <p:sp>
             <p:nvSpPr>
               <p:cNvPr id="34" name="テキスト ボックス 33"/>
@@ -7090,6 +7271,7 @@
               </a:bodyPr>
               <a:lstStyle/>
               <a:p>
+                <a:pPr/>
                 <a14:m>
                   <m:oMathPara xmlns:m="http://schemas.openxmlformats.org/officeDocument/2006/math">
                     <m:oMathParaPr>
@@ -7129,7 +7311,7 @@
             </p:txBody>
           </p:sp>
         </mc:Choice>
-        <mc:Fallback>
+        <mc:Fallback xmlns="">
           <p:sp>
             <p:nvSpPr>
               <p:cNvPr id="34" name="テキスト ボックス 33"/>
@@ -7168,8 +7350,8 @@
           </p:sp>
         </mc:Fallback>
       </mc:AlternateContent>
-      <mc:AlternateContent xmlns:mc="http://schemas.openxmlformats.org/markup-compatibility/2006">
-        <mc:Choice xmlns:a14="http://schemas.microsoft.com/office/drawing/2010/main" Requires="a14">
+      <mc:AlternateContent xmlns:mc="http://schemas.openxmlformats.org/markup-compatibility/2006" xmlns:a14="http://schemas.microsoft.com/office/drawing/2010/main">
+        <mc:Choice Requires="a14">
           <p:sp>
             <p:nvSpPr>
               <p:cNvPr id="35" name="テキスト ボックス 34"/>
@@ -7192,6 +7374,7 @@
               </a:bodyPr>
               <a:lstStyle/>
               <a:p>
+                <a:pPr/>
                 <a14:m>
                   <m:oMathPara xmlns:m="http://schemas.openxmlformats.org/officeDocument/2006/math">
                     <m:oMathParaPr>
@@ -7231,7 +7414,7 @@
             </p:txBody>
           </p:sp>
         </mc:Choice>
-        <mc:Fallback>
+        <mc:Fallback xmlns="">
           <p:sp>
             <p:nvSpPr>
               <p:cNvPr id="35" name="テキスト ボックス 34"/>
@@ -7270,8 +7453,8 @@
           </p:sp>
         </mc:Fallback>
       </mc:AlternateContent>
-      <mc:AlternateContent xmlns:mc="http://schemas.openxmlformats.org/markup-compatibility/2006">
-        <mc:Choice xmlns:a14="http://schemas.microsoft.com/office/drawing/2010/main" Requires="a14">
+      <mc:AlternateContent xmlns:mc="http://schemas.openxmlformats.org/markup-compatibility/2006" xmlns:a14="http://schemas.microsoft.com/office/drawing/2010/main">
+        <mc:Choice Requires="a14">
           <p:sp>
             <p:nvSpPr>
               <p:cNvPr id="36" name="テキスト ボックス 35"/>
@@ -7294,6 +7477,7 @@
               </a:bodyPr>
               <a:lstStyle/>
               <a:p>
+                <a:pPr/>
                 <a14:m>
                   <m:oMathPara xmlns:m="http://schemas.openxmlformats.org/officeDocument/2006/math">
                     <m:oMathParaPr>
@@ -7333,7 +7517,7 @@
             </p:txBody>
           </p:sp>
         </mc:Choice>
-        <mc:Fallback>
+        <mc:Fallback xmlns="">
           <p:sp>
             <p:nvSpPr>
               <p:cNvPr id="36" name="テキスト ボックス 35"/>
@@ -7372,8 +7556,8 @@
           </p:sp>
         </mc:Fallback>
       </mc:AlternateContent>
-      <mc:AlternateContent xmlns:mc="http://schemas.openxmlformats.org/markup-compatibility/2006">
-        <mc:Choice xmlns:a14="http://schemas.microsoft.com/office/drawing/2010/main" Requires="a14">
+      <mc:AlternateContent xmlns:mc="http://schemas.openxmlformats.org/markup-compatibility/2006" xmlns:a14="http://schemas.microsoft.com/office/drawing/2010/main">
+        <mc:Choice Requires="a14">
           <p:sp>
             <p:nvSpPr>
               <p:cNvPr id="37" name="テキスト ボックス 36"/>
@@ -7396,6 +7580,7 @@
               </a:bodyPr>
               <a:lstStyle/>
               <a:p>
+                <a:pPr/>
                 <a14:m>
                   <m:oMathPara xmlns:m="http://schemas.openxmlformats.org/officeDocument/2006/math">
                     <m:oMathParaPr>
@@ -7435,7 +7620,7 @@
             </p:txBody>
           </p:sp>
         </mc:Choice>
-        <mc:Fallback>
+        <mc:Fallback xmlns="">
           <p:sp>
             <p:nvSpPr>
               <p:cNvPr id="37" name="テキスト ボックス 36"/>
@@ -7474,8 +7659,8 @@
           </p:sp>
         </mc:Fallback>
       </mc:AlternateContent>
-      <mc:AlternateContent xmlns:mc="http://schemas.openxmlformats.org/markup-compatibility/2006">
-        <mc:Choice xmlns:a14="http://schemas.microsoft.com/office/drawing/2010/main" Requires="a14">
+      <mc:AlternateContent xmlns:mc="http://schemas.openxmlformats.org/markup-compatibility/2006" xmlns:a14="http://schemas.microsoft.com/office/drawing/2010/main">
+        <mc:Choice Requires="a14">
           <p:sp>
             <p:nvSpPr>
               <p:cNvPr id="38" name="テキスト ボックス 37"/>
@@ -7527,7 +7712,7 @@
             </p:txBody>
           </p:sp>
         </mc:Choice>
-        <mc:Fallback>
+        <mc:Fallback xmlns="">
           <p:sp>
             <p:nvSpPr>
               <p:cNvPr id="38" name="テキスト ボックス 37"/>
@@ -7566,8 +7751,8 @@
           </p:sp>
         </mc:Fallback>
       </mc:AlternateContent>
-      <mc:AlternateContent xmlns:mc="http://schemas.openxmlformats.org/markup-compatibility/2006">
-        <mc:Choice xmlns:a14="http://schemas.microsoft.com/office/drawing/2010/main" Requires="a14">
+      <mc:AlternateContent xmlns:mc="http://schemas.openxmlformats.org/markup-compatibility/2006" xmlns:a14="http://schemas.microsoft.com/office/drawing/2010/main">
+        <mc:Choice Requires="a14">
           <p:sp>
             <p:nvSpPr>
               <p:cNvPr id="39" name="テキスト ボックス 38"/>
@@ -7619,7 +7804,7 @@
             </p:txBody>
           </p:sp>
         </mc:Choice>
-        <mc:Fallback>
+        <mc:Fallback xmlns="">
           <p:sp>
             <p:nvSpPr>
               <p:cNvPr id="39" name="テキスト ボックス 38"/>
@@ -7658,8 +7843,8 @@
           </p:sp>
         </mc:Fallback>
       </mc:AlternateContent>
-      <mc:AlternateContent xmlns:mc="http://schemas.openxmlformats.org/markup-compatibility/2006">
-        <mc:Choice xmlns:a14="http://schemas.microsoft.com/office/drawing/2010/main" Requires="a14">
+      <mc:AlternateContent xmlns:mc="http://schemas.openxmlformats.org/markup-compatibility/2006" xmlns:a14="http://schemas.microsoft.com/office/drawing/2010/main">
+        <mc:Choice Requires="a14">
           <p:sp>
             <p:nvSpPr>
               <p:cNvPr id="40" name="テキスト ボックス 39"/>
@@ -7711,7 +7896,7 @@
             </p:txBody>
           </p:sp>
         </mc:Choice>
-        <mc:Fallback>
+        <mc:Fallback xmlns="">
           <p:sp>
             <p:nvSpPr>
               <p:cNvPr id="40" name="テキスト ボックス 39"/>
@@ -7763,7 +7948,7 @@
 </p:sld>
 </file>
 
-<file path=ppt/slides/slide13.xml><?xml version="1.0" encoding="utf-8"?>
+<file path=ppt/slides/slide14.xml><?xml version="1.0" encoding="utf-8"?>
 <p:sld xmlns:a="http://schemas.openxmlformats.org/drawingml/2006/main" xmlns:r="http://schemas.openxmlformats.org/officeDocument/2006/relationships" xmlns:p="http://schemas.openxmlformats.org/presentationml/2006/main">
   <p:cSld>
     <p:spTree>
@@ -16835,166 +17020,1446 @@
           <a:chExt cx="0" cy="0"/>
         </a:xfrm>
       </p:grpSpPr>
-      <p:pic>
-        <p:nvPicPr>
-          <p:cNvPr id="2" name="Picture 3"/>
-          <p:cNvPicPr>
-            <a:picLocks noChangeAspect="1" noChangeArrowheads="1"/>
-          </p:cNvPicPr>
+      <p:sp>
+        <p:nvSpPr>
+          <p:cNvPr id="12" name="円/楕円 11"/>
+          <p:cNvSpPr/>
           <p:nvPr/>
-        </p:nvPicPr>
-        <p:blipFill>
-          <a:blip r:embed="rId2">
-            <a:extLst>
-              <a:ext uri="{28A0092B-C50C-407E-A947-70E740481C1C}">
-                <a14:useLocalDpi xmlns:a14="http://schemas.microsoft.com/office/drawing/2010/main" val="0"/>
-              </a:ext>
-            </a:extLst>
-          </a:blip>
-          <a:srcRect/>
-          <a:stretch>
-            <a:fillRect/>
-          </a:stretch>
-        </p:blipFill>
-        <p:spPr bwMode="auto">
+        </p:nvSpPr>
+        <p:spPr>
           <a:xfrm>
-            <a:off x="1403041" y="251884"/>
-            <a:ext cx="8315325" cy="3127375"/>
+            <a:off x="2790609" y="1051813"/>
+            <a:ext cx="354227" cy="354227"/>
+          </a:xfrm>
+          <a:prstGeom prst="ellipse">
+            <a:avLst/>
+          </a:prstGeom>
+        </p:spPr>
+        <p:style>
+          <a:lnRef idx="2">
+            <a:schemeClr val="accent1">
+              <a:shade val="50000"/>
+            </a:schemeClr>
+          </a:lnRef>
+          <a:fillRef idx="1">
+            <a:schemeClr val="accent1"/>
+          </a:fillRef>
+          <a:effectRef idx="0">
+            <a:schemeClr val="accent1"/>
+          </a:effectRef>
+          <a:fontRef idx="minor">
+            <a:schemeClr val="lt1"/>
+          </a:fontRef>
+        </p:style>
+        <p:txBody>
+          <a:bodyPr rtlCol="0" anchor="ctr"/>
+          <a:lstStyle/>
+          <a:p>
+            <a:pPr algn="ctr"/>
+            <a:endParaRPr kumimoji="1" lang="ja-JP" altLang="en-US"/>
+          </a:p>
+        </p:txBody>
+      </p:sp>
+      <p:sp>
+        <p:nvSpPr>
+          <p:cNvPr id="13" name="円/楕円 12"/>
+          <p:cNvSpPr/>
+          <p:nvPr/>
+        </p:nvSpPr>
+        <p:spPr>
+          <a:xfrm>
+            <a:off x="6476647" y="3421358"/>
+            <a:ext cx="354227" cy="354227"/>
+          </a:xfrm>
+          <a:prstGeom prst="ellipse">
+            <a:avLst/>
+          </a:prstGeom>
+        </p:spPr>
+        <p:style>
+          <a:lnRef idx="2">
+            <a:schemeClr val="accent1">
+              <a:shade val="50000"/>
+            </a:schemeClr>
+          </a:lnRef>
+          <a:fillRef idx="1">
+            <a:schemeClr val="accent1"/>
+          </a:fillRef>
+          <a:effectRef idx="0">
+            <a:schemeClr val="accent1"/>
+          </a:effectRef>
+          <a:fontRef idx="minor">
+            <a:schemeClr val="lt1"/>
+          </a:fontRef>
+        </p:style>
+        <p:txBody>
+          <a:bodyPr rtlCol="0" anchor="ctr"/>
+          <a:lstStyle/>
+          <a:p>
+            <a:pPr algn="ctr"/>
+            <a:endParaRPr kumimoji="1" lang="ja-JP" altLang="en-US"/>
+          </a:p>
+        </p:txBody>
+      </p:sp>
+      <p:sp>
+        <p:nvSpPr>
+          <p:cNvPr id="14" name="円/楕円 13"/>
+          <p:cNvSpPr/>
+          <p:nvPr/>
+        </p:nvSpPr>
+        <p:spPr>
+          <a:xfrm>
+            <a:off x="3144836" y="3050201"/>
+            <a:ext cx="354227" cy="354227"/>
+          </a:xfrm>
+          <a:prstGeom prst="ellipse">
+            <a:avLst/>
+          </a:prstGeom>
+        </p:spPr>
+        <p:style>
+          <a:lnRef idx="2">
+            <a:schemeClr val="accent1">
+              <a:shade val="50000"/>
+            </a:schemeClr>
+          </a:lnRef>
+          <a:fillRef idx="1">
+            <a:schemeClr val="accent1"/>
+          </a:fillRef>
+          <a:effectRef idx="0">
+            <a:schemeClr val="accent1"/>
+          </a:effectRef>
+          <a:fontRef idx="minor">
+            <a:schemeClr val="lt1"/>
+          </a:fontRef>
+        </p:style>
+        <p:txBody>
+          <a:bodyPr rtlCol="0" anchor="ctr"/>
+          <a:lstStyle/>
+          <a:p>
+            <a:pPr algn="ctr"/>
+            <a:endParaRPr kumimoji="1" lang="ja-JP" altLang="en-US"/>
+          </a:p>
+        </p:txBody>
+      </p:sp>
+      <p:sp>
+        <p:nvSpPr>
+          <p:cNvPr id="15" name="円/楕円 14"/>
+          <p:cNvSpPr/>
+          <p:nvPr/>
+        </p:nvSpPr>
+        <p:spPr>
+          <a:xfrm>
+            <a:off x="6476647" y="1138771"/>
+            <a:ext cx="354227" cy="354227"/>
+          </a:xfrm>
+          <a:prstGeom prst="ellipse">
+            <a:avLst/>
+          </a:prstGeom>
+        </p:spPr>
+        <p:style>
+          <a:lnRef idx="2">
+            <a:schemeClr val="accent1">
+              <a:shade val="50000"/>
+            </a:schemeClr>
+          </a:lnRef>
+          <a:fillRef idx="1">
+            <a:schemeClr val="accent1"/>
+          </a:fillRef>
+          <a:effectRef idx="0">
+            <a:schemeClr val="accent1"/>
+          </a:effectRef>
+          <a:fontRef idx="minor">
+            <a:schemeClr val="lt1"/>
+          </a:fontRef>
+        </p:style>
+        <p:txBody>
+          <a:bodyPr rtlCol="0" anchor="ctr"/>
+          <a:lstStyle/>
+          <a:p>
+            <a:pPr algn="ctr"/>
+            <a:endParaRPr kumimoji="1" lang="ja-JP" altLang="en-US"/>
+          </a:p>
+        </p:txBody>
+      </p:sp>
+      <p:sp>
+        <p:nvSpPr>
+          <p:cNvPr id="16" name="円/楕円 15"/>
+          <p:cNvSpPr/>
+          <p:nvPr/>
+        </p:nvSpPr>
+        <p:spPr>
+          <a:xfrm>
+            <a:off x="4705864" y="2059459"/>
+            <a:ext cx="354227" cy="354227"/>
+          </a:xfrm>
+          <a:prstGeom prst="ellipse">
+            <a:avLst/>
+          </a:prstGeom>
+        </p:spPr>
+        <p:style>
+          <a:lnRef idx="2">
+            <a:schemeClr val="accent1">
+              <a:shade val="50000"/>
+            </a:schemeClr>
+          </a:lnRef>
+          <a:fillRef idx="1">
+            <a:schemeClr val="accent1"/>
+          </a:fillRef>
+          <a:effectRef idx="0">
+            <a:schemeClr val="accent1"/>
+          </a:effectRef>
+          <a:fontRef idx="minor">
+            <a:schemeClr val="lt1"/>
+          </a:fontRef>
+        </p:style>
+        <p:txBody>
+          <a:bodyPr rtlCol="0" anchor="ctr"/>
+          <a:lstStyle/>
+          <a:p>
+            <a:pPr algn="ctr"/>
+            <a:endParaRPr kumimoji="1" lang="ja-JP" altLang="en-US"/>
+          </a:p>
+        </p:txBody>
+      </p:sp>
+      <p:sp>
+        <p:nvSpPr>
+          <p:cNvPr id="17" name="テキスト ボックス 16"/>
+          <p:cNvSpPr txBox="1"/>
+          <p:nvPr/>
+        </p:nvSpPr>
+        <p:spPr>
+          <a:xfrm>
+            <a:off x="1722378" y="2814401"/>
+            <a:ext cx="1499128" cy="646331"/>
           </a:xfrm>
           <a:prstGeom prst="rect">
             <a:avLst/>
           </a:prstGeom>
           <a:noFill/>
-          <a:ln>
-            <a:noFill/>
+        </p:spPr>
+        <p:txBody>
+          <a:bodyPr wrap="none" rtlCol="0">
+            <a:spAutoFit/>
+          </a:bodyPr>
+          <a:lstStyle/>
+          <a:p>
+            <a:pPr algn="ctr"/>
+            <a:r>
+              <a:rPr lang="en-US" altLang="ja-JP" dirty="0" smtClean="0">
+                <a:latin typeface="Times New Roman" panose="02020603050405020304" pitchFamily="18" charset="0"/>
+                <a:cs typeface="Times New Roman" panose="02020603050405020304" pitchFamily="18" charset="0"/>
+              </a:rPr>
+              <a:t>Fixed station</a:t>
+            </a:r>
+            <a:r>
+              <a:rPr lang="en-US" altLang="ja-JP" dirty="0" smtClean="0">
+                <a:latin typeface="Times New Roman" panose="02020603050405020304" pitchFamily="18" charset="0"/>
+                <a:cs typeface="Times New Roman" panose="02020603050405020304" pitchFamily="18" charset="0"/>
+              </a:rPr>
+              <a:t>1</a:t>
+            </a:r>
+            <a:endParaRPr lang="en-US" altLang="ja-JP" dirty="0">
+              <a:latin typeface="Times New Roman" panose="02020603050405020304" pitchFamily="18" charset="0"/>
+              <a:cs typeface="Times New Roman" panose="02020603050405020304" pitchFamily="18" charset="0"/>
+            </a:endParaRPr>
+          </a:p>
+          <a:p>
+            <a:pPr algn="ctr"/>
+            <a:r>
+              <a:rPr lang="en-US" altLang="ja-JP" dirty="0">
+                <a:latin typeface="Times New Roman" panose="02020603050405020304" pitchFamily="18" charset="0"/>
+                <a:cs typeface="Times New Roman" panose="02020603050405020304" pitchFamily="18" charset="0"/>
+              </a:rPr>
+              <a:t>(</a:t>
+            </a:r>
+            <a:r>
+              <a:rPr lang="en-US" altLang="ja-JP" i="1" dirty="0">
+                <a:latin typeface="Times New Roman" panose="02020603050405020304" pitchFamily="18" charset="0"/>
+                <a:cs typeface="Times New Roman" panose="02020603050405020304" pitchFamily="18" charset="0"/>
+              </a:rPr>
+              <a:t>x</a:t>
+            </a:r>
+            <a:r>
+              <a:rPr lang="en-US" altLang="ja-JP" baseline="-25000" dirty="0">
+                <a:latin typeface="Times New Roman" panose="02020603050405020304" pitchFamily="18" charset="0"/>
+                <a:cs typeface="Times New Roman" panose="02020603050405020304" pitchFamily="18" charset="0"/>
+              </a:rPr>
+              <a:t>1</a:t>
+            </a:r>
+            <a:r>
+              <a:rPr lang="en-US" altLang="ja-JP" dirty="0">
+                <a:latin typeface="Times New Roman" panose="02020603050405020304" pitchFamily="18" charset="0"/>
+                <a:cs typeface="Times New Roman" panose="02020603050405020304" pitchFamily="18" charset="0"/>
+              </a:rPr>
+              <a:t>, </a:t>
+            </a:r>
+            <a:r>
+              <a:rPr lang="en-US" altLang="ja-JP" i="1" dirty="0">
+                <a:latin typeface="Times New Roman" panose="02020603050405020304" pitchFamily="18" charset="0"/>
+                <a:cs typeface="Times New Roman" panose="02020603050405020304" pitchFamily="18" charset="0"/>
+              </a:rPr>
+              <a:t>y</a:t>
+            </a:r>
+            <a:r>
+              <a:rPr lang="en-US" altLang="ja-JP" baseline="-25000" dirty="0">
+                <a:latin typeface="Times New Roman" panose="02020603050405020304" pitchFamily="18" charset="0"/>
+                <a:cs typeface="Times New Roman" panose="02020603050405020304" pitchFamily="18" charset="0"/>
+              </a:rPr>
+              <a:t>1</a:t>
+            </a:r>
+            <a:r>
+              <a:rPr lang="en-US" altLang="ja-JP" dirty="0">
+                <a:latin typeface="Times New Roman" panose="02020603050405020304" pitchFamily="18" charset="0"/>
+                <a:cs typeface="Times New Roman" panose="02020603050405020304" pitchFamily="18" charset="0"/>
+              </a:rPr>
+              <a:t>, </a:t>
+            </a:r>
+            <a:r>
+              <a:rPr lang="en-US" altLang="ja-JP" i="1" dirty="0">
+                <a:latin typeface="Times New Roman" panose="02020603050405020304" pitchFamily="18" charset="0"/>
+                <a:cs typeface="Times New Roman" panose="02020603050405020304" pitchFamily="18" charset="0"/>
+              </a:rPr>
+              <a:t>z</a:t>
+            </a:r>
+            <a:r>
+              <a:rPr lang="en-US" altLang="ja-JP" baseline="-25000" dirty="0">
+                <a:latin typeface="Times New Roman" panose="02020603050405020304" pitchFamily="18" charset="0"/>
+                <a:cs typeface="Times New Roman" panose="02020603050405020304" pitchFamily="18" charset="0"/>
+              </a:rPr>
+              <a:t>1</a:t>
+            </a:r>
+            <a:r>
+              <a:rPr lang="en-US" altLang="ja-JP" dirty="0">
+                <a:latin typeface="Times New Roman" panose="02020603050405020304" pitchFamily="18" charset="0"/>
+                <a:cs typeface="Times New Roman" panose="02020603050405020304" pitchFamily="18" charset="0"/>
+              </a:rPr>
+              <a:t>) </a:t>
+            </a:r>
+            <a:endParaRPr lang="ja-JP" altLang="en-US" dirty="0">
+              <a:latin typeface="Times New Roman" panose="02020603050405020304" pitchFamily="18" charset="0"/>
+              <a:cs typeface="Times New Roman" panose="02020603050405020304" pitchFamily="18" charset="0"/>
+            </a:endParaRPr>
+          </a:p>
+        </p:txBody>
+      </p:sp>
+      <p:sp>
+        <p:nvSpPr>
+          <p:cNvPr id="21" name="テキスト ボックス 20"/>
+          <p:cNvSpPr txBox="1"/>
+          <p:nvPr/>
+        </p:nvSpPr>
+        <p:spPr>
+          <a:xfrm>
+            <a:off x="1383258" y="728647"/>
+            <a:ext cx="1499128" cy="646331"/>
+          </a:xfrm>
+          <a:prstGeom prst="rect">
+            <a:avLst/>
+          </a:prstGeom>
+          <a:noFill/>
+        </p:spPr>
+        <p:txBody>
+          <a:bodyPr wrap="none" rtlCol="0">
+            <a:spAutoFit/>
+          </a:bodyPr>
+          <a:lstStyle/>
+          <a:p>
+            <a:pPr algn="ctr"/>
+            <a:r>
+              <a:rPr lang="en-US" altLang="ja-JP" dirty="0" smtClean="0">
+                <a:latin typeface="Times New Roman" panose="02020603050405020304" pitchFamily="18" charset="0"/>
+                <a:cs typeface="Times New Roman" panose="02020603050405020304" pitchFamily="18" charset="0"/>
+              </a:rPr>
+              <a:t>Fixed station</a:t>
+            </a:r>
+            <a:r>
+              <a:rPr lang="en-US" altLang="ja-JP" dirty="0" smtClean="0">
+                <a:latin typeface="Times New Roman" panose="02020603050405020304" pitchFamily="18" charset="0"/>
+                <a:cs typeface="Times New Roman" panose="02020603050405020304" pitchFamily="18" charset="0"/>
+              </a:rPr>
+              <a:t>2</a:t>
+            </a:r>
+            <a:endParaRPr lang="en-US" altLang="ja-JP" dirty="0">
+              <a:latin typeface="Times New Roman" panose="02020603050405020304" pitchFamily="18" charset="0"/>
+              <a:cs typeface="Times New Roman" panose="02020603050405020304" pitchFamily="18" charset="0"/>
+            </a:endParaRPr>
+          </a:p>
+          <a:p>
+            <a:pPr algn="ctr"/>
+            <a:r>
+              <a:rPr lang="en-US" altLang="ja-JP" dirty="0">
+                <a:latin typeface="Times New Roman" panose="02020603050405020304" pitchFamily="18" charset="0"/>
+                <a:cs typeface="Times New Roman" panose="02020603050405020304" pitchFamily="18" charset="0"/>
+              </a:rPr>
+              <a:t>(</a:t>
+            </a:r>
+            <a:r>
+              <a:rPr lang="en-US" altLang="ja-JP" i="1" dirty="0" smtClean="0">
+                <a:latin typeface="Times New Roman" panose="02020603050405020304" pitchFamily="18" charset="0"/>
+                <a:cs typeface="Times New Roman" panose="02020603050405020304" pitchFamily="18" charset="0"/>
+              </a:rPr>
+              <a:t>x</a:t>
+            </a:r>
+            <a:r>
+              <a:rPr lang="en-US" altLang="ja-JP" baseline="-25000" dirty="0" smtClean="0">
+                <a:latin typeface="Times New Roman" panose="02020603050405020304" pitchFamily="18" charset="0"/>
+                <a:cs typeface="Times New Roman" panose="02020603050405020304" pitchFamily="18" charset="0"/>
+              </a:rPr>
+              <a:t>2</a:t>
+            </a:r>
+            <a:r>
+              <a:rPr lang="en-US" altLang="ja-JP" dirty="0" smtClean="0">
+                <a:latin typeface="Times New Roman" panose="02020603050405020304" pitchFamily="18" charset="0"/>
+                <a:cs typeface="Times New Roman" panose="02020603050405020304" pitchFamily="18" charset="0"/>
+              </a:rPr>
+              <a:t>, </a:t>
+            </a:r>
+            <a:r>
+              <a:rPr lang="en-US" altLang="ja-JP" i="1" dirty="0" smtClean="0">
+                <a:latin typeface="Times New Roman" panose="02020603050405020304" pitchFamily="18" charset="0"/>
+                <a:cs typeface="Times New Roman" panose="02020603050405020304" pitchFamily="18" charset="0"/>
+              </a:rPr>
+              <a:t>y</a:t>
+            </a:r>
+            <a:r>
+              <a:rPr lang="en-US" altLang="ja-JP" baseline="-25000" dirty="0" smtClean="0">
+                <a:latin typeface="Times New Roman" panose="02020603050405020304" pitchFamily="18" charset="0"/>
+                <a:cs typeface="Times New Roman" panose="02020603050405020304" pitchFamily="18" charset="0"/>
+              </a:rPr>
+              <a:t>2</a:t>
+            </a:r>
+            <a:r>
+              <a:rPr lang="en-US" altLang="ja-JP" dirty="0" smtClean="0">
+                <a:latin typeface="Times New Roman" panose="02020603050405020304" pitchFamily="18" charset="0"/>
+                <a:cs typeface="Times New Roman" panose="02020603050405020304" pitchFamily="18" charset="0"/>
+              </a:rPr>
+              <a:t>, </a:t>
+            </a:r>
+            <a:r>
+              <a:rPr lang="en-US" altLang="ja-JP" i="1" dirty="0" smtClean="0">
+                <a:latin typeface="Times New Roman" panose="02020603050405020304" pitchFamily="18" charset="0"/>
+                <a:cs typeface="Times New Roman" panose="02020603050405020304" pitchFamily="18" charset="0"/>
+              </a:rPr>
+              <a:t>z</a:t>
+            </a:r>
+            <a:r>
+              <a:rPr lang="en-US" altLang="ja-JP" baseline="-25000" dirty="0" smtClean="0">
+                <a:latin typeface="Times New Roman" panose="02020603050405020304" pitchFamily="18" charset="0"/>
+                <a:cs typeface="Times New Roman" panose="02020603050405020304" pitchFamily="18" charset="0"/>
+              </a:rPr>
+              <a:t>2</a:t>
+            </a:r>
+            <a:r>
+              <a:rPr lang="en-US" altLang="ja-JP" dirty="0" smtClean="0">
+                <a:latin typeface="Times New Roman" panose="02020603050405020304" pitchFamily="18" charset="0"/>
+                <a:cs typeface="Times New Roman" panose="02020603050405020304" pitchFamily="18" charset="0"/>
+              </a:rPr>
+              <a:t>) </a:t>
+            </a:r>
+            <a:endParaRPr lang="ja-JP" altLang="en-US" dirty="0">
+              <a:latin typeface="Times New Roman" panose="02020603050405020304" pitchFamily="18" charset="0"/>
+              <a:cs typeface="Times New Roman" panose="02020603050405020304" pitchFamily="18" charset="0"/>
+            </a:endParaRPr>
+          </a:p>
+        </p:txBody>
+      </p:sp>
+      <p:sp>
+        <p:nvSpPr>
+          <p:cNvPr id="22" name="テキスト ボックス 21"/>
+          <p:cNvSpPr txBox="1"/>
+          <p:nvPr/>
+        </p:nvSpPr>
+        <p:spPr>
+          <a:xfrm>
+            <a:off x="6830874" y="846667"/>
+            <a:ext cx="1499128" cy="646331"/>
+          </a:xfrm>
+          <a:prstGeom prst="rect">
+            <a:avLst/>
+          </a:prstGeom>
+          <a:noFill/>
+        </p:spPr>
+        <p:txBody>
+          <a:bodyPr wrap="none" rtlCol="0">
+            <a:spAutoFit/>
+          </a:bodyPr>
+          <a:lstStyle/>
+          <a:p>
+            <a:pPr algn="ctr"/>
+            <a:r>
+              <a:rPr lang="en-US" altLang="ja-JP" dirty="0" smtClean="0">
+                <a:latin typeface="Times New Roman" panose="02020603050405020304" pitchFamily="18" charset="0"/>
+                <a:cs typeface="Times New Roman" panose="02020603050405020304" pitchFamily="18" charset="0"/>
+              </a:rPr>
+              <a:t>Fixed station</a:t>
+            </a:r>
+            <a:r>
+              <a:rPr lang="en-US" altLang="ja-JP" dirty="0" smtClean="0">
+                <a:latin typeface="Times New Roman" panose="02020603050405020304" pitchFamily="18" charset="0"/>
+                <a:cs typeface="Times New Roman" panose="02020603050405020304" pitchFamily="18" charset="0"/>
+              </a:rPr>
+              <a:t>3</a:t>
+            </a:r>
+            <a:endParaRPr lang="en-US" altLang="ja-JP" dirty="0">
+              <a:latin typeface="Times New Roman" panose="02020603050405020304" pitchFamily="18" charset="0"/>
+              <a:cs typeface="Times New Roman" panose="02020603050405020304" pitchFamily="18" charset="0"/>
+            </a:endParaRPr>
+          </a:p>
+          <a:p>
+            <a:pPr algn="ctr"/>
+            <a:r>
+              <a:rPr lang="en-US" altLang="ja-JP" dirty="0">
+                <a:latin typeface="Times New Roman" panose="02020603050405020304" pitchFamily="18" charset="0"/>
+                <a:cs typeface="Times New Roman" panose="02020603050405020304" pitchFamily="18" charset="0"/>
+              </a:rPr>
+              <a:t>(</a:t>
+            </a:r>
+            <a:r>
+              <a:rPr lang="en-US" altLang="ja-JP" i="1" dirty="0" smtClean="0">
+                <a:latin typeface="Times New Roman" panose="02020603050405020304" pitchFamily="18" charset="0"/>
+                <a:cs typeface="Times New Roman" panose="02020603050405020304" pitchFamily="18" charset="0"/>
+              </a:rPr>
+              <a:t>x</a:t>
+            </a:r>
+            <a:r>
+              <a:rPr lang="en-US" altLang="ja-JP" baseline="-25000" dirty="0">
+                <a:latin typeface="Times New Roman" panose="02020603050405020304" pitchFamily="18" charset="0"/>
+                <a:cs typeface="Times New Roman" panose="02020603050405020304" pitchFamily="18" charset="0"/>
+              </a:rPr>
+              <a:t>3</a:t>
+            </a:r>
+            <a:r>
+              <a:rPr lang="en-US" altLang="ja-JP" dirty="0" smtClean="0">
+                <a:latin typeface="Times New Roman" panose="02020603050405020304" pitchFamily="18" charset="0"/>
+                <a:cs typeface="Times New Roman" panose="02020603050405020304" pitchFamily="18" charset="0"/>
+              </a:rPr>
+              <a:t>, </a:t>
+            </a:r>
+            <a:r>
+              <a:rPr lang="en-US" altLang="ja-JP" i="1" dirty="0" smtClean="0">
+                <a:latin typeface="Times New Roman" panose="02020603050405020304" pitchFamily="18" charset="0"/>
+                <a:cs typeface="Times New Roman" panose="02020603050405020304" pitchFamily="18" charset="0"/>
+              </a:rPr>
+              <a:t>y</a:t>
+            </a:r>
+            <a:r>
+              <a:rPr lang="en-US" altLang="ja-JP" baseline="-25000" dirty="0">
+                <a:latin typeface="Times New Roman" panose="02020603050405020304" pitchFamily="18" charset="0"/>
+                <a:cs typeface="Times New Roman" panose="02020603050405020304" pitchFamily="18" charset="0"/>
+              </a:rPr>
+              <a:t>3</a:t>
+            </a:r>
+            <a:r>
+              <a:rPr lang="en-US" altLang="ja-JP" dirty="0" smtClean="0">
+                <a:latin typeface="Times New Roman" panose="02020603050405020304" pitchFamily="18" charset="0"/>
+                <a:cs typeface="Times New Roman" panose="02020603050405020304" pitchFamily="18" charset="0"/>
+              </a:rPr>
+              <a:t>, </a:t>
+            </a:r>
+            <a:r>
+              <a:rPr lang="en-US" altLang="ja-JP" i="1" dirty="0" smtClean="0">
+                <a:latin typeface="Times New Roman" panose="02020603050405020304" pitchFamily="18" charset="0"/>
+                <a:cs typeface="Times New Roman" panose="02020603050405020304" pitchFamily="18" charset="0"/>
+              </a:rPr>
+              <a:t>z</a:t>
+            </a:r>
+            <a:r>
+              <a:rPr lang="en-US" altLang="ja-JP" baseline="-25000" dirty="0">
+                <a:latin typeface="Times New Roman" panose="02020603050405020304" pitchFamily="18" charset="0"/>
+                <a:cs typeface="Times New Roman" panose="02020603050405020304" pitchFamily="18" charset="0"/>
+              </a:rPr>
+              <a:t>3</a:t>
+            </a:r>
+            <a:r>
+              <a:rPr lang="en-US" altLang="ja-JP" dirty="0" smtClean="0">
+                <a:latin typeface="Times New Roman" panose="02020603050405020304" pitchFamily="18" charset="0"/>
+                <a:cs typeface="Times New Roman" panose="02020603050405020304" pitchFamily="18" charset="0"/>
+              </a:rPr>
+              <a:t>) </a:t>
+            </a:r>
+            <a:endParaRPr lang="ja-JP" altLang="en-US" dirty="0">
+              <a:latin typeface="Times New Roman" panose="02020603050405020304" pitchFamily="18" charset="0"/>
+              <a:cs typeface="Times New Roman" panose="02020603050405020304" pitchFamily="18" charset="0"/>
+            </a:endParaRPr>
+          </a:p>
+        </p:txBody>
+      </p:sp>
+      <p:sp>
+        <p:nvSpPr>
+          <p:cNvPr id="23" name="テキスト ボックス 22"/>
+          <p:cNvSpPr txBox="1"/>
+          <p:nvPr/>
+        </p:nvSpPr>
+        <p:spPr>
+          <a:xfrm>
+            <a:off x="6801748" y="3144754"/>
+            <a:ext cx="1499128" cy="646331"/>
+          </a:xfrm>
+          <a:prstGeom prst="rect">
+            <a:avLst/>
+          </a:prstGeom>
+          <a:noFill/>
+        </p:spPr>
+        <p:txBody>
+          <a:bodyPr wrap="none" rtlCol="0">
+            <a:spAutoFit/>
+          </a:bodyPr>
+          <a:lstStyle/>
+          <a:p>
+            <a:pPr algn="ctr"/>
+            <a:r>
+              <a:rPr lang="en-US" altLang="ja-JP" dirty="0" smtClean="0">
+                <a:latin typeface="Times New Roman" panose="02020603050405020304" pitchFamily="18" charset="0"/>
+                <a:cs typeface="Times New Roman" panose="02020603050405020304" pitchFamily="18" charset="0"/>
+              </a:rPr>
+              <a:t>Fixed station</a:t>
+            </a:r>
+            <a:r>
+              <a:rPr lang="en-US" altLang="ja-JP" dirty="0" smtClean="0">
+                <a:latin typeface="Times New Roman" panose="02020603050405020304" pitchFamily="18" charset="0"/>
+                <a:cs typeface="Times New Roman" panose="02020603050405020304" pitchFamily="18" charset="0"/>
+              </a:rPr>
+              <a:t>4</a:t>
+            </a:r>
+            <a:endParaRPr lang="en-US" altLang="ja-JP" dirty="0">
+              <a:latin typeface="Times New Roman" panose="02020603050405020304" pitchFamily="18" charset="0"/>
+              <a:cs typeface="Times New Roman" panose="02020603050405020304" pitchFamily="18" charset="0"/>
+            </a:endParaRPr>
+          </a:p>
+          <a:p>
+            <a:pPr algn="ctr"/>
+            <a:r>
+              <a:rPr lang="en-US" altLang="ja-JP" dirty="0">
+                <a:latin typeface="Times New Roman" panose="02020603050405020304" pitchFamily="18" charset="0"/>
+                <a:cs typeface="Times New Roman" panose="02020603050405020304" pitchFamily="18" charset="0"/>
+              </a:rPr>
+              <a:t>(</a:t>
+            </a:r>
+            <a:r>
+              <a:rPr lang="en-US" altLang="ja-JP" i="1" dirty="0" smtClean="0">
+                <a:latin typeface="Times New Roman" panose="02020603050405020304" pitchFamily="18" charset="0"/>
+                <a:cs typeface="Times New Roman" panose="02020603050405020304" pitchFamily="18" charset="0"/>
+              </a:rPr>
+              <a:t>x</a:t>
+            </a:r>
+            <a:r>
+              <a:rPr lang="en-US" altLang="ja-JP" baseline="-25000" dirty="0">
+                <a:latin typeface="Times New Roman" panose="02020603050405020304" pitchFamily="18" charset="0"/>
+                <a:cs typeface="Times New Roman" panose="02020603050405020304" pitchFamily="18" charset="0"/>
+              </a:rPr>
+              <a:t>4</a:t>
+            </a:r>
+            <a:r>
+              <a:rPr lang="en-US" altLang="ja-JP" dirty="0" smtClean="0">
+                <a:latin typeface="Times New Roman" panose="02020603050405020304" pitchFamily="18" charset="0"/>
+                <a:cs typeface="Times New Roman" panose="02020603050405020304" pitchFamily="18" charset="0"/>
+              </a:rPr>
+              <a:t>, </a:t>
+            </a:r>
+            <a:r>
+              <a:rPr lang="en-US" altLang="ja-JP" i="1" dirty="0" smtClean="0">
+                <a:latin typeface="Times New Roman" panose="02020603050405020304" pitchFamily="18" charset="0"/>
+                <a:cs typeface="Times New Roman" panose="02020603050405020304" pitchFamily="18" charset="0"/>
+              </a:rPr>
+              <a:t>y</a:t>
+            </a:r>
+            <a:r>
+              <a:rPr lang="en-US" altLang="ja-JP" baseline="-25000" dirty="0">
+                <a:latin typeface="Times New Roman" panose="02020603050405020304" pitchFamily="18" charset="0"/>
+                <a:cs typeface="Times New Roman" panose="02020603050405020304" pitchFamily="18" charset="0"/>
+              </a:rPr>
+              <a:t>4</a:t>
+            </a:r>
+            <a:r>
+              <a:rPr lang="en-US" altLang="ja-JP" dirty="0" smtClean="0">
+                <a:latin typeface="Times New Roman" panose="02020603050405020304" pitchFamily="18" charset="0"/>
+                <a:cs typeface="Times New Roman" panose="02020603050405020304" pitchFamily="18" charset="0"/>
+              </a:rPr>
+              <a:t>, </a:t>
+            </a:r>
+            <a:r>
+              <a:rPr lang="en-US" altLang="ja-JP" i="1" dirty="0" smtClean="0">
+                <a:latin typeface="Times New Roman" panose="02020603050405020304" pitchFamily="18" charset="0"/>
+                <a:cs typeface="Times New Roman" panose="02020603050405020304" pitchFamily="18" charset="0"/>
+              </a:rPr>
+              <a:t>z</a:t>
+            </a:r>
+            <a:r>
+              <a:rPr lang="en-US" altLang="ja-JP" baseline="-25000" dirty="0">
+                <a:latin typeface="Times New Roman" panose="02020603050405020304" pitchFamily="18" charset="0"/>
+                <a:cs typeface="Times New Roman" panose="02020603050405020304" pitchFamily="18" charset="0"/>
+              </a:rPr>
+              <a:t>4</a:t>
+            </a:r>
+            <a:r>
+              <a:rPr lang="en-US" altLang="ja-JP" dirty="0" smtClean="0">
+                <a:latin typeface="Times New Roman" panose="02020603050405020304" pitchFamily="18" charset="0"/>
+                <a:cs typeface="Times New Roman" panose="02020603050405020304" pitchFamily="18" charset="0"/>
+              </a:rPr>
+              <a:t>) </a:t>
+            </a:r>
+            <a:endParaRPr lang="ja-JP" altLang="en-US" dirty="0">
+              <a:latin typeface="Times New Roman" panose="02020603050405020304" pitchFamily="18" charset="0"/>
+              <a:cs typeface="Times New Roman" panose="02020603050405020304" pitchFamily="18" charset="0"/>
+            </a:endParaRPr>
+          </a:p>
+        </p:txBody>
+      </p:sp>
+      <mc:AlternateContent xmlns:mc="http://schemas.openxmlformats.org/markup-compatibility/2006">
+        <mc:Choice xmlns:a14="http://schemas.microsoft.com/office/drawing/2010/main" Requires="a14">
+          <p:sp>
+            <p:nvSpPr>
+              <p:cNvPr id="24" name="テキスト ボックス 23"/>
+              <p:cNvSpPr txBox="1"/>
+              <p:nvPr/>
+            </p:nvSpPr>
+            <p:spPr>
+              <a:xfrm>
+                <a:off x="4155027" y="1275976"/>
+                <a:ext cx="1524776" cy="646331"/>
+              </a:xfrm>
+              <a:prstGeom prst="rect">
+                <a:avLst/>
+              </a:prstGeom>
+              <a:noFill/>
+            </p:spPr>
+            <p:txBody>
+              <a:bodyPr wrap="none" rtlCol="0">
+                <a:spAutoFit/>
+              </a:bodyPr>
+              <a:lstStyle/>
+              <a:p>
+                <a:pPr algn="ctr"/>
+                <a:r>
+                  <a:rPr lang="en-US" altLang="ja-JP" dirty="0" smtClean="0">
+                    <a:latin typeface="Times New Roman" panose="02020603050405020304" pitchFamily="18" charset="0"/>
+                    <a:cs typeface="Times New Roman" panose="02020603050405020304" pitchFamily="18" charset="0"/>
+                  </a:rPr>
+                  <a:t>Mobile station</a:t>
+                </a:r>
+                <a:endParaRPr lang="en-US" altLang="ja-JP" dirty="0">
+                  <a:latin typeface="Times New Roman" panose="02020603050405020304" pitchFamily="18" charset="0"/>
+                  <a:cs typeface="Times New Roman" panose="02020603050405020304" pitchFamily="18" charset="0"/>
+                </a:endParaRPr>
+              </a:p>
+              <a:p>
+                <a:pPr algn="ctr"/>
+                <a:r>
+                  <a:rPr lang="en-US" altLang="ja-JP" dirty="0" smtClean="0">
+                    <a:latin typeface="Times New Roman" panose="02020603050405020304" pitchFamily="18" charset="0"/>
+                    <a:cs typeface="Times New Roman" panose="02020603050405020304" pitchFamily="18" charset="0"/>
+                  </a:rPr>
+                  <a:t>(</a:t>
+                </a:r>
+                <a14:m>
+                  <m:oMath xmlns:m="http://schemas.openxmlformats.org/officeDocument/2006/math">
+                    <m:acc>
+                      <m:accPr>
+                        <m:chr m:val="̂"/>
+                        <m:ctrlPr>
+                          <a:rPr lang="en-US" altLang="ja-JP" i="1" smtClean="0">
+                            <a:latin typeface="Cambria Math" panose="02040503050406030204" pitchFamily="18" charset="0"/>
+                            <a:cs typeface="Times New Roman" panose="02020603050405020304" pitchFamily="18" charset="0"/>
+                          </a:rPr>
+                        </m:ctrlPr>
+                      </m:accPr>
+                      <m:e>
+                        <m:r>
+                          <a:rPr lang="en-US" altLang="ja-JP" b="0" i="1" smtClean="0">
+                            <a:latin typeface="Cambria Math" panose="02040503050406030204" pitchFamily="18" charset="0"/>
+                            <a:cs typeface="Times New Roman" panose="02020603050405020304" pitchFamily="18" charset="0"/>
+                          </a:rPr>
+                          <m:t>𝑥</m:t>
+                        </m:r>
+                      </m:e>
+                    </m:acc>
+                  </m:oMath>
+                </a14:m>
+                <a:r>
+                  <a:rPr lang="en-US" altLang="ja-JP" dirty="0" smtClean="0">
+                    <a:latin typeface="Times New Roman" panose="02020603050405020304" pitchFamily="18" charset="0"/>
+                    <a:cs typeface="Times New Roman" panose="02020603050405020304" pitchFamily="18" charset="0"/>
+                  </a:rPr>
+                  <a:t>, </a:t>
+                </a:r>
+                <a14:m>
+                  <m:oMath xmlns:m="http://schemas.openxmlformats.org/officeDocument/2006/math">
+                    <m:acc>
+                      <m:accPr>
+                        <m:chr m:val="̂"/>
+                        <m:ctrlPr>
+                          <a:rPr lang="en-US" altLang="ja-JP" i="1" smtClean="0">
+                            <a:latin typeface="Cambria Math" panose="02040503050406030204" pitchFamily="18" charset="0"/>
+                            <a:cs typeface="Times New Roman" panose="02020603050405020304" pitchFamily="18" charset="0"/>
+                          </a:rPr>
+                        </m:ctrlPr>
+                      </m:accPr>
+                      <m:e>
+                        <m:r>
+                          <a:rPr lang="en-US" altLang="ja-JP" b="0" i="1" smtClean="0">
+                            <a:latin typeface="Cambria Math" panose="02040503050406030204" pitchFamily="18" charset="0"/>
+                            <a:cs typeface="Times New Roman" panose="02020603050405020304" pitchFamily="18" charset="0"/>
+                          </a:rPr>
+                          <m:t>𝑦</m:t>
+                        </m:r>
+                      </m:e>
+                    </m:acc>
+                  </m:oMath>
+                </a14:m>
+                <a:r>
+                  <a:rPr lang="en-US" altLang="ja-JP" dirty="0" smtClean="0">
+                    <a:latin typeface="Times New Roman" panose="02020603050405020304" pitchFamily="18" charset="0"/>
+                    <a:cs typeface="Times New Roman" panose="02020603050405020304" pitchFamily="18" charset="0"/>
+                  </a:rPr>
+                  <a:t>, </a:t>
+                </a:r>
+                <a14:m>
+                  <m:oMath xmlns:m="http://schemas.openxmlformats.org/officeDocument/2006/math">
+                    <m:acc>
+                      <m:accPr>
+                        <m:chr m:val="̂"/>
+                        <m:ctrlPr>
+                          <a:rPr lang="en-US" altLang="ja-JP" i="1" smtClean="0">
+                            <a:latin typeface="Cambria Math" panose="02040503050406030204" pitchFamily="18" charset="0"/>
+                            <a:cs typeface="Times New Roman" panose="02020603050405020304" pitchFamily="18" charset="0"/>
+                          </a:rPr>
+                        </m:ctrlPr>
+                      </m:accPr>
+                      <m:e>
+                        <m:r>
+                          <a:rPr lang="en-US" altLang="ja-JP" b="0" i="1" smtClean="0">
+                            <a:latin typeface="Cambria Math" panose="02040503050406030204" pitchFamily="18" charset="0"/>
+                            <a:cs typeface="Times New Roman" panose="02020603050405020304" pitchFamily="18" charset="0"/>
+                          </a:rPr>
+                          <m:t>𝑧</m:t>
+                        </m:r>
+                      </m:e>
+                    </m:acc>
+                  </m:oMath>
+                </a14:m>
+                <a:r>
+                  <a:rPr lang="en-US" altLang="ja-JP" dirty="0" smtClean="0">
+                    <a:latin typeface="Times New Roman" panose="02020603050405020304" pitchFamily="18" charset="0"/>
+                    <a:cs typeface="Times New Roman" panose="02020603050405020304" pitchFamily="18" charset="0"/>
+                  </a:rPr>
+                  <a:t>) </a:t>
+                </a:r>
+                <a:endParaRPr lang="ja-JP" altLang="en-US" dirty="0">
+                  <a:latin typeface="Times New Roman" panose="02020603050405020304" pitchFamily="18" charset="0"/>
+                  <a:cs typeface="Times New Roman" panose="02020603050405020304" pitchFamily="18" charset="0"/>
+                </a:endParaRPr>
+              </a:p>
+            </p:txBody>
+          </p:sp>
+        </mc:Choice>
+        <mc:Fallback>
+          <p:sp>
+            <p:nvSpPr>
+              <p:cNvPr id="24" name="テキスト ボックス 23"/>
+              <p:cNvSpPr txBox="1">
+                <a:spLocks noRot="1" noChangeAspect="1" noMove="1" noResize="1" noEditPoints="1" noAdjustHandles="1" noChangeArrowheads="1" noChangeShapeType="1" noTextEdit="1"/>
+              </p:cNvSpPr>
+              <p:nvPr/>
+            </p:nvSpPr>
+            <p:spPr>
+              <a:xfrm>
+                <a:off x="4155027" y="1275976"/>
+                <a:ext cx="1524776" cy="646331"/>
+              </a:xfrm>
+              <a:prstGeom prst="rect">
+                <a:avLst/>
+              </a:prstGeom>
+              <a:blipFill rotWithShape="0">
+                <a:blip r:embed="rId2"/>
+                <a:stretch>
+                  <a:fillRect l="-3600" t="-4717" r="-3200" b="-14151"/>
+                </a:stretch>
+              </a:blipFill>
+            </p:spPr>
+            <p:txBody>
+              <a:bodyPr/>
+              <a:lstStyle/>
+              <a:p>
+                <a:r>
+                  <a:rPr lang="ja-JP" altLang="en-US">
+                    <a:noFill/>
+                  </a:rPr>
+                  <a:t> </a:t>
+                </a:r>
+              </a:p>
+            </p:txBody>
+          </p:sp>
+        </mc:Fallback>
+      </mc:AlternateContent>
+      <p:cxnSp>
+        <p:nvCxnSpPr>
+          <p:cNvPr id="26" name="直線矢印コネクタ 25"/>
+          <p:cNvCxnSpPr/>
+          <p:nvPr/>
+        </p:nvCxnSpPr>
+        <p:spPr>
+          <a:xfrm>
+            <a:off x="3267103" y="1257982"/>
+            <a:ext cx="1438761" cy="801477"/>
+          </a:xfrm>
+          <a:prstGeom prst="straightConnector1">
+            <a:avLst/>
+          </a:prstGeom>
+          <a:ln w="19050">
+            <a:solidFill>
+              <a:srgbClr val="FF0000"/>
+            </a:solidFill>
+            <a:headEnd type="triangle"/>
+            <a:tailEnd type="triangle"/>
           </a:ln>
-          <a:effectLst/>
-          <a:extLst>
-            <a:ext uri="{909E8E84-426E-40DD-AFC4-6F175D3DCCD1}">
-              <a14:hiddenFill xmlns:a14="http://schemas.microsoft.com/office/drawing/2010/main">
-                <a:solidFill>
-                  <a:schemeClr val="accent1"/>
-                </a:solidFill>
-              </a14:hiddenFill>
-            </a:ext>
-            <a:ext uri="{91240B29-F687-4F45-9708-019B960494DF}">
-              <a14:hiddenLine xmlns:a14="http://schemas.microsoft.com/office/drawing/2010/main" w="9525">
-                <a:solidFill>
-                  <a:schemeClr val="tx1"/>
-                </a:solidFill>
-                <a:miter lim="800000"/>
-                <a:headEnd/>
-                <a:tailEnd/>
-              </a14:hiddenLine>
-            </a:ext>
-            <a:ext uri="{AF507438-7753-43E0-B8FC-AC1667EBCBE1}">
-              <a14:hiddenEffects xmlns:a14="http://schemas.microsoft.com/office/drawing/2010/main">
-                <a:effectLst>
-                  <a:outerShdw dist="35921" dir="2700000" algn="ctr" rotWithShape="0">
-                    <a:schemeClr val="bg2"/>
-                  </a:outerShdw>
-                </a:effectLst>
-              </a14:hiddenEffects>
-            </a:ext>
-          </a:extLst>
-        </p:spPr>
-      </p:pic>
+        </p:spPr>
+        <p:style>
+          <a:lnRef idx="1">
+            <a:schemeClr val="accent1"/>
+          </a:lnRef>
+          <a:fillRef idx="0">
+            <a:schemeClr val="accent1"/>
+          </a:fillRef>
+          <a:effectRef idx="0">
+            <a:schemeClr val="accent1"/>
+          </a:effectRef>
+          <a:fontRef idx="minor">
+            <a:schemeClr val="tx1"/>
+          </a:fontRef>
+        </p:style>
+      </p:cxnSp>
+      <p:cxnSp>
+        <p:nvCxnSpPr>
+          <p:cNvPr id="27" name="直線矢印コネクタ 26"/>
+          <p:cNvCxnSpPr/>
+          <p:nvPr/>
+        </p:nvCxnSpPr>
+        <p:spPr>
+          <a:xfrm flipV="1">
+            <a:off x="5060091" y="1388930"/>
+            <a:ext cx="1345914" cy="652729"/>
+          </a:xfrm>
+          <a:prstGeom prst="straightConnector1">
+            <a:avLst/>
+          </a:prstGeom>
+          <a:ln w="19050">
+            <a:solidFill>
+              <a:srgbClr val="FF0000"/>
+            </a:solidFill>
+            <a:headEnd type="triangle"/>
+            <a:tailEnd type="triangle"/>
+          </a:ln>
+        </p:spPr>
+        <p:style>
+          <a:lnRef idx="1">
+            <a:schemeClr val="accent1"/>
+          </a:lnRef>
+          <a:fillRef idx="0">
+            <a:schemeClr val="accent1"/>
+          </a:fillRef>
+          <a:effectRef idx="0">
+            <a:schemeClr val="accent1"/>
+          </a:effectRef>
+          <a:fontRef idx="minor">
+            <a:schemeClr val="tx1"/>
+          </a:fontRef>
+        </p:style>
+      </p:cxnSp>
+      <p:cxnSp>
+        <p:nvCxnSpPr>
+          <p:cNvPr id="28" name="直線矢印コネクタ 27"/>
+          <p:cNvCxnSpPr/>
+          <p:nvPr/>
+        </p:nvCxnSpPr>
+        <p:spPr>
+          <a:xfrm>
+            <a:off x="5060091" y="2413686"/>
+            <a:ext cx="1345914" cy="1017011"/>
+          </a:xfrm>
+          <a:prstGeom prst="straightConnector1">
+            <a:avLst/>
+          </a:prstGeom>
+          <a:ln w="19050">
+            <a:solidFill>
+              <a:srgbClr val="FF0000"/>
+            </a:solidFill>
+            <a:headEnd type="triangle"/>
+            <a:tailEnd type="triangle"/>
+          </a:ln>
+        </p:spPr>
+        <p:style>
+          <a:lnRef idx="1">
+            <a:schemeClr val="accent1"/>
+          </a:lnRef>
+          <a:fillRef idx="0">
+            <a:schemeClr val="accent1"/>
+          </a:fillRef>
+          <a:effectRef idx="0">
+            <a:schemeClr val="accent1"/>
+          </a:effectRef>
+          <a:fontRef idx="minor">
+            <a:schemeClr val="tx1"/>
+          </a:fontRef>
+        </p:style>
+      </p:cxnSp>
+      <p:cxnSp>
+        <p:nvCxnSpPr>
+          <p:cNvPr id="29" name="直線矢印コネクタ 28"/>
+          <p:cNvCxnSpPr/>
+          <p:nvPr/>
+        </p:nvCxnSpPr>
+        <p:spPr>
+          <a:xfrm flipH="1">
+            <a:off x="3569705" y="2402313"/>
+            <a:ext cx="1076919" cy="693380"/>
+          </a:xfrm>
+          <a:prstGeom prst="straightConnector1">
+            <a:avLst/>
+          </a:prstGeom>
+          <a:ln w="19050">
+            <a:solidFill>
+              <a:srgbClr val="FF0000"/>
+            </a:solidFill>
+            <a:headEnd type="triangle"/>
+            <a:tailEnd type="triangle"/>
+          </a:ln>
+        </p:spPr>
+        <p:style>
+          <a:lnRef idx="1">
+            <a:schemeClr val="accent1"/>
+          </a:lnRef>
+          <a:fillRef idx="0">
+            <a:schemeClr val="accent1"/>
+          </a:fillRef>
+          <a:effectRef idx="0">
+            <a:schemeClr val="accent1"/>
+          </a:effectRef>
+          <a:fontRef idx="minor">
+            <a:schemeClr val="tx1"/>
+          </a:fontRef>
+        </p:style>
+      </p:cxnSp>
+      <mc:AlternateContent xmlns:mc="http://schemas.openxmlformats.org/markup-compatibility/2006">
+        <mc:Choice xmlns:a14="http://schemas.microsoft.com/office/drawing/2010/main" Requires="a14">
+          <p:sp>
+            <p:nvSpPr>
+              <p:cNvPr id="38" name="テキスト ボックス 37"/>
+              <p:cNvSpPr txBox="1"/>
+              <p:nvPr/>
+            </p:nvSpPr>
+            <p:spPr>
+              <a:xfrm>
+                <a:off x="5711908" y="2675902"/>
+                <a:ext cx="293285" cy="276999"/>
+              </a:xfrm>
+              <a:prstGeom prst="rect">
+                <a:avLst/>
+              </a:prstGeom>
+              <a:noFill/>
+            </p:spPr>
+            <p:txBody>
+              <a:bodyPr wrap="none" lIns="0" tIns="0" rIns="0" bIns="0" rtlCol="0">
+                <a:spAutoFit/>
+              </a:bodyPr>
+              <a:lstStyle/>
+              <a:p>
+                <a:pPr/>
+                <a14:m>
+                  <m:oMathPara xmlns:m="http://schemas.openxmlformats.org/officeDocument/2006/math">
+                    <m:oMathParaPr>
+                      <m:jc m:val="centerGroup"/>
+                    </m:oMathParaPr>
+                    <m:oMath xmlns:m="http://schemas.openxmlformats.org/officeDocument/2006/math">
+                      <m:sSub>
+                        <m:sSubPr>
+                          <m:ctrlPr>
+                            <a:rPr kumimoji="1" lang="en-US" altLang="ja-JP" i="1" smtClean="0">
+                              <a:latin typeface="Cambria Math" panose="02040503050406030204" pitchFamily="18" charset="0"/>
+                            </a:rPr>
+                          </m:ctrlPr>
+                        </m:sSubPr>
+                        <m:e>
+                          <m:r>
+                            <a:rPr kumimoji="1" lang="en-US" altLang="ja-JP" b="0" i="1" smtClean="0">
+                              <a:latin typeface="Cambria Math" panose="02040503050406030204" pitchFamily="18" charset="0"/>
+                            </a:rPr>
+                            <m:t>𝑑</m:t>
+                          </m:r>
+                        </m:e>
+                        <m:sub>
+                          <m:r>
+                            <a:rPr kumimoji="1" lang="en-US" altLang="ja-JP" b="0" i="1" smtClean="0">
+                              <a:latin typeface="Cambria Math" panose="02040503050406030204" pitchFamily="18" charset="0"/>
+                            </a:rPr>
+                            <m:t>4</m:t>
+                          </m:r>
+                        </m:sub>
+                      </m:sSub>
+                    </m:oMath>
+                  </m:oMathPara>
+                </a14:m>
+                <a:endParaRPr kumimoji="1" lang="ja-JP" altLang="en-US" dirty="0"/>
+              </a:p>
+            </p:txBody>
+          </p:sp>
+        </mc:Choice>
+        <mc:Fallback>
+          <p:sp>
+            <p:nvSpPr>
+              <p:cNvPr id="38" name="テキスト ボックス 37"/>
+              <p:cNvSpPr txBox="1">
+                <a:spLocks noRot="1" noChangeAspect="1" noMove="1" noResize="1" noEditPoints="1" noAdjustHandles="1" noChangeArrowheads="1" noChangeShapeType="1" noTextEdit="1"/>
+              </p:cNvSpPr>
+              <p:nvPr/>
+            </p:nvSpPr>
+            <p:spPr>
+              <a:xfrm>
+                <a:off x="5711908" y="2675902"/>
+                <a:ext cx="293285" cy="276999"/>
+              </a:xfrm>
+              <a:prstGeom prst="rect">
+                <a:avLst/>
+              </a:prstGeom>
+              <a:blipFill rotWithShape="0">
+                <a:blip r:embed="rId3"/>
+                <a:stretch>
+                  <a:fillRect l="-20833" r="-6250" b="-15556"/>
+                </a:stretch>
+              </a:blipFill>
+            </p:spPr>
+            <p:txBody>
+              <a:bodyPr/>
+              <a:lstStyle/>
+              <a:p>
+                <a:r>
+                  <a:rPr lang="ja-JP" altLang="en-US">
+                    <a:noFill/>
+                  </a:rPr>
+                  <a:t> </a:t>
+                </a:r>
+              </a:p>
+            </p:txBody>
+          </p:sp>
+        </mc:Fallback>
+      </mc:AlternateContent>
+      <mc:AlternateContent xmlns:mc="http://schemas.openxmlformats.org/markup-compatibility/2006">
+        <mc:Choice xmlns:a14="http://schemas.microsoft.com/office/drawing/2010/main" Requires="a14">
+          <p:sp>
+            <p:nvSpPr>
+              <p:cNvPr id="39" name="テキスト ボックス 38"/>
+              <p:cNvSpPr txBox="1"/>
+              <p:nvPr/>
+            </p:nvSpPr>
+            <p:spPr>
+              <a:xfrm>
+                <a:off x="5665674" y="1319780"/>
+                <a:ext cx="293285" cy="276999"/>
+              </a:xfrm>
+              <a:prstGeom prst="rect">
+                <a:avLst/>
+              </a:prstGeom>
+              <a:noFill/>
+            </p:spPr>
+            <p:txBody>
+              <a:bodyPr wrap="none" lIns="0" tIns="0" rIns="0" bIns="0" rtlCol="0">
+                <a:spAutoFit/>
+              </a:bodyPr>
+              <a:lstStyle/>
+              <a:p>
+                <a:pPr/>
+                <a14:m>
+                  <m:oMathPara xmlns:m="http://schemas.openxmlformats.org/officeDocument/2006/math">
+                    <m:oMathParaPr>
+                      <m:jc m:val="centerGroup"/>
+                    </m:oMathParaPr>
+                    <m:oMath xmlns:m="http://schemas.openxmlformats.org/officeDocument/2006/math">
+                      <m:sSub>
+                        <m:sSubPr>
+                          <m:ctrlPr>
+                            <a:rPr kumimoji="1" lang="en-US" altLang="ja-JP" i="1" smtClean="0">
+                              <a:latin typeface="Cambria Math" panose="02040503050406030204" pitchFamily="18" charset="0"/>
+                            </a:rPr>
+                          </m:ctrlPr>
+                        </m:sSubPr>
+                        <m:e>
+                          <m:r>
+                            <a:rPr kumimoji="1" lang="en-US" altLang="ja-JP" b="0" i="1" smtClean="0">
+                              <a:latin typeface="Cambria Math" panose="02040503050406030204" pitchFamily="18" charset="0"/>
+                            </a:rPr>
+                            <m:t>𝑑</m:t>
+                          </m:r>
+                        </m:e>
+                        <m:sub>
+                          <m:r>
+                            <a:rPr kumimoji="1" lang="en-US" altLang="ja-JP" b="0" i="1" smtClean="0">
+                              <a:latin typeface="Cambria Math" panose="02040503050406030204" pitchFamily="18" charset="0"/>
+                            </a:rPr>
+                            <m:t>3</m:t>
+                          </m:r>
+                        </m:sub>
+                      </m:sSub>
+                    </m:oMath>
+                  </m:oMathPara>
+                </a14:m>
+                <a:endParaRPr kumimoji="1" lang="ja-JP" altLang="en-US" sz="2400" dirty="0"/>
+              </a:p>
+            </p:txBody>
+          </p:sp>
+        </mc:Choice>
+        <mc:Fallback>
+          <p:sp>
+            <p:nvSpPr>
+              <p:cNvPr id="39" name="テキスト ボックス 38"/>
+              <p:cNvSpPr txBox="1">
+                <a:spLocks noRot="1" noChangeAspect="1" noMove="1" noResize="1" noEditPoints="1" noAdjustHandles="1" noChangeArrowheads="1" noChangeShapeType="1" noTextEdit="1"/>
+              </p:cNvSpPr>
+              <p:nvPr/>
+            </p:nvSpPr>
+            <p:spPr>
+              <a:xfrm>
+                <a:off x="5665674" y="1319780"/>
+                <a:ext cx="293285" cy="276999"/>
+              </a:xfrm>
+              <a:prstGeom prst="rect">
+                <a:avLst/>
+              </a:prstGeom>
+              <a:blipFill rotWithShape="0">
+                <a:blip r:embed="rId4"/>
+                <a:stretch>
+                  <a:fillRect l="-20408" r="-6122" b="-15217"/>
+                </a:stretch>
+              </a:blipFill>
+            </p:spPr>
+            <p:txBody>
+              <a:bodyPr/>
+              <a:lstStyle/>
+              <a:p>
+                <a:r>
+                  <a:rPr lang="ja-JP" altLang="en-US">
+                    <a:noFill/>
+                  </a:rPr>
+                  <a:t> </a:t>
+                </a:r>
+              </a:p>
+            </p:txBody>
+          </p:sp>
+        </mc:Fallback>
+      </mc:AlternateContent>
+      <mc:AlternateContent xmlns:mc="http://schemas.openxmlformats.org/markup-compatibility/2006">
+        <mc:Choice xmlns:a14="http://schemas.microsoft.com/office/drawing/2010/main" Requires="a14">
+          <p:sp>
+            <p:nvSpPr>
+              <p:cNvPr id="40" name="テキスト ボックス 39"/>
+              <p:cNvSpPr txBox="1"/>
+              <p:nvPr/>
+            </p:nvSpPr>
+            <p:spPr>
+              <a:xfrm>
+                <a:off x="3839840" y="1317832"/>
+                <a:ext cx="293285" cy="276999"/>
+              </a:xfrm>
+              <a:prstGeom prst="rect">
+                <a:avLst/>
+              </a:prstGeom>
+              <a:noFill/>
+            </p:spPr>
+            <p:txBody>
+              <a:bodyPr wrap="none" lIns="0" tIns="0" rIns="0" bIns="0" rtlCol="0">
+                <a:spAutoFit/>
+              </a:bodyPr>
+              <a:lstStyle/>
+              <a:p>
+                <a:pPr/>
+                <a14:m>
+                  <m:oMathPara xmlns:m="http://schemas.openxmlformats.org/officeDocument/2006/math">
+                    <m:oMathParaPr>
+                      <m:jc m:val="centerGroup"/>
+                    </m:oMathParaPr>
+                    <m:oMath xmlns:m="http://schemas.openxmlformats.org/officeDocument/2006/math">
+                      <m:sSub>
+                        <m:sSubPr>
+                          <m:ctrlPr>
+                            <a:rPr kumimoji="1" lang="en-US" altLang="ja-JP" i="1" smtClean="0">
+                              <a:latin typeface="Cambria Math" panose="02040503050406030204" pitchFamily="18" charset="0"/>
+                            </a:rPr>
+                          </m:ctrlPr>
+                        </m:sSubPr>
+                        <m:e>
+                          <m:r>
+                            <a:rPr kumimoji="1" lang="en-US" altLang="ja-JP" b="0" i="1" smtClean="0">
+                              <a:latin typeface="Cambria Math" panose="02040503050406030204" pitchFamily="18" charset="0"/>
+                            </a:rPr>
+                            <m:t>𝑑</m:t>
+                          </m:r>
+                        </m:e>
+                        <m:sub>
+                          <m:r>
+                            <a:rPr kumimoji="1" lang="en-US" altLang="ja-JP" b="0" i="1" smtClean="0">
+                              <a:latin typeface="Cambria Math" panose="02040503050406030204" pitchFamily="18" charset="0"/>
+                            </a:rPr>
+                            <m:t>2</m:t>
+                          </m:r>
+                        </m:sub>
+                      </m:sSub>
+                    </m:oMath>
+                  </m:oMathPara>
+                </a14:m>
+                <a:endParaRPr kumimoji="1" lang="ja-JP" altLang="en-US" sz="2400" dirty="0"/>
+              </a:p>
+            </p:txBody>
+          </p:sp>
+        </mc:Choice>
+        <mc:Fallback>
+          <p:sp>
+            <p:nvSpPr>
+              <p:cNvPr id="40" name="テキスト ボックス 39"/>
+              <p:cNvSpPr txBox="1">
+                <a:spLocks noRot="1" noChangeAspect="1" noMove="1" noResize="1" noEditPoints="1" noAdjustHandles="1" noChangeArrowheads="1" noChangeShapeType="1" noTextEdit="1"/>
+              </p:cNvSpPr>
+              <p:nvPr/>
+            </p:nvSpPr>
+            <p:spPr>
+              <a:xfrm>
+                <a:off x="3839840" y="1317832"/>
+                <a:ext cx="293285" cy="276999"/>
+              </a:xfrm>
+              <a:prstGeom prst="rect">
+                <a:avLst/>
+              </a:prstGeom>
+              <a:blipFill rotWithShape="0">
+                <a:blip r:embed="rId5"/>
+                <a:stretch>
+                  <a:fillRect l="-20833" r="-6250" b="-15217"/>
+                </a:stretch>
+              </a:blipFill>
+            </p:spPr>
+            <p:txBody>
+              <a:bodyPr/>
+              <a:lstStyle/>
+              <a:p>
+                <a:r>
+                  <a:rPr lang="ja-JP" altLang="en-US">
+                    <a:noFill/>
+                  </a:rPr>
+                  <a:t> </a:t>
+                </a:r>
+              </a:p>
+            </p:txBody>
+          </p:sp>
+        </mc:Fallback>
+      </mc:AlternateContent>
+      <mc:AlternateContent xmlns:mc="http://schemas.openxmlformats.org/markup-compatibility/2006">
+        <mc:Choice xmlns:a14="http://schemas.microsoft.com/office/drawing/2010/main" Requires="a14">
+          <p:sp>
+            <p:nvSpPr>
+              <p:cNvPr id="41" name="テキスト ボックス 40"/>
+              <p:cNvSpPr txBox="1"/>
+              <p:nvPr/>
+            </p:nvSpPr>
+            <p:spPr>
+              <a:xfrm>
+                <a:off x="3845162" y="2472004"/>
+                <a:ext cx="287963" cy="276999"/>
+              </a:xfrm>
+              <a:prstGeom prst="rect">
+                <a:avLst/>
+              </a:prstGeom>
+              <a:noFill/>
+            </p:spPr>
+            <p:txBody>
+              <a:bodyPr wrap="none" lIns="0" tIns="0" rIns="0" bIns="0" rtlCol="0">
+                <a:spAutoFit/>
+              </a:bodyPr>
+              <a:lstStyle/>
+              <a:p>
+                <a:pPr/>
+                <a14:m>
+                  <m:oMathPara xmlns:m="http://schemas.openxmlformats.org/officeDocument/2006/math">
+                    <m:oMathParaPr>
+                      <m:jc m:val="centerGroup"/>
+                    </m:oMathParaPr>
+                    <m:oMath xmlns:m="http://schemas.openxmlformats.org/officeDocument/2006/math">
+                      <m:sSub>
+                        <m:sSubPr>
+                          <m:ctrlPr>
+                            <a:rPr kumimoji="1" lang="en-US" altLang="ja-JP" i="1" smtClean="0">
+                              <a:latin typeface="Cambria Math" panose="02040503050406030204" pitchFamily="18" charset="0"/>
+                            </a:rPr>
+                          </m:ctrlPr>
+                        </m:sSubPr>
+                        <m:e>
+                          <m:r>
+                            <a:rPr kumimoji="1" lang="en-US" altLang="ja-JP" b="0" i="1" smtClean="0">
+                              <a:latin typeface="Cambria Math" panose="02040503050406030204" pitchFamily="18" charset="0"/>
+                            </a:rPr>
+                            <m:t>𝑑</m:t>
+                          </m:r>
+                        </m:e>
+                        <m:sub>
+                          <m:r>
+                            <a:rPr kumimoji="1" lang="en-US" altLang="ja-JP" b="0" i="1" smtClean="0">
+                              <a:latin typeface="Cambria Math" panose="02040503050406030204" pitchFamily="18" charset="0"/>
+                            </a:rPr>
+                            <m:t>1</m:t>
+                          </m:r>
+                        </m:sub>
+                      </m:sSub>
+                    </m:oMath>
+                  </m:oMathPara>
+                </a14:m>
+                <a:endParaRPr kumimoji="1" lang="ja-JP" altLang="en-US" sz="2400" dirty="0"/>
+              </a:p>
+            </p:txBody>
+          </p:sp>
+        </mc:Choice>
+        <mc:Fallback>
+          <p:sp>
+            <p:nvSpPr>
+              <p:cNvPr id="41" name="テキスト ボックス 40"/>
+              <p:cNvSpPr txBox="1">
+                <a:spLocks noRot="1" noChangeAspect="1" noMove="1" noResize="1" noEditPoints="1" noAdjustHandles="1" noChangeArrowheads="1" noChangeShapeType="1" noTextEdit="1"/>
+              </p:cNvSpPr>
+              <p:nvPr/>
+            </p:nvSpPr>
+            <p:spPr>
+              <a:xfrm>
+                <a:off x="3845162" y="2472004"/>
+                <a:ext cx="287963" cy="276999"/>
+              </a:xfrm>
+              <a:prstGeom prst="rect">
+                <a:avLst/>
+              </a:prstGeom>
+              <a:blipFill rotWithShape="0">
+                <a:blip r:embed="rId6"/>
+                <a:stretch>
+                  <a:fillRect l="-21277" r="-6383" b="-15556"/>
+                </a:stretch>
+              </a:blipFill>
+            </p:spPr>
+            <p:txBody>
+              <a:bodyPr/>
+              <a:lstStyle/>
+              <a:p>
+                <a:r>
+                  <a:rPr lang="ja-JP" altLang="en-US">
+                    <a:noFill/>
+                  </a:rPr>
+                  <a:t> </a:t>
+                </a:r>
+              </a:p>
+            </p:txBody>
+          </p:sp>
+        </mc:Fallback>
+      </mc:AlternateContent>
     </p:spTree>
     <p:extLst>
       <p:ext uri="{BB962C8B-B14F-4D97-AF65-F5344CB8AC3E}">
-        <p14:creationId xmlns:p14="http://schemas.microsoft.com/office/powerpoint/2010/main" val="1361529038"/>
+        <p14:creationId xmlns:p14="http://schemas.microsoft.com/office/powerpoint/2010/main" val="4206027436"/>
       </p:ext>
     </p:extLst>
   </p:cSld>
   <p:clrMapOvr>
     <a:masterClrMapping/>
   </p:clrMapOvr>
-  <p:timing>
-    <p:tnLst>
-      <p:par>
-        <p:cTn id="1" dur="indefinite" restart="never" nodeType="tmRoot">
-          <p:childTnLst>
-            <p:seq concurrent="1" nextAc="seek">
-              <p:cTn id="2" dur="indefinite" nodeType="mainSeq">
-                <p:childTnLst>
-                  <p:par>
-                    <p:cTn id="3" fill="hold">
-                      <p:stCondLst>
-                        <p:cond delay="indefinite"/>
-                        <p:cond evt="onBegin" delay="0">
-                          <p:tn val="2"/>
-                        </p:cond>
-                      </p:stCondLst>
-                      <p:childTnLst>
-                        <p:par>
-                          <p:cTn id="4" fill="hold">
-                            <p:stCondLst>
-                              <p:cond delay="0"/>
-                            </p:stCondLst>
-                            <p:childTnLst>
-                              <p:par>
-                                <p:cTn id="5" presetID="14" presetClass="entr" presetSubtype="10" fill="hold" nodeType="afterEffect">
-                                  <p:stCondLst>
-                                    <p:cond delay="0"/>
-                                  </p:stCondLst>
-                                  <p:childTnLst>
-                                    <p:set>
-                                      <p:cBhvr>
-                                        <p:cTn id="6" dur="1" fill="hold">
-                                          <p:stCondLst>
-                                            <p:cond delay="0"/>
-                                          </p:stCondLst>
-                                        </p:cTn>
-                                        <p:tgtEl>
-                                          <p:spTgt spid="2"/>
-                                        </p:tgtEl>
-                                        <p:attrNameLst>
-                                          <p:attrName>style.visibility</p:attrName>
-                                        </p:attrNameLst>
-                                      </p:cBhvr>
-                                      <p:to>
-                                        <p:strVal val="visible"/>
-                                      </p:to>
-                                    </p:set>
-                                    <p:animEffect transition="in" filter="randombar(horizontal)">
-                                      <p:cBhvr>
-                                        <p:cTn id="7" dur="500"/>
-                                        <p:tgtEl>
-                                          <p:spTgt spid="2"/>
-                                        </p:tgtEl>
-                                      </p:cBhvr>
-                                    </p:animEffect>
-                                  </p:childTnLst>
-                                </p:cTn>
-                              </p:par>
-                            </p:childTnLst>
-                          </p:cTn>
-                        </p:par>
-                      </p:childTnLst>
-                    </p:cTn>
-                  </p:par>
-                </p:childTnLst>
-              </p:cTn>
-              <p:prevCondLst>
-                <p:cond evt="onPrev" delay="0">
-                  <p:tgtEl>
-                    <p:sldTgt/>
-                  </p:tgtEl>
-                </p:cond>
-              </p:prevCondLst>
-              <p:nextCondLst>
-                <p:cond evt="onNext" delay="0">
-                  <p:tgtEl>
-                    <p:sldTgt/>
-                  </p:tgtEl>
-                </p:cond>
-              </p:nextCondLst>
-            </p:seq>
-          </p:childTnLst>
-        </p:cTn>
-      </p:par>
-    </p:tnLst>
-  </p:timing>
 </p:sld>
 </file>
 

--- a/パワポ/fig/プレゼンテーション1.pptx
+++ b/パワポ/fig/プレゼンテーション1.pptx
@@ -19,6 +19,7 @@
     <p:sldId id="267" r:id="rId13"/>
     <p:sldId id="268" r:id="rId14"/>
     <p:sldId id="269" r:id="rId15"/>
+    <p:sldId id="271" r:id="rId16"/>
   </p:sldIdLst>
   <p:sldSz cx="12192000" cy="6858000"/>
   <p:notesSz cx="6858000" cy="9144000"/>
@@ -256,7 +257,7 @@
           <a:p>
             <a:fld id="{9A391B90-8A79-412C-89FE-F2A94E6B2FAF}" type="datetimeFigureOut">
               <a:rPr kumimoji="1" lang="ja-JP" altLang="en-US" smtClean="0"/>
-              <a:t>2019/12/25</a:t>
+              <a:t>2019/12/29</a:t>
             </a:fld>
             <a:endParaRPr kumimoji="1" lang="ja-JP" altLang="en-US" dirty="0"/>
           </a:p>
@@ -458,7 +459,7 @@
           <a:p>
             <a:fld id="{9A391B90-8A79-412C-89FE-F2A94E6B2FAF}" type="datetimeFigureOut">
               <a:rPr kumimoji="1" lang="ja-JP" altLang="en-US" smtClean="0"/>
-              <a:t>2019/12/25</a:t>
+              <a:t>2019/12/29</a:t>
             </a:fld>
             <a:endParaRPr kumimoji="1" lang="ja-JP" altLang="en-US" dirty="0"/>
           </a:p>
@@ -670,7 +671,7 @@
           <a:p>
             <a:fld id="{9A391B90-8A79-412C-89FE-F2A94E6B2FAF}" type="datetimeFigureOut">
               <a:rPr kumimoji="1" lang="ja-JP" altLang="en-US" smtClean="0"/>
-              <a:t>2019/12/25</a:t>
+              <a:t>2019/12/29</a:t>
             </a:fld>
             <a:endParaRPr kumimoji="1" lang="ja-JP" altLang="en-US" dirty="0"/>
           </a:p>
@@ -872,7 +873,7 @@
           <a:p>
             <a:fld id="{9A391B90-8A79-412C-89FE-F2A94E6B2FAF}" type="datetimeFigureOut">
               <a:rPr kumimoji="1" lang="ja-JP" altLang="en-US" smtClean="0"/>
-              <a:t>2019/12/25</a:t>
+              <a:t>2019/12/29</a:t>
             </a:fld>
             <a:endParaRPr kumimoji="1" lang="ja-JP" altLang="en-US" dirty="0"/>
           </a:p>
@@ -1118,7 +1119,7 @@
           <a:p>
             <a:fld id="{9A391B90-8A79-412C-89FE-F2A94E6B2FAF}" type="datetimeFigureOut">
               <a:rPr kumimoji="1" lang="ja-JP" altLang="en-US" smtClean="0"/>
-              <a:t>2019/12/25</a:t>
+              <a:t>2019/12/29</a:t>
             </a:fld>
             <a:endParaRPr kumimoji="1" lang="ja-JP" altLang="en-US" dirty="0"/>
           </a:p>
@@ -1414,7 +1415,7 @@
           <a:p>
             <a:fld id="{9A391B90-8A79-412C-89FE-F2A94E6B2FAF}" type="datetimeFigureOut">
               <a:rPr kumimoji="1" lang="ja-JP" altLang="en-US" smtClean="0"/>
-              <a:t>2019/12/25</a:t>
+              <a:t>2019/12/29</a:t>
             </a:fld>
             <a:endParaRPr kumimoji="1" lang="ja-JP" altLang="en-US" dirty="0"/>
           </a:p>
@@ -1845,7 +1846,7 @@
           <a:p>
             <a:fld id="{9A391B90-8A79-412C-89FE-F2A94E6B2FAF}" type="datetimeFigureOut">
               <a:rPr kumimoji="1" lang="ja-JP" altLang="en-US" smtClean="0"/>
-              <a:t>2019/12/25</a:t>
+              <a:t>2019/12/29</a:t>
             </a:fld>
             <a:endParaRPr kumimoji="1" lang="ja-JP" altLang="en-US" dirty="0"/>
           </a:p>
@@ -1963,7 +1964,7 @@
           <a:p>
             <a:fld id="{9A391B90-8A79-412C-89FE-F2A94E6B2FAF}" type="datetimeFigureOut">
               <a:rPr kumimoji="1" lang="ja-JP" altLang="en-US" smtClean="0"/>
-              <a:t>2019/12/25</a:t>
+              <a:t>2019/12/29</a:t>
             </a:fld>
             <a:endParaRPr kumimoji="1" lang="ja-JP" altLang="en-US" dirty="0"/>
           </a:p>
@@ -2058,7 +2059,7 @@
           <a:p>
             <a:fld id="{9A391B90-8A79-412C-89FE-F2A94E6B2FAF}" type="datetimeFigureOut">
               <a:rPr kumimoji="1" lang="ja-JP" altLang="en-US" smtClean="0"/>
-              <a:t>2019/12/25</a:t>
+              <a:t>2019/12/29</a:t>
             </a:fld>
             <a:endParaRPr kumimoji="1" lang="ja-JP" altLang="en-US" dirty="0"/>
           </a:p>
@@ -2367,7 +2368,7 @@
           <a:p>
             <a:fld id="{9A391B90-8A79-412C-89FE-F2A94E6B2FAF}" type="datetimeFigureOut">
               <a:rPr kumimoji="1" lang="ja-JP" altLang="en-US" smtClean="0"/>
-              <a:t>2019/12/25</a:t>
+              <a:t>2019/12/29</a:t>
             </a:fld>
             <a:endParaRPr kumimoji="1" lang="ja-JP" altLang="en-US" dirty="0"/>
           </a:p>
@@ -2620,7 +2621,7 @@
           <a:p>
             <a:fld id="{9A391B90-8A79-412C-89FE-F2A94E6B2FAF}" type="datetimeFigureOut">
               <a:rPr kumimoji="1" lang="ja-JP" altLang="en-US" smtClean="0"/>
-              <a:t>2019/12/25</a:t>
+              <a:t>2019/12/29</a:t>
             </a:fld>
             <a:endParaRPr kumimoji="1" lang="ja-JP" altLang="en-US" dirty="0"/>
           </a:p>
@@ -2865,7 +2866,7 @@
           <a:p>
             <a:fld id="{9A391B90-8A79-412C-89FE-F2A94E6B2FAF}" type="datetimeFigureOut">
               <a:rPr kumimoji="1" lang="ja-JP" altLang="en-US" smtClean="0"/>
-              <a:t>2019/12/25</a:t>
+              <a:t>2019/12/29</a:t>
             </a:fld>
             <a:endParaRPr kumimoji="1" lang="ja-JP" altLang="en-US" dirty="0"/>
           </a:p>
@@ -8066,6 +8067,287 @@
 </p:sld>
 </file>
 
+<file path=ppt/slides/slide15.xml><?xml version="1.0" encoding="utf-8"?>
+<p:sld xmlns:a="http://schemas.openxmlformats.org/drawingml/2006/main" xmlns:r="http://schemas.openxmlformats.org/officeDocument/2006/relationships" xmlns:p="http://schemas.openxmlformats.org/presentationml/2006/main">
+  <p:cSld>
+    <p:spTree>
+      <p:nvGrpSpPr>
+        <p:cNvPr id="1" name=""/>
+        <p:cNvGrpSpPr/>
+        <p:nvPr/>
+      </p:nvGrpSpPr>
+      <p:grpSpPr>
+        <a:xfrm>
+          <a:off x="0" y="0"/>
+          <a:ext cx="0" cy="0"/>
+          <a:chOff x="0" y="0"/>
+          <a:chExt cx="0" cy="0"/>
+        </a:xfrm>
+      </p:grpSpPr>
+      <p:pic>
+        <p:nvPicPr>
+          <p:cNvPr id="2" name="図 1"/>
+          <p:cNvPicPr>
+            <a:picLocks noChangeAspect="1"/>
+          </p:cNvPicPr>
+          <p:nvPr/>
+        </p:nvPicPr>
+        <p:blipFill>
+          <a:blip r:embed="rId2" cstate="print">
+            <a:extLst>
+              <a:ext uri="{28A0092B-C50C-407E-A947-70E740481C1C}">
+                <a14:useLocalDpi xmlns:a14="http://schemas.microsoft.com/office/drawing/2010/main" val="0"/>
+              </a:ext>
+            </a:extLst>
+          </a:blip>
+          <a:stretch>
+            <a:fillRect/>
+          </a:stretch>
+        </p:blipFill>
+        <p:spPr>
+          <a:xfrm rot="14924185">
+            <a:off x="4535386" y="1683661"/>
+            <a:ext cx="2996066" cy="2996066"/>
+          </a:xfrm>
+          <a:prstGeom prst="rect">
+            <a:avLst/>
+          </a:prstGeom>
+          <a:ln w="12700">
+            <a:solidFill>
+              <a:schemeClr val="bg1"/>
+            </a:solidFill>
+          </a:ln>
+        </p:spPr>
+      </p:pic>
+      <p:cxnSp>
+        <p:nvCxnSpPr>
+          <p:cNvPr id="4" name="直線矢印コネクタ 3"/>
+          <p:cNvCxnSpPr/>
+          <p:nvPr/>
+        </p:nvCxnSpPr>
+        <p:spPr>
+          <a:xfrm flipH="1">
+            <a:off x="4868562" y="3678796"/>
+            <a:ext cx="914402" cy="910454"/>
+          </a:xfrm>
+          <a:prstGeom prst="straightConnector1">
+            <a:avLst/>
+          </a:prstGeom>
+          <a:ln w="57150">
+            <a:solidFill>
+              <a:schemeClr val="tx1"/>
+            </a:solidFill>
+            <a:tailEnd type="triangle"/>
+          </a:ln>
+        </p:spPr>
+        <p:style>
+          <a:lnRef idx="1">
+            <a:schemeClr val="accent1"/>
+          </a:lnRef>
+          <a:fillRef idx="0">
+            <a:schemeClr val="accent1"/>
+          </a:fillRef>
+          <a:effectRef idx="0">
+            <a:schemeClr val="accent1"/>
+          </a:effectRef>
+          <a:fontRef idx="minor">
+            <a:schemeClr val="tx1"/>
+          </a:fontRef>
+        </p:style>
+      </p:cxnSp>
+      <p:cxnSp>
+        <p:nvCxnSpPr>
+          <p:cNvPr id="5" name="直線矢印コネクタ 4"/>
+          <p:cNvCxnSpPr/>
+          <p:nvPr/>
+        </p:nvCxnSpPr>
+        <p:spPr>
+          <a:xfrm flipV="1">
+            <a:off x="5782963" y="1383957"/>
+            <a:ext cx="0" cy="2306595"/>
+          </a:xfrm>
+          <a:prstGeom prst="straightConnector1">
+            <a:avLst/>
+          </a:prstGeom>
+          <a:ln w="57150">
+            <a:solidFill>
+              <a:schemeClr val="tx1"/>
+            </a:solidFill>
+            <a:tailEnd type="triangle"/>
+          </a:ln>
+        </p:spPr>
+        <p:style>
+          <a:lnRef idx="1">
+            <a:schemeClr val="accent1"/>
+          </a:lnRef>
+          <a:fillRef idx="0">
+            <a:schemeClr val="accent1"/>
+          </a:fillRef>
+          <a:effectRef idx="0">
+            <a:schemeClr val="accent1"/>
+          </a:effectRef>
+          <a:fontRef idx="minor">
+            <a:schemeClr val="tx1"/>
+          </a:fontRef>
+        </p:style>
+      </p:cxnSp>
+      <p:cxnSp>
+        <p:nvCxnSpPr>
+          <p:cNvPr id="6" name="直線矢印コネクタ 5"/>
+          <p:cNvCxnSpPr/>
+          <p:nvPr/>
+        </p:nvCxnSpPr>
+        <p:spPr>
+          <a:xfrm>
+            <a:off x="5782963" y="3678796"/>
+            <a:ext cx="1482810" cy="695496"/>
+          </a:xfrm>
+          <a:prstGeom prst="straightConnector1">
+            <a:avLst/>
+          </a:prstGeom>
+          <a:ln w="57150">
+            <a:solidFill>
+              <a:schemeClr val="tx1"/>
+            </a:solidFill>
+            <a:tailEnd type="triangle"/>
+          </a:ln>
+        </p:spPr>
+        <p:style>
+          <a:lnRef idx="1">
+            <a:schemeClr val="accent1"/>
+          </a:lnRef>
+          <a:fillRef idx="0">
+            <a:schemeClr val="accent1"/>
+          </a:fillRef>
+          <a:effectRef idx="0">
+            <a:schemeClr val="accent1"/>
+          </a:effectRef>
+          <a:fontRef idx="minor">
+            <a:schemeClr val="tx1"/>
+          </a:fontRef>
+        </p:style>
+      </p:cxnSp>
+      <p:sp>
+        <p:nvSpPr>
+          <p:cNvPr id="14" name="テキスト ボックス 13"/>
+          <p:cNvSpPr txBox="1"/>
+          <p:nvPr/>
+        </p:nvSpPr>
+        <p:spPr>
+          <a:xfrm>
+            <a:off x="5610480" y="799182"/>
+            <a:ext cx="344966" cy="584775"/>
+          </a:xfrm>
+          <a:prstGeom prst="rect">
+            <a:avLst/>
+          </a:prstGeom>
+          <a:noFill/>
+        </p:spPr>
+        <p:txBody>
+          <a:bodyPr wrap="none" rtlCol="0">
+            <a:spAutoFit/>
+          </a:bodyPr>
+          <a:lstStyle/>
+          <a:p>
+            <a:r>
+              <a:rPr kumimoji="1" lang="en-US" altLang="ja-JP" sz="3200" i="1" dirty="0" smtClean="0">
+                <a:latin typeface="Times New Roman" panose="02020603050405020304" pitchFamily="18" charset="0"/>
+                <a:cs typeface="Times New Roman" panose="02020603050405020304" pitchFamily="18" charset="0"/>
+              </a:rPr>
+              <a:t>z</a:t>
+            </a:r>
+            <a:endParaRPr kumimoji="1" lang="ja-JP" altLang="en-US" sz="3200" i="1" dirty="0">
+              <a:latin typeface="Times New Roman" panose="02020603050405020304" pitchFamily="18" charset="0"/>
+              <a:cs typeface="Times New Roman" panose="02020603050405020304" pitchFamily="18" charset="0"/>
+            </a:endParaRPr>
+          </a:p>
+        </p:txBody>
+      </p:sp>
+      <p:sp>
+        <p:nvSpPr>
+          <p:cNvPr id="15" name="テキスト ボックス 14"/>
+          <p:cNvSpPr txBox="1"/>
+          <p:nvPr/>
+        </p:nvSpPr>
+        <p:spPr>
+          <a:xfrm>
+            <a:off x="4501154" y="4450422"/>
+            <a:ext cx="367408" cy="584775"/>
+          </a:xfrm>
+          <a:prstGeom prst="rect">
+            <a:avLst/>
+          </a:prstGeom>
+          <a:noFill/>
+        </p:spPr>
+        <p:txBody>
+          <a:bodyPr wrap="none" rtlCol="0">
+            <a:spAutoFit/>
+          </a:bodyPr>
+          <a:lstStyle/>
+          <a:p>
+            <a:r>
+              <a:rPr lang="en-US" altLang="ja-JP" sz="3200" i="1" dirty="0" smtClean="0">
+                <a:latin typeface="Times New Roman" panose="02020603050405020304" pitchFamily="18" charset="0"/>
+                <a:cs typeface="Times New Roman" panose="02020603050405020304" pitchFamily="18" charset="0"/>
+              </a:rPr>
+              <a:t>x</a:t>
+            </a:r>
+            <a:endParaRPr kumimoji="1" lang="ja-JP" altLang="en-US" sz="3200" i="1" dirty="0">
+              <a:latin typeface="Times New Roman" panose="02020603050405020304" pitchFamily="18" charset="0"/>
+              <a:cs typeface="Times New Roman" panose="02020603050405020304" pitchFamily="18" charset="0"/>
+            </a:endParaRPr>
+          </a:p>
+        </p:txBody>
+      </p:sp>
+      <p:sp>
+        <p:nvSpPr>
+          <p:cNvPr id="16" name="テキスト ボックス 15"/>
+          <p:cNvSpPr txBox="1"/>
+          <p:nvPr/>
+        </p:nvSpPr>
+        <p:spPr>
+          <a:xfrm>
+            <a:off x="7348151" y="4117728"/>
+            <a:ext cx="367408" cy="584775"/>
+          </a:xfrm>
+          <a:prstGeom prst="rect">
+            <a:avLst/>
+          </a:prstGeom>
+          <a:noFill/>
+        </p:spPr>
+        <p:txBody>
+          <a:bodyPr wrap="none" rtlCol="0">
+            <a:spAutoFit/>
+          </a:bodyPr>
+          <a:lstStyle/>
+          <a:p>
+            <a:r>
+              <a:rPr lang="en-US" altLang="ja-JP" sz="3200" i="1" dirty="0" smtClean="0">
+                <a:latin typeface="Times New Roman" panose="02020603050405020304" pitchFamily="18" charset="0"/>
+                <a:cs typeface="Times New Roman" panose="02020603050405020304" pitchFamily="18" charset="0"/>
+              </a:rPr>
+              <a:t>y</a:t>
+            </a:r>
+            <a:endParaRPr kumimoji="1" lang="ja-JP" altLang="en-US" sz="3200" i="1" dirty="0">
+              <a:latin typeface="Times New Roman" panose="02020603050405020304" pitchFamily="18" charset="0"/>
+              <a:cs typeface="Times New Roman" panose="02020603050405020304" pitchFamily="18" charset="0"/>
+            </a:endParaRPr>
+          </a:p>
+        </p:txBody>
+      </p:sp>
+    </p:spTree>
+    <p:extLst>
+      <p:ext uri="{BB962C8B-B14F-4D97-AF65-F5344CB8AC3E}">
+        <p14:creationId xmlns:p14="http://schemas.microsoft.com/office/powerpoint/2010/main" val="2515095740"/>
+      </p:ext>
+    </p:extLst>
+  </p:cSld>
+  <p:clrMapOvr>
+    <a:masterClrMapping/>
+  </p:clrMapOvr>
+</p:sld>
+</file>
+
 <file path=ppt/slides/slide2.xml><?xml version="1.0" encoding="utf-8"?>
 <p:sld xmlns:a="http://schemas.openxmlformats.org/drawingml/2006/main" xmlns:r="http://schemas.openxmlformats.org/officeDocument/2006/relationships" xmlns:p="http://schemas.openxmlformats.org/presentationml/2006/main">
   <p:cSld>
@@ -17248,14 +17530,7 @@
                 <a:latin typeface="Times New Roman" panose="02020603050405020304" pitchFamily="18" charset="0"/>
                 <a:cs typeface="Times New Roman" panose="02020603050405020304" pitchFamily="18" charset="0"/>
               </a:rPr>
-              <a:t>Fixed station</a:t>
-            </a:r>
-            <a:r>
-              <a:rPr lang="en-US" altLang="ja-JP" dirty="0" smtClean="0">
-                <a:latin typeface="Times New Roman" panose="02020603050405020304" pitchFamily="18" charset="0"/>
-                <a:cs typeface="Times New Roman" panose="02020603050405020304" pitchFamily="18" charset="0"/>
-              </a:rPr>
-              <a:t>1</a:t>
+              <a:t>Fixed station1</a:t>
             </a:r>
             <a:endParaRPr lang="en-US" altLang="ja-JP" dirty="0">
               <a:latin typeface="Times New Roman" panose="02020603050405020304" pitchFamily="18" charset="0"/>
@@ -17369,14 +17644,7 @@
                 <a:latin typeface="Times New Roman" panose="02020603050405020304" pitchFamily="18" charset="0"/>
                 <a:cs typeface="Times New Roman" panose="02020603050405020304" pitchFamily="18" charset="0"/>
               </a:rPr>
-              <a:t>Fixed station</a:t>
-            </a:r>
-            <a:r>
-              <a:rPr lang="en-US" altLang="ja-JP" dirty="0" smtClean="0">
-                <a:latin typeface="Times New Roman" panose="02020603050405020304" pitchFamily="18" charset="0"/>
-                <a:cs typeface="Times New Roman" panose="02020603050405020304" pitchFamily="18" charset="0"/>
-              </a:rPr>
-              <a:t>2</a:t>
+              <a:t>Fixed station2</a:t>
             </a:r>
             <a:endParaRPr lang="en-US" altLang="ja-JP" dirty="0">
               <a:latin typeface="Times New Roman" panose="02020603050405020304" pitchFamily="18" charset="0"/>
@@ -17490,14 +17758,7 @@
                 <a:latin typeface="Times New Roman" panose="02020603050405020304" pitchFamily="18" charset="0"/>
                 <a:cs typeface="Times New Roman" panose="02020603050405020304" pitchFamily="18" charset="0"/>
               </a:rPr>
-              <a:t>Fixed station</a:t>
-            </a:r>
-            <a:r>
-              <a:rPr lang="en-US" altLang="ja-JP" dirty="0" smtClean="0">
-                <a:latin typeface="Times New Roman" panose="02020603050405020304" pitchFamily="18" charset="0"/>
-                <a:cs typeface="Times New Roman" panose="02020603050405020304" pitchFamily="18" charset="0"/>
-              </a:rPr>
-              <a:t>3</a:t>
+              <a:t>Fixed station3</a:t>
             </a:r>
             <a:endParaRPr lang="en-US" altLang="ja-JP" dirty="0">
               <a:latin typeface="Times New Roman" panose="02020603050405020304" pitchFamily="18" charset="0"/>
@@ -17611,14 +17872,7 @@
                 <a:latin typeface="Times New Roman" panose="02020603050405020304" pitchFamily="18" charset="0"/>
                 <a:cs typeface="Times New Roman" panose="02020603050405020304" pitchFamily="18" charset="0"/>
               </a:rPr>
-              <a:t>Fixed station</a:t>
-            </a:r>
-            <a:r>
-              <a:rPr lang="en-US" altLang="ja-JP" dirty="0" smtClean="0">
-                <a:latin typeface="Times New Roman" panose="02020603050405020304" pitchFamily="18" charset="0"/>
-                <a:cs typeface="Times New Roman" panose="02020603050405020304" pitchFamily="18" charset="0"/>
-              </a:rPr>
-              <a:t>4</a:t>
+              <a:t>Fixed station4</a:t>
             </a:r>
             <a:endParaRPr lang="en-US" altLang="ja-JP" dirty="0">
               <a:latin typeface="Times New Roman" panose="02020603050405020304" pitchFamily="18" charset="0"/>
@@ -17704,8 +17958,8 @@
           </a:p>
         </p:txBody>
       </p:sp>
-      <mc:AlternateContent xmlns:mc="http://schemas.openxmlformats.org/markup-compatibility/2006">
-        <mc:Choice xmlns:a14="http://schemas.microsoft.com/office/drawing/2010/main" Requires="a14">
+      <mc:AlternateContent xmlns:mc="http://schemas.openxmlformats.org/markup-compatibility/2006" xmlns:a14="http://schemas.microsoft.com/office/drawing/2010/main">
+        <mc:Choice Requires="a14">
           <p:sp>
             <p:nvSpPr>
               <p:cNvPr id="24" name="テキスト ボックス 23"/>
@@ -17851,7 +18105,7 @@
             </p:txBody>
           </p:sp>
         </mc:Choice>
-        <mc:Fallback>
+        <mc:Fallback xmlns="">
           <p:sp>
             <p:nvSpPr>
               <p:cNvPr id="24" name="テキスト ボックス 23"/>
@@ -18038,8 +18292,8 @@
           </a:fontRef>
         </p:style>
       </p:cxnSp>
-      <mc:AlternateContent xmlns:mc="http://schemas.openxmlformats.org/markup-compatibility/2006">
-        <mc:Choice xmlns:a14="http://schemas.microsoft.com/office/drawing/2010/main" Requires="a14">
+      <mc:AlternateContent xmlns:mc="http://schemas.openxmlformats.org/markup-compatibility/2006" xmlns:a14="http://schemas.microsoft.com/office/drawing/2010/main">
+        <mc:Choice Requires="a14">
           <p:sp>
             <p:nvSpPr>
               <p:cNvPr id="38" name="テキスト ボックス 37"/>
@@ -18102,7 +18356,7 @@
             </p:txBody>
           </p:sp>
         </mc:Choice>
-        <mc:Fallback>
+        <mc:Fallback xmlns="">
           <p:sp>
             <p:nvSpPr>
               <p:cNvPr id="38" name="テキスト ボックス 37"/>
@@ -18141,8 +18395,8 @@
           </p:sp>
         </mc:Fallback>
       </mc:AlternateContent>
-      <mc:AlternateContent xmlns:mc="http://schemas.openxmlformats.org/markup-compatibility/2006">
-        <mc:Choice xmlns:a14="http://schemas.microsoft.com/office/drawing/2010/main" Requires="a14">
+      <mc:AlternateContent xmlns:mc="http://schemas.openxmlformats.org/markup-compatibility/2006" xmlns:a14="http://schemas.microsoft.com/office/drawing/2010/main">
+        <mc:Choice Requires="a14">
           <p:sp>
             <p:nvSpPr>
               <p:cNvPr id="39" name="テキスト ボックス 38"/>
@@ -18205,7 +18459,7 @@
             </p:txBody>
           </p:sp>
         </mc:Choice>
-        <mc:Fallback>
+        <mc:Fallback xmlns="">
           <p:sp>
             <p:nvSpPr>
               <p:cNvPr id="39" name="テキスト ボックス 38"/>
@@ -18244,8 +18498,8 @@
           </p:sp>
         </mc:Fallback>
       </mc:AlternateContent>
-      <mc:AlternateContent xmlns:mc="http://schemas.openxmlformats.org/markup-compatibility/2006">
-        <mc:Choice xmlns:a14="http://schemas.microsoft.com/office/drawing/2010/main" Requires="a14">
+      <mc:AlternateContent xmlns:mc="http://schemas.openxmlformats.org/markup-compatibility/2006" xmlns:a14="http://schemas.microsoft.com/office/drawing/2010/main">
+        <mc:Choice Requires="a14">
           <p:sp>
             <p:nvSpPr>
               <p:cNvPr id="40" name="テキスト ボックス 39"/>
@@ -18308,7 +18562,7 @@
             </p:txBody>
           </p:sp>
         </mc:Choice>
-        <mc:Fallback>
+        <mc:Fallback xmlns="">
           <p:sp>
             <p:nvSpPr>
               <p:cNvPr id="40" name="テキスト ボックス 39"/>
@@ -18347,8 +18601,8 @@
           </p:sp>
         </mc:Fallback>
       </mc:AlternateContent>
-      <mc:AlternateContent xmlns:mc="http://schemas.openxmlformats.org/markup-compatibility/2006">
-        <mc:Choice xmlns:a14="http://schemas.microsoft.com/office/drawing/2010/main" Requires="a14">
+      <mc:AlternateContent xmlns:mc="http://schemas.openxmlformats.org/markup-compatibility/2006" xmlns:a14="http://schemas.microsoft.com/office/drawing/2010/main">
+        <mc:Choice Requires="a14">
           <p:sp>
             <p:nvSpPr>
               <p:cNvPr id="41" name="テキスト ボックス 40"/>
@@ -18411,7 +18665,7 @@
             </p:txBody>
           </p:sp>
         </mc:Choice>
-        <mc:Fallback>
+        <mc:Fallback xmlns="">
           <p:sp>
             <p:nvSpPr>
               <p:cNvPr id="41" name="テキスト ボックス 40"/>
